--- a/pres-source/01-cloud-overview.pptx
+++ b/pres-source/01-cloud-overview.pptx
@@ -5,7 +5,7 @@
     <p:sldMasterId id="2147483648" r:id="rId1"/>
   </p:sldMasterIdLst>
   <p:notesMasterIdLst>
-    <p:notesMasterId r:id="rId23"/>
+    <p:notesMasterId r:id="rId24"/>
   </p:notesMasterIdLst>
   <p:sldIdLst>
     <p:sldId id="256" r:id="rId2"/>
@@ -14,21 +14,22 @@
     <p:sldId id="277" r:id="rId5"/>
     <p:sldId id="258" r:id="rId6"/>
     <p:sldId id="278" r:id="rId7"/>
-    <p:sldId id="281" r:id="rId8"/>
-    <p:sldId id="279" r:id="rId9"/>
-    <p:sldId id="280" r:id="rId10"/>
-    <p:sldId id="265" r:id="rId11"/>
-    <p:sldId id="284" r:id="rId12"/>
-    <p:sldId id="285" r:id="rId13"/>
-    <p:sldId id="286" r:id="rId14"/>
-    <p:sldId id="287" r:id="rId15"/>
-    <p:sldId id="288" r:id="rId16"/>
-    <p:sldId id="289" r:id="rId17"/>
-    <p:sldId id="290" r:id="rId18"/>
-    <p:sldId id="298" r:id="rId19"/>
-    <p:sldId id="299" r:id="rId20"/>
-    <p:sldId id="294" r:id="rId21"/>
-    <p:sldId id="283" r:id="rId22"/>
+    <p:sldId id="300" r:id="rId8"/>
+    <p:sldId id="281" r:id="rId9"/>
+    <p:sldId id="279" r:id="rId10"/>
+    <p:sldId id="280" r:id="rId11"/>
+    <p:sldId id="265" r:id="rId12"/>
+    <p:sldId id="284" r:id="rId13"/>
+    <p:sldId id="285" r:id="rId14"/>
+    <p:sldId id="286" r:id="rId15"/>
+    <p:sldId id="287" r:id="rId16"/>
+    <p:sldId id="288" r:id="rId17"/>
+    <p:sldId id="289" r:id="rId18"/>
+    <p:sldId id="290" r:id="rId19"/>
+    <p:sldId id="298" r:id="rId20"/>
+    <p:sldId id="299" r:id="rId21"/>
+    <p:sldId id="294" r:id="rId22"/>
+    <p:sldId id="283" r:id="rId23"/>
   </p:sldIdLst>
   <p:sldSz cx="9144000" cy="6858000" type="screen4x3"/>
   <p:notesSz cx="6858000" cy="9144000"/>
@@ -217,7 +218,7 @@
             <a:fld id="{7307762F-A706-E543-A832-3C298AA3103F}" type="datetimeFigureOut">
               <a:rPr lang="en-US" smtClean="0"/>
               <a:pPr/>
-              <a:t>09/09/16</a:t>
+              <a:t>07/07/17</a:t>
             </a:fld>
             <a:endParaRPr lang="en-US" dirty="0"/>
           </a:p>
@@ -1602,7 +1603,7 @@
           <a:p>
             <a:fld id="{875CF0EB-321F-0749-B37A-89BBA859503C}" type="datetimeFigureOut">
               <a:rPr lang="en-US" smtClean="0"/>
-              <a:t>09/09/16</a:t>
+              <a:t>07/07/17</a:t>
             </a:fld>
             <a:endParaRPr lang="en-US"/>
           </a:p>
@@ -1806,7 +1807,7 @@
           <a:p>
             <a:fld id="{875CF0EB-321F-0749-B37A-89BBA859503C}" type="datetimeFigureOut">
               <a:rPr lang="en-US" smtClean="0"/>
-              <a:t>09/09/16</a:t>
+              <a:t>07/07/17</a:t>
             </a:fld>
             <a:endParaRPr lang="en-US"/>
           </a:p>
@@ -2140,7 +2141,7 @@
           <a:p>
             <a:fld id="{875CF0EB-321F-0749-B37A-89BBA859503C}" type="datetimeFigureOut">
               <a:rPr lang="en-US" smtClean="0"/>
-              <a:t>09/09/16</a:t>
+              <a:t>07/07/17</a:t>
             </a:fld>
             <a:endParaRPr lang="en-US"/>
           </a:p>
@@ -2410,7 +2411,7 @@
           <a:p>
             <a:fld id="{875CF0EB-321F-0749-B37A-89BBA859503C}" type="datetimeFigureOut">
               <a:rPr lang="en-US" smtClean="0"/>
-              <a:t>09/09/16</a:t>
+              <a:t>07/07/17</a:t>
             </a:fld>
             <a:endParaRPr lang="en-US"/>
           </a:p>
@@ -2722,7 +2723,7 @@
           <a:p>
             <a:fld id="{875CF0EB-321F-0749-B37A-89BBA859503C}" type="datetimeFigureOut">
               <a:rPr lang="en-US" smtClean="0"/>
-              <a:t>09/09/16</a:t>
+              <a:t>07/07/17</a:t>
             </a:fld>
             <a:endParaRPr lang="en-US"/>
           </a:p>
@@ -3168,7 +3169,7 @@
           <a:p>
             <a:fld id="{875CF0EB-321F-0749-B37A-89BBA859503C}" type="datetimeFigureOut">
               <a:rPr lang="en-US" smtClean="0"/>
-              <a:t>09/09/16</a:t>
+              <a:t>07/07/17</a:t>
             </a:fld>
             <a:endParaRPr lang="en-US"/>
           </a:p>
@@ -3310,7 +3311,7 @@
           <a:p>
             <a:fld id="{875CF0EB-321F-0749-B37A-89BBA859503C}" type="datetimeFigureOut">
               <a:rPr lang="en-US" smtClean="0"/>
-              <a:t>09/09/16</a:t>
+              <a:t>07/07/17</a:t>
             </a:fld>
             <a:endParaRPr lang="en-US"/>
           </a:p>
@@ -3429,7 +3430,7 @@
           <a:p>
             <a:fld id="{875CF0EB-321F-0749-B37A-89BBA859503C}" type="datetimeFigureOut">
               <a:rPr lang="en-US" smtClean="0"/>
-              <a:t>09/09/16</a:t>
+              <a:t>07/07/17</a:t>
             </a:fld>
             <a:endParaRPr lang="en-US"/>
           </a:p>
@@ -3730,7 +3731,7 @@
           <a:p>
             <a:fld id="{875CF0EB-321F-0749-B37A-89BBA859503C}" type="datetimeFigureOut">
               <a:rPr lang="en-US" smtClean="0"/>
-              <a:t>09/09/16</a:t>
+              <a:t>07/07/17</a:t>
             </a:fld>
             <a:endParaRPr lang="en-US"/>
           </a:p>
@@ -4007,7 +4008,7 @@
           <a:p>
             <a:fld id="{875CF0EB-321F-0749-B37A-89BBA859503C}" type="datetimeFigureOut">
               <a:rPr lang="en-US" smtClean="0"/>
-              <a:t>09/09/16</a:t>
+              <a:t>07/07/17</a:t>
             </a:fld>
             <a:endParaRPr lang="en-US"/>
           </a:p>
@@ -4990,6 +4991,474 @@
       </p:grpSpPr>
       <p:sp>
         <p:nvSpPr>
+          <p:cNvPr id="4" name="Title 3"/>
+          <p:cNvSpPr>
+            <a:spLocks noGrp="1"/>
+          </p:cNvSpPr>
+          <p:nvPr>
+            <p:ph type="title"/>
+          </p:nvPr>
+        </p:nvSpPr>
+        <p:spPr/>
+        <p:txBody>
+          <a:bodyPr/>
+          <a:lstStyle/>
+          <a:p>
+            <a:r>
+              <a:rPr lang="en-US" dirty="0" smtClean="0"/>
+              <a:t>Evolution of Cloud</a:t>
+            </a:r>
+            <a:endParaRPr lang="en-US" dirty="0"/>
+          </a:p>
+        </p:txBody>
+      </p:sp>
+      <p:cxnSp>
+        <p:nvCxnSpPr>
+          <p:cNvPr id="7" name="Straight Arrow Connector 6"/>
+          <p:cNvCxnSpPr/>
+          <p:nvPr/>
+        </p:nvCxnSpPr>
+        <p:spPr>
+          <a:xfrm>
+            <a:off x="832102" y="5708309"/>
+            <a:ext cx="7430527" cy="0"/>
+          </a:xfrm>
+          <a:prstGeom prst="straightConnector1">
+            <a:avLst/>
+          </a:prstGeom>
+          <a:ln>
+            <a:tailEnd type="arrow"/>
+          </a:ln>
+        </p:spPr>
+        <p:style>
+          <a:lnRef idx="2">
+            <a:schemeClr val="accent1"/>
+          </a:lnRef>
+          <a:fillRef idx="0">
+            <a:schemeClr val="accent1"/>
+          </a:fillRef>
+          <a:effectRef idx="1">
+            <a:schemeClr val="accent1"/>
+          </a:effectRef>
+          <a:fontRef idx="minor">
+            <a:schemeClr val="tx1"/>
+          </a:fontRef>
+        </p:style>
+      </p:cxnSp>
+      <p:cxnSp>
+        <p:nvCxnSpPr>
+          <p:cNvPr id="9" name="Straight Arrow Connector 8"/>
+          <p:cNvCxnSpPr/>
+          <p:nvPr/>
+        </p:nvCxnSpPr>
+        <p:spPr>
+          <a:xfrm flipV="1">
+            <a:off x="832102" y="1635117"/>
+            <a:ext cx="0" cy="4073192"/>
+          </a:xfrm>
+          <a:prstGeom prst="straightConnector1">
+            <a:avLst/>
+          </a:prstGeom>
+          <a:ln>
+            <a:tailEnd type="arrow"/>
+          </a:ln>
+        </p:spPr>
+        <p:style>
+          <a:lnRef idx="2">
+            <a:schemeClr val="accent1"/>
+          </a:lnRef>
+          <a:fillRef idx="0">
+            <a:schemeClr val="accent1"/>
+          </a:fillRef>
+          <a:effectRef idx="1">
+            <a:schemeClr val="accent1"/>
+          </a:effectRef>
+          <a:fontRef idx="minor">
+            <a:schemeClr val="tx1"/>
+          </a:fontRef>
+        </p:style>
+      </p:cxnSp>
+      <p:cxnSp>
+        <p:nvCxnSpPr>
+          <p:cNvPr id="11" name="Straight Arrow Connector 10"/>
+          <p:cNvCxnSpPr/>
+          <p:nvPr/>
+        </p:nvCxnSpPr>
+        <p:spPr>
+          <a:xfrm flipV="1">
+            <a:off x="832102" y="1635117"/>
+            <a:ext cx="7430527" cy="4073192"/>
+          </a:xfrm>
+          <a:prstGeom prst="straightConnector1">
+            <a:avLst/>
+          </a:prstGeom>
+          <a:ln w="76200" cmpd="sng">
+            <a:solidFill>
+              <a:srgbClr val="FF6600"/>
+            </a:solidFill>
+            <a:tailEnd type="arrow"/>
+          </a:ln>
+        </p:spPr>
+        <p:style>
+          <a:lnRef idx="2">
+            <a:schemeClr val="accent1"/>
+          </a:lnRef>
+          <a:fillRef idx="0">
+            <a:schemeClr val="accent1"/>
+          </a:fillRef>
+          <a:effectRef idx="1">
+            <a:schemeClr val="accent1"/>
+          </a:effectRef>
+          <a:fontRef idx="minor">
+            <a:schemeClr val="tx1"/>
+          </a:fontRef>
+        </p:style>
+      </p:cxnSp>
+      <p:sp>
+        <p:nvSpPr>
+          <p:cNvPr id="12" name="TextBox 11"/>
+          <p:cNvSpPr txBox="1"/>
+          <p:nvPr/>
+        </p:nvSpPr>
+        <p:spPr>
+          <a:xfrm>
+            <a:off x="832102" y="5027268"/>
+            <a:ext cx="2508319" cy="461665"/>
+          </a:xfrm>
+          <a:prstGeom prst="rect">
+            <a:avLst/>
+          </a:prstGeom>
+          <a:noFill/>
+        </p:spPr>
+        <p:txBody>
+          <a:bodyPr wrap="none" rtlCol="0">
+            <a:spAutoFit/>
+          </a:bodyPr>
+          <a:lstStyle/>
+          <a:p>
+            <a:r>
+              <a:rPr lang="en-US" sz="2400" dirty="0" smtClean="0">
+                <a:solidFill>
+                  <a:srgbClr val="000090"/>
+                </a:solidFill>
+                <a:effectLst>
+                  <a:outerShdw blurRad="111125" dist="88900" dir="2700000" algn="tl" rotWithShape="0">
+                    <a:schemeClr val="bg1"/>
+                  </a:outerShdw>
+                </a:effectLst>
+              </a:rPr>
+              <a:t>Cluster Computing</a:t>
+            </a:r>
+            <a:endParaRPr lang="en-US" sz="2400" dirty="0">
+              <a:solidFill>
+                <a:srgbClr val="000090"/>
+              </a:solidFill>
+              <a:effectLst>
+                <a:outerShdw blurRad="111125" dist="88900" dir="2700000" algn="tl" rotWithShape="0">
+                  <a:schemeClr val="bg1"/>
+                </a:outerShdw>
+              </a:effectLst>
+            </a:endParaRPr>
+          </a:p>
+        </p:txBody>
+      </p:sp>
+      <p:sp>
+        <p:nvSpPr>
+          <p:cNvPr id="13" name="TextBox 12"/>
+          <p:cNvSpPr txBox="1"/>
+          <p:nvPr/>
+        </p:nvSpPr>
+        <p:spPr>
+          <a:xfrm>
+            <a:off x="1795805" y="4362110"/>
+            <a:ext cx="2161770" cy="461665"/>
+          </a:xfrm>
+          <a:prstGeom prst="rect">
+            <a:avLst/>
+          </a:prstGeom>
+          <a:noFill/>
+        </p:spPr>
+        <p:txBody>
+          <a:bodyPr wrap="none" rtlCol="0">
+            <a:spAutoFit/>
+          </a:bodyPr>
+          <a:lstStyle/>
+          <a:p>
+            <a:r>
+              <a:rPr lang="en-US" sz="2400" dirty="0" smtClean="0">
+                <a:solidFill>
+                  <a:srgbClr val="000090"/>
+                </a:solidFill>
+                <a:effectLst>
+                  <a:outerShdw blurRad="111125" dist="88900" dir="2700000" algn="tl" rotWithShape="0">
+                    <a:schemeClr val="bg1"/>
+                  </a:outerShdw>
+                </a:effectLst>
+              </a:rPr>
+              <a:t>Grid Computing</a:t>
+            </a:r>
+            <a:endParaRPr lang="en-US" sz="2400" dirty="0">
+              <a:solidFill>
+                <a:srgbClr val="000090"/>
+              </a:solidFill>
+              <a:effectLst>
+                <a:outerShdw blurRad="111125" dist="88900" dir="2700000" algn="tl" rotWithShape="0">
+                  <a:schemeClr val="bg1"/>
+                </a:outerShdw>
+              </a:effectLst>
+            </a:endParaRPr>
+          </a:p>
+        </p:txBody>
+      </p:sp>
+      <p:sp>
+        <p:nvSpPr>
+          <p:cNvPr id="14" name="TextBox 13"/>
+          <p:cNvSpPr txBox="1"/>
+          <p:nvPr/>
+        </p:nvSpPr>
+        <p:spPr>
+          <a:xfrm>
+            <a:off x="3255850" y="3714892"/>
+            <a:ext cx="1855195" cy="461665"/>
+          </a:xfrm>
+          <a:prstGeom prst="rect">
+            <a:avLst/>
+          </a:prstGeom>
+          <a:noFill/>
+        </p:spPr>
+        <p:txBody>
+          <a:bodyPr wrap="none" rtlCol="0">
+            <a:spAutoFit/>
+          </a:bodyPr>
+          <a:lstStyle/>
+          <a:p>
+            <a:r>
+              <a:rPr lang="en-US" sz="2400" dirty="0" smtClean="0">
+                <a:solidFill>
+                  <a:srgbClr val="000090"/>
+                </a:solidFill>
+                <a:effectLst>
+                  <a:outerShdw blurRad="111125" dist="88900" dir="2700000" algn="tl" rotWithShape="0">
+                    <a:schemeClr val="bg1"/>
+                  </a:outerShdw>
+                </a:effectLst>
+              </a:rPr>
+              <a:t>Virtualization</a:t>
+            </a:r>
+            <a:endParaRPr lang="en-US" sz="2400" dirty="0">
+              <a:solidFill>
+                <a:srgbClr val="000090"/>
+              </a:solidFill>
+              <a:effectLst>
+                <a:outerShdw blurRad="111125" dist="88900" dir="2700000" algn="tl" rotWithShape="0">
+                  <a:schemeClr val="bg1"/>
+                </a:outerShdw>
+              </a:effectLst>
+            </a:endParaRPr>
+          </a:p>
+        </p:txBody>
+      </p:sp>
+      <p:sp>
+        <p:nvSpPr>
+          <p:cNvPr id="15" name="TextBox 14"/>
+          <p:cNvSpPr txBox="1"/>
+          <p:nvPr/>
+        </p:nvSpPr>
+        <p:spPr>
+          <a:xfrm>
+            <a:off x="4299259" y="3088407"/>
+            <a:ext cx="2824511" cy="461665"/>
+          </a:xfrm>
+          <a:prstGeom prst="rect">
+            <a:avLst/>
+          </a:prstGeom>
+          <a:noFill/>
+        </p:spPr>
+        <p:txBody>
+          <a:bodyPr wrap="none" rtlCol="0">
+            <a:spAutoFit/>
+          </a:bodyPr>
+          <a:lstStyle/>
+          <a:p>
+            <a:r>
+              <a:rPr lang="en-US" sz="2400" dirty="0" smtClean="0">
+                <a:solidFill>
+                  <a:srgbClr val="000090"/>
+                </a:solidFill>
+                <a:effectLst>
+                  <a:outerShdw blurRad="111125" dist="88900" dir="2700000" algn="tl" rotWithShape="0">
+                    <a:schemeClr val="bg1"/>
+                  </a:outerShdw>
+                </a:effectLst>
+              </a:rPr>
+              <a:t>Software as a Service</a:t>
+            </a:r>
+            <a:endParaRPr lang="en-US" sz="2400" dirty="0">
+              <a:solidFill>
+                <a:srgbClr val="000090"/>
+              </a:solidFill>
+              <a:effectLst>
+                <a:outerShdw blurRad="111125" dist="88900" dir="2700000" algn="tl" rotWithShape="0">
+                  <a:schemeClr val="bg1"/>
+                </a:outerShdw>
+              </a:effectLst>
+            </a:endParaRPr>
+          </a:p>
+        </p:txBody>
+      </p:sp>
+      <p:sp>
+        <p:nvSpPr>
+          <p:cNvPr id="16" name="TextBox 15"/>
+          <p:cNvSpPr txBox="1"/>
+          <p:nvPr/>
+        </p:nvSpPr>
+        <p:spPr>
+          <a:xfrm>
+            <a:off x="5342668" y="2461922"/>
+            <a:ext cx="3439163" cy="461665"/>
+          </a:xfrm>
+          <a:prstGeom prst="rect">
+            <a:avLst/>
+          </a:prstGeom>
+          <a:noFill/>
+        </p:spPr>
+        <p:txBody>
+          <a:bodyPr wrap="none" rtlCol="0">
+            <a:spAutoFit/>
+          </a:bodyPr>
+          <a:lstStyle/>
+          <a:p>
+            <a:r>
+              <a:rPr lang="en-US" sz="2400" dirty="0" smtClean="0">
+                <a:solidFill>
+                  <a:srgbClr val="000090"/>
+                </a:solidFill>
+                <a:effectLst>
+                  <a:outerShdw blurRad="111125" dist="88900" dir="2700000" algn="tl" rotWithShape="0">
+                    <a:schemeClr val="bg1"/>
+                  </a:outerShdw>
+                </a:effectLst>
+              </a:rPr>
+              <a:t>Infrastructure as a Service</a:t>
+            </a:r>
+            <a:endParaRPr lang="en-US" sz="2400" dirty="0">
+              <a:solidFill>
+                <a:srgbClr val="000090"/>
+              </a:solidFill>
+              <a:effectLst>
+                <a:outerShdw blurRad="111125" dist="88900" dir="2700000" algn="tl" rotWithShape="0">
+                  <a:schemeClr val="bg1"/>
+                </a:outerShdw>
+              </a:effectLst>
+            </a:endParaRPr>
+          </a:p>
+        </p:txBody>
+      </p:sp>
+      <p:sp>
+        <p:nvSpPr>
+          <p:cNvPr id="17" name="TextBox 16"/>
+          <p:cNvSpPr txBox="1"/>
+          <p:nvPr/>
+        </p:nvSpPr>
+        <p:spPr>
+          <a:xfrm>
+            <a:off x="6950427" y="1402180"/>
+            <a:ext cx="1736373" cy="830997"/>
+          </a:xfrm>
+          <a:prstGeom prst="rect">
+            <a:avLst/>
+          </a:prstGeom>
+          <a:noFill/>
+        </p:spPr>
+        <p:txBody>
+          <a:bodyPr wrap="none" rtlCol="0">
+            <a:spAutoFit/>
+          </a:bodyPr>
+          <a:lstStyle/>
+          <a:p>
+            <a:r>
+              <a:rPr lang="en-US" sz="2400" dirty="0" smtClean="0">
+                <a:solidFill>
+                  <a:srgbClr val="000090"/>
+                </a:solidFill>
+                <a:effectLst>
+                  <a:outerShdw blurRad="111125" dist="88900" dir="2700000" algn="tl" rotWithShape="0">
+                    <a:schemeClr val="bg1"/>
+                  </a:outerShdw>
+                </a:effectLst>
+              </a:rPr>
+              <a:t>Containers /</a:t>
+            </a:r>
+            <a:br>
+              <a:rPr lang="en-US" sz="2400" dirty="0" smtClean="0">
+                <a:solidFill>
+                  <a:srgbClr val="000090"/>
+                </a:solidFill>
+                <a:effectLst>
+                  <a:outerShdw blurRad="111125" dist="88900" dir="2700000" algn="tl" rotWithShape="0">
+                    <a:schemeClr val="bg1"/>
+                  </a:outerShdw>
+                </a:effectLst>
+              </a:rPr>
+            </a:br>
+            <a:r>
+              <a:rPr lang="en-US" sz="2400" dirty="0" smtClean="0">
+                <a:solidFill>
+                  <a:srgbClr val="000090"/>
+                </a:solidFill>
+                <a:effectLst>
+                  <a:outerShdw blurRad="111125" dist="88900" dir="2700000" algn="tl" rotWithShape="0">
+                    <a:schemeClr val="bg1"/>
+                  </a:outerShdw>
+                </a:effectLst>
+              </a:rPr>
+              <a:t> Platforms </a:t>
+            </a:r>
+            <a:endParaRPr lang="en-US" sz="2400" dirty="0">
+              <a:solidFill>
+                <a:srgbClr val="000090"/>
+              </a:solidFill>
+              <a:effectLst>
+                <a:outerShdw blurRad="111125" dist="88900" dir="2700000" algn="tl" rotWithShape="0">
+                  <a:schemeClr val="bg1"/>
+                </a:outerShdw>
+              </a:effectLst>
+            </a:endParaRPr>
+          </a:p>
+        </p:txBody>
+      </p:sp>
+    </p:spTree>
+    <p:extLst>
+      <p:ext uri="{BB962C8B-B14F-4D97-AF65-F5344CB8AC3E}">
+        <p14:creationId xmlns:p14="http://schemas.microsoft.com/office/powerpoint/2010/main" val="205761697"/>
+      </p:ext>
+    </p:extLst>
+  </p:cSld>
+  <p:clrMapOvr>
+    <a:masterClrMapping/>
+  </p:clrMapOvr>
+</p:sld>
+</file>
+
+<file path=ppt/slides/slide11.xml><?xml version="1.0" encoding="utf-8"?>
+<p:sld xmlns:a="http://schemas.openxmlformats.org/drawingml/2006/main" xmlns:r="http://schemas.openxmlformats.org/officeDocument/2006/relationships" xmlns:p="http://schemas.openxmlformats.org/presentationml/2006/main">
+  <p:cSld>
+    <p:spTree>
+      <p:nvGrpSpPr>
+        <p:cNvPr id="1" name=""/>
+        <p:cNvGrpSpPr/>
+        <p:nvPr/>
+      </p:nvGrpSpPr>
+      <p:grpSpPr>
+        <a:xfrm>
+          <a:off x="0" y="0"/>
+          <a:ext cx="0" cy="0"/>
+          <a:chOff x="0" y="0"/>
+          <a:chExt cx="0" cy="0"/>
+        </a:xfrm>
+      </p:grpSpPr>
+      <p:sp>
+        <p:nvSpPr>
           <p:cNvPr id="2" name="Title 1"/>
           <p:cNvSpPr>
             <a:spLocks noGrp="1"/>
@@ -5047,7 +5516,7 @@
 </p:sld>
 </file>
 
-<file path=ppt/slides/slide11.xml><?xml version="1.0" encoding="utf-8"?>
+<file path=ppt/slides/slide12.xml><?xml version="1.0" encoding="utf-8"?>
 <p:sld xmlns:a="http://schemas.openxmlformats.org/drawingml/2006/main" xmlns:r="http://schemas.openxmlformats.org/officeDocument/2006/relationships" xmlns:p="http://schemas.openxmlformats.org/presentationml/2006/main">
   <p:cSld>
     <p:spTree>
@@ -5101,125 +5570,6 @@
 </p:sld>
 </file>
 
-<file path=ppt/slides/slide12.xml><?xml version="1.0" encoding="utf-8"?>
-<p:sld xmlns:a="http://schemas.openxmlformats.org/drawingml/2006/main" xmlns:r="http://schemas.openxmlformats.org/officeDocument/2006/relationships" xmlns:p="http://schemas.openxmlformats.org/presentationml/2006/main">
-  <p:cSld>
-    <p:spTree>
-      <p:nvGrpSpPr>
-        <p:cNvPr id="1" name=""/>
-        <p:cNvGrpSpPr/>
-        <p:nvPr/>
-      </p:nvGrpSpPr>
-      <p:grpSpPr>
-        <a:xfrm>
-          <a:off x="0" y="0"/>
-          <a:ext cx="0" cy="0"/>
-          <a:chOff x="0" y="0"/>
-          <a:chExt cx="0" cy="0"/>
-        </a:xfrm>
-      </p:grpSpPr>
-      <p:sp>
-        <p:nvSpPr>
-          <p:cNvPr id="2" name="Title 1"/>
-          <p:cNvSpPr>
-            <a:spLocks noGrp="1"/>
-          </p:cNvSpPr>
-          <p:nvPr>
-            <p:ph type="title"/>
-          </p:nvPr>
-        </p:nvSpPr>
-        <p:spPr/>
-        <p:txBody>
-          <a:bodyPr/>
-          <a:lstStyle/>
-          <a:p>
-            <a:r>
-              <a:rPr lang="en-US" dirty="0" smtClean="0"/>
-              <a:t>Netflix</a:t>
-            </a:r>
-            <a:endParaRPr lang="en-US" dirty="0"/>
-          </a:p>
-        </p:txBody>
-      </p:sp>
-      <p:sp>
-        <p:nvSpPr>
-          <p:cNvPr id="3" name="Content Placeholder 2"/>
-          <p:cNvSpPr>
-            <a:spLocks noGrp="1"/>
-          </p:cNvSpPr>
-          <p:nvPr>
-            <p:ph idx="1"/>
-          </p:nvPr>
-        </p:nvSpPr>
-        <p:spPr/>
-        <p:txBody>
-          <a:bodyPr>
-            <a:normAutofit lnSpcReduction="10000"/>
-          </a:bodyPr>
-          <a:lstStyle/>
-          <a:p>
-            <a:r>
-              <a:rPr lang="en-US" dirty="0" smtClean="0"/>
-              <a:t>A REST and Cloud based SOA approach</a:t>
-            </a:r>
-          </a:p>
-          <a:p>
-            <a:r>
-              <a:rPr lang="en-US" dirty="0" smtClean="0"/>
-              <a:t>Continuous Delivery</a:t>
-            </a:r>
-          </a:p>
-          <a:p>
-            <a:r>
-              <a:rPr lang="en-US" dirty="0" smtClean="0"/>
-              <a:t>100% Based in the cloud</a:t>
-            </a:r>
-          </a:p>
-          <a:p>
-            <a:r>
-              <a:rPr lang="en-US" dirty="0" smtClean="0"/>
-              <a:t>See excellent presentations from Adrian Cockcroft</a:t>
-            </a:r>
-          </a:p>
-          <a:p>
-            <a:pPr lvl="1"/>
-            <a:r>
-              <a:rPr lang="en-US" dirty="0"/>
-              <a:t>e.g. </a:t>
-            </a:r>
-            <a:r>
-              <a:rPr lang="en-US" dirty="0">
-                <a:hlinkClick r:id="rId2"/>
-              </a:rPr>
-              <a:t>http://www.slideshare.net/adrianco/global-netflix-</a:t>
-            </a:r>
-            <a:r>
-              <a:rPr lang="en-US" dirty="0" smtClean="0">
-                <a:hlinkClick r:id="rId2"/>
-              </a:rPr>
-              <a:t>platform</a:t>
-            </a:r>
-            <a:r>
-              <a:rPr lang="en-US" dirty="0" smtClean="0"/>
-              <a:t> </a:t>
-            </a:r>
-            <a:endParaRPr lang="en-US" dirty="0"/>
-          </a:p>
-        </p:txBody>
-      </p:sp>
-    </p:spTree>
-    <p:extLst>
-      <p:ext uri="{BB962C8B-B14F-4D97-AF65-F5344CB8AC3E}">
-        <p14:creationId xmlns:p14="http://schemas.microsoft.com/office/powerpoint/2010/main" val="3055375499"/>
-      </p:ext>
-    </p:extLst>
-  </p:cSld>
-  <p:clrMapOvr>
-    <a:masterClrMapping/>
-  </p:clrMapOvr>
-</p:sld>
-</file>
-
 <file path=ppt/slides/slide13.xml><?xml version="1.0" encoding="utf-8"?>
 <p:sld xmlns:a="http://schemas.openxmlformats.org/drawingml/2006/main" xmlns:r="http://schemas.openxmlformats.org/officeDocument/2006/relationships" xmlns:p="http://schemas.openxmlformats.org/presentationml/2006/main">
   <p:cSld>
@@ -5239,7 +5589,7 @@
       </p:grpSpPr>
       <p:sp>
         <p:nvSpPr>
-          <p:cNvPr id="6" name="Title 5"/>
+          <p:cNvPr id="2" name="Title 1"/>
           <p:cNvSpPr>
             <a:spLocks noGrp="1"/>
           </p:cNvSpPr>
@@ -5254,38 +5604,82 @@
           <a:p>
             <a:r>
               <a:rPr lang="en-US" dirty="0" smtClean="0"/>
-              <a:t>Netflix Deployed on AWS</a:t>
+              <a:t>Netflix</a:t>
             </a:r>
             <a:endParaRPr lang="en-US" dirty="0"/>
           </a:p>
         </p:txBody>
       </p:sp>
-      <p:pic>
-        <p:nvPicPr>
-          <p:cNvPr id="4" name="Content Placeholder 3"/>
-          <p:cNvPicPr>
-            <a:picLocks noGrp="1" noChangeAspect="1"/>
-          </p:cNvPicPr>
-          <p:nvPr>
-            <p:ph idx="4294967295"/>
-          </p:nvPr>
-        </p:nvPicPr>
-        <p:blipFill rotWithShape="1">
-          <a:blip r:embed="rId2"/>
-          <a:srcRect l="10695" t="19202" r="9307" b="23602"/>
-          <a:stretch/>
-        </p:blipFill>
-        <p:spPr>
-          <a:xfrm>
-            <a:off x="619125" y="1366838"/>
-            <a:ext cx="8524875" cy="3810000"/>
-          </a:xfrm>
-        </p:spPr>
-      </p:pic>
+      <p:sp>
+        <p:nvSpPr>
+          <p:cNvPr id="3" name="Content Placeholder 2"/>
+          <p:cNvSpPr>
+            <a:spLocks noGrp="1"/>
+          </p:cNvSpPr>
+          <p:nvPr>
+            <p:ph idx="1"/>
+          </p:nvPr>
+        </p:nvSpPr>
+        <p:spPr/>
+        <p:txBody>
+          <a:bodyPr>
+            <a:normAutofit lnSpcReduction="10000"/>
+          </a:bodyPr>
+          <a:lstStyle/>
+          <a:p>
+            <a:r>
+              <a:rPr lang="en-US" dirty="0" smtClean="0"/>
+              <a:t>A REST and Cloud based SOA approach</a:t>
+            </a:r>
+          </a:p>
+          <a:p>
+            <a:r>
+              <a:rPr lang="en-US" dirty="0" smtClean="0"/>
+              <a:t>Continuous Delivery</a:t>
+            </a:r>
+          </a:p>
+          <a:p>
+            <a:r>
+              <a:rPr lang="en-US" dirty="0" smtClean="0"/>
+              <a:t>100% Based in the cloud</a:t>
+            </a:r>
+          </a:p>
+          <a:p>
+            <a:r>
+              <a:rPr lang="en-US" dirty="0" smtClean="0"/>
+              <a:t>See excellent presentations from Adrian Cockcroft</a:t>
+            </a:r>
+          </a:p>
+          <a:p>
+            <a:pPr lvl="1"/>
+            <a:r>
+              <a:rPr lang="en-US" dirty="0"/>
+              <a:t>e.g. </a:t>
+            </a:r>
+            <a:r>
+              <a:rPr lang="en-US" dirty="0">
+                <a:hlinkClick r:id="rId2"/>
+              </a:rPr>
+              <a:t>http://www.slideshare.net/adrianco/global-netflix-</a:t>
+            </a:r>
+            <a:r>
+              <a:rPr lang="en-US" dirty="0" smtClean="0">
+                <a:hlinkClick r:id="rId2"/>
+              </a:rPr>
+              <a:t>platform</a:t>
+            </a:r>
+            <a:r>
+              <a:rPr lang="en-US" dirty="0" smtClean="0"/>
+              <a:t> </a:t>
+            </a:r>
+            <a:endParaRPr lang="en-US" dirty="0"/>
+          </a:p>
+        </p:txBody>
+      </p:sp>
     </p:spTree>
     <p:extLst>
       <p:ext uri="{BB962C8B-B14F-4D97-AF65-F5344CB8AC3E}">
-        <p14:creationId xmlns:p14="http://schemas.microsoft.com/office/powerpoint/2010/main" val="3793029123"/>
+        <p14:creationId xmlns:p14="http://schemas.microsoft.com/office/powerpoint/2010/main" val="3055375499"/>
       </p:ext>
     </p:extLst>
   </p:cSld>
@@ -5314,6 +5708,81 @@
       </p:grpSpPr>
       <p:sp>
         <p:nvSpPr>
+          <p:cNvPr id="6" name="Title 5"/>
+          <p:cNvSpPr>
+            <a:spLocks noGrp="1"/>
+          </p:cNvSpPr>
+          <p:nvPr>
+            <p:ph type="title"/>
+          </p:nvPr>
+        </p:nvSpPr>
+        <p:spPr/>
+        <p:txBody>
+          <a:bodyPr/>
+          <a:lstStyle/>
+          <a:p>
+            <a:r>
+              <a:rPr lang="en-US" dirty="0" smtClean="0"/>
+              <a:t>Netflix Deployed on AWS</a:t>
+            </a:r>
+            <a:endParaRPr lang="en-US" dirty="0"/>
+          </a:p>
+        </p:txBody>
+      </p:sp>
+      <p:pic>
+        <p:nvPicPr>
+          <p:cNvPr id="4" name="Content Placeholder 3"/>
+          <p:cNvPicPr>
+            <a:picLocks noGrp="1" noChangeAspect="1"/>
+          </p:cNvPicPr>
+          <p:nvPr>
+            <p:ph idx="4294967295"/>
+          </p:nvPr>
+        </p:nvPicPr>
+        <p:blipFill rotWithShape="1">
+          <a:blip r:embed="rId2"/>
+          <a:srcRect l="10695" t="19202" r="9307" b="23602"/>
+          <a:stretch/>
+        </p:blipFill>
+        <p:spPr>
+          <a:xfrm>
+            <a:off x="619125" y="1366838"/>
+            <a:ext cx="8524875" cy="3810000"/>
+          </a:xfrm>
+        </p:spPr>
+      </p:pic>
+    </p:spTree>
+    <p:extLst>
+      <p:ext uri="{BB962C8B-B14F-4D97-AF65-F5344CB8AC3E}">
+        <p14:creationId xmlns:p14="http://schemas.microsoft.com/office/powerpoint/2010/main" val="3793029123"/>
+      </p:ext>
+    </p:extLst>
+  </p:cSld>
+  <p:clrMapOvr>
+    <a:masterClrMapping/>
+  </p:clrMapOvr>
+</p:sld>
+</file>
+
+<file path=ppt/slides/slide15.xml><?xml version="1.0" encoding="utf-8"?>
+<p:sld xmlns:a="http://schemas.openxmlformats.org/drawingml/2006/main" xmlns:r="http://schemas.openxmlformats.org/officeDocument/2006/relationships" xmlns:p="http://schemas.openxmlformats.org/presentationml/2006/main">
+  <p:cSld>
+    <p:spTree>
+      <p:nvGrpSpPr>
+        <p:cNvPr id="1" name=""/>
+        <p:cNvGrpSpPr/>
+        <p:nvPr/>
+      </p:nvGrpSpPr>
+      <p:grpSpPr>
+        <a:xfrm>
+          <a:off x="0" y="0"/>
+          <a:ext cx="0" cy="0"/>
+          <a:chOff x="0" y="0"/>
+          <a:chExt cx="0" cy="0"/>
+        </a:xfrm>
+      </p:grpSpPr>
+      <p:sp>
+        <p:nvSpPr>
           <p:cNvPr id="2" name="Title 1"/>
           <p:cNvSpPr>
             <a:spLocks noGrp="1"/>
@@ -5369,7 +5838,7 @@
               <a:pPr>
                 <a:defRPr/>
               </a:pPr>
-              <a:t>14</a:t>
+              <a:t>15</a:t>
             </a:fld>
             <a:endParaRPr lang="en-US"/>
           </a:p>
@@ -5427,7 +5896,7 @@
 </p:sld>
 </file>
 
-<file path=ppt/slides/slide15.xml><?xml version="1.0" encoding="utf-8"?>
+<file path=ppt/slides/slide16.xml><?xml version="1.0" encoding="utf-8"?>
 <p:sld xmlns:a="http://schemas.openxmlformats.org/drawingml/2006/main" xmlns:r="http://schemas.openxmlformats.org/officeDocument/2006/relationships" xmlns:p="http://schemas.openxmlformats.org/presentationml/2006/main">
   <p:cSld>
     <p:spTree>
@@ -5553,7 +6022,7 @@
 </p:sld>
 </file>
 
-<file path=ppt/slides/slide16.xml><?xml version="1.0" encoding="utf-8"?>
+<file path=ppt/slides/slide17.xml><?xml version="1.0" encoding="utf-8"?>
 <p:sld xmlns:a="http://schemas.openxmlformats.org/drawingml/2006/main" xmlns:r="http://schemas.openxmlformats.org/officeDocument/2006/relationships" xmlns:p="http://schemas.openxmlformats.org/presentationml/2006/main">
   <p:cSld>
     <p:spTree>
@@ -6121,7 +6590,7 @@
 </p:sld>
 </file>
 
-<file path=ppt/slides/slide17.xml><?xml version="1.0" encoding="utf-8"?>
+<file path=ppt/slides/slide18.xml><?xml version="1.0" encoding="utf-8"?>
 <p:sld xmlns:a="http://schemas.openxmlformats.org/drawingml/2006/main" xmlns:r="http://schemas.openxmlformats.org/officeDocument/2006/relationships" xmlns:p="http://schemas.openxmlformats.org/presentationml/2006/main">
   <p:cSld>
     <p:spTree>
@@ -6235,93 +6704,6 @@
 </p:sld>
 </file>
 
-<file path=ppt/slides/slide18.xml><?xml version="1.0" encoding="utf-8"?>
-<p:sld xmlns:a="http://schemas.openxmlformats.org/drawingml/2006/main" xmlns:r="http://schemas.openxmlformats.org/officeDocument/2006/relationships" xmlns:p="http://schemas.openxmlformats.org/presentationml/2006/main">
-  <p:cSld>
-    <p:spTree>
-      <p:nvGrpSpPr>
-        <p:cNvPr id="1" name=""/>
-        <p:cNvGrpSpPr/>
-        <p:nvPr/>
-      </p:nvGrpSpPr>
-      <p:grpSpPr>
-        <a:xfrm>
-          <a:off x="0" y="0"/>
-          <a:ext cx="0" cy="0"/>
-          <a:chOff x="0" y="0"/>
-          <a:chExt cx="0" cy="0"/>
-        </a:xfrm>
-      </p:grpSpPr>
-      <p:sp>
-        <p:nvSpPr>
-          <p:cNvPr id="2" name="Title 1"/>
-          <p:cNvSpPr>
-            <a:spLocks noGrp="1"/>
-          </p:cNvSpPr>
-          <p:nvPr>
-            <p:ph type="title"/>
-          </p:nvPr>
-        </p:nvSpPr>
-        <p:spPr/>
-        <p:txBody>
-          <a:bodyPr/>
-          <a:lstStyle/>
-          <a:p>
-            <a:r>
-              <a:rPr lang="en-US" dirty="0" smtClean="0"/>
-              <a:t>Pay TV company</a:t>
-            </a:r>
-            <a:endParaRPr lang="en-US" dirty="0"/>
-          </a:p>
-        </p:txBody>
-      </p:sp>
-      <p:sp>
-        <p:nvSpPr>
-          <p:cNvPr id="3" name="Text Placeholder 2"/>
-          <p:cNvSpPr>
-            <a:spLocks noGrp="1"/>
-          </p:cNvSpPr>
-          <p:nvPr>
-            <p:ph type="body" idx="1"/>
-          </p:nvPr>
-        </p:nvSpPr>
-        <p:spPr/>
-        <p:txBody>
-          <a:bodyPr/>
-          <a:lstStyle/>
-          <a:p>
-            <a:r>
-              <a:rPr lang="en-US" dirty="0" smtClean="0"/>
-              <a:t>Needed to scale up to provide instant pay-as-you-go on mobile devices</a:t>
-            </a:r>
-          </a:p>
-          <a:p>
-            <a:r>
-              <a:rPr lang="en-US" dirty="0" smtClean="0"/>
-              <a:t>Support Disaster Recovery (DR)</a:t>
-            </a:r>
-          </a:p>
-          <a:p>
-            <a:r>
-              <a:rPr lang="en-US" dirty="0" smtClean="0"/>
-              <a:t>Elastic Scale e.g. during an important football match</a:t>
-            </a:r>
-          </a:p>
-        </p:txBody>
-      </p:sp>
-    </p:spTree>
-    <p:extLst>
-      <p:ext uri="{BB962C8B-B14F-4D97-AF65-F5344CB8AC3E}">
-        <p14:creationId xmlns:p14="http://schemas.microsoft.com/office/powerpoint/2010/main" val="2886167190"/>
-      </p:ext>
-    </p:extLst>
-  </p:cSld>
-  <p:clrMapOvr>
-    <a:masterClrMapping/>
-  </p:clrMapOvr>
-</p:sld>
-</file>
-
 <file path=ppt/slides/slide19.xml><?xml version="1.0" encoding="utf-8"?>
 <p:sld xmlns:a="http://schemas.openxmlformats.org/drawingml/2006/main" xmlns:r="http://schemas.openxmlformats.org/officeDocument/2006/relationships" xmlns:p="http://schemas.openxmlformats.org/presentationml/2006/main">
   <p:cSld>
@@ -6356,7 +6738,7 @@
           <a:p>
             <a:r>
               <a:rPr lang="en-US" dirty="0" smtClean="0"/>
-              <a:t>Architecture</a:t>
+              <a:t>Pay TV company</a:t>
             </a:r>
             <a:endParaRPr lang="en-US" dirty="0"/>
           </a:p>
@@ -6364,861 +6746,42 @@
       </p:sp>
       <p:sp>
         <p:nvSpPr>
-          <p:cNvPr id="4" name="Rectangle 3"/>
-          <p:cNvSpPr/>
-          <p:nvPr/>
-        </p:nvSpPr>
-        <p:spPr>
-          <a:xfrm>
-            <a:off x="1594096" y="2320684"/>
-            <a:ext cx="2288547" cy="2627194"/>
-          </a:xfrm>
-          <a:prstGeom prst="rect">
-            <a:avLst/>
-          </a:prstGeom>
-          <a:solidFill>
-            <a:schemeClr val="bg1">
-              <a:lumMod val="85000"/>
-            </a:schemeClr>
-          </a:solidFill>
-          <a:ln w="12700"/>
-        </p:spPr>
-        <p:style>
-          <a:lnRef idx="2">
-            <a:schemeClr val="accent5"/>
-          </a:lnRef>
-          <a:fillRef idx="1">
-            <a:schemeClr val="lt1"/>
-          </a:fillRef>
-          <a:effectRef idx="0">
-            <a:schemeClr val="accent5"/>
-          </a:effectRef>
-          <a:fontRef idx="minor">
-            <a:schemeClr val="dk1"/>
-          </a:fontRef>
-        </p:style>
-        <p:txBody>
-          <a:bodyPr rtlCol="0" anchor="b"/>
+          <p:cNvPr id="3" name="Text Placeholder 2"/>
+          <p:cNvSpPr>
+            <a:spLocks noGrp="1"/>
+          </p:cNvSpPr>
+          <p:nvPr>
+            <p:ph type="body" idx="1"/>
+          </p:nvPr>
+        </p:nvSpPr>
+        <p:spPr/>
+        <p:txBody>
+          <a:bodyPr/>
           <a:lstStyle/>
           <a:p>
-            <a:pPr algn="ctr"/>
-            <a:r>
-              <a:rPr lang="en-US" sz="1200" b="1" smtClean="0">
-                <a:solidFill>
-                  <a:schemeClr val="tx2">
-                    <a:lumMod val="50000"/>
-                  </a:schemeClr>
-                </a:solidFill>
-              </a:rPr>
-              <a:t>Existing architecture</a:t>
-            </a:r>
-          </a:p>
-          <a:p>
-            <a:pPr algn="ctr"/>
-            <a:endParaRPr lang="en-US" sz="1200" b="1" smtClean="0">
-              <a:solidFill>
-                <a:schemeClr val="tx2">
-                  <a:lumMod val="50000"/>
-                </a:schemeClr>
-              </a:solidFill>
-            </a:endParaRPr>
-          </a:p>
-          <a:p>
-            <a:pPr algn="ctr"/>
-            <a:r>
-              <a:rPr lang="en-US" sz="1200" b="1" smtClean="0">
-                <a:solidFill>
-                  <a:schemeClr val="tx2">
-                    <a:lumMod val="50000"/>
-                  </a:schemeClr>
-                </a:solidFill>
-              </a:rPr>
-              <a:t>(no changes)</a:t>
-            </a:r>
-          </a:p>
-          <a:p>
-            <a:pPr algn="ctr"/>
-            <a:endParaRPr lang="en-US" sz="1200" b="1" smtClean="0">
-              <a:solidFill>
-                <a:schemeClr val="tx2">
-                  <a:lumMod val="50000"/>
-                </a:schemeClr>
-              </a:solidFill>
-            </a:endParaRPr>
-          </a:p>
-          <a:p>
-            <a:pPr algn="ctr"/>
-            <a:endParaRPr lang="en-US" sz="1200" b="1" smtClean="0">
-              <a:solidFill>
-                <a:schemeClr val="tx2">
-                  <a:lumMod val="50000"/>
-                </a:schemeClr>
-              </a:solidFill>
-            </a:endParaRPr>
-          </a:p>
-          <a:p>
-            <a:pPr algn="ctr"/>
-            <a:endParaRPr lang="en-US" sz="1200" b="1" smtClean="0">
-              <a:solidFill>
-                <a:schemeClr val="tx2">
-                  <a:lumMod val="50000"/>
-                </a:schemeClr>
-              </a:solidFill>
-            </a:endParaRPr>
-          </a:p>
-          <a:p>
-            <a:pPr algn="ctr"/>
-            <a:endParaRPr lang="en-US" sz="1200" b="1" smtClean="0">
-              <a:solidFill>
-                <a:schemeClr val="tx2">
-                  <a:lumMod val="50000"/>
-                </a:schemeClr>
-              </a:solidFill>
-            </a:endParaRPr>
-          </a:p>
-          <a:p>
-            <a:pPr algn="ctr"/>
-            <a:endParaRPr lang="en-US" sz="1200" b="1" smtClean="0">
-              <a:solidFill>
-                <a:schemeClr val="tx2">
-                  <a:lumMod val="50000"/>
-                </a:schemeClr>
-              </a:solidFill>
-            </a:endParaRPr>
-          </a:p>
-          <a:p>
-            <a:pPr algn="ctr"/>
-            <a:endParaRPr lang="en-US" sz="1200" b="1" smtClean="0">
-              <a:solidFill>
-                <a:schemeClr val="tx2">
-                  <a:lumMod val="50000"/>
-                </a:schemeClr>
-              </a:solidFill>
-            </a:endParaRPr>
-          </a:p>
-          <a:p>
-            <a:pPr algn="ctr"/>
-            <a:endParaRPr lang="en-US" sz="1200" b="1" smtClean="0">
-              <a:solidFill>
-                <a:schemeClr val="tx2">
-                  <a:lumMod val="50000"/>
-                </a:schemeClr>
-              </a:solidFill>
-            </a:endParaRPr>
-          </a:p>
-        </p:txBody>
-      </p:sp>
-      <p:sp>
-        <p:nvSpPr>
-          <p:cNvPr id="5" name="Rounded Rectangle 4"/>
-          <p:cNvSpPr/>
-          <p:nvPr/>
-        </p:nvSpPr>
-        <p:spPr>
-          <a:xfrm>
-            <a:off x="4797043" y="3377629"/>
-            <a:ext cx="3022410" cy="521686"/>
-          </a:xfrm>
-          <a:prstGeom prst="roundRect">
-            <a:avLst>
-              <a:gd name="adj" fmla="val 50000"/>
-            </a:avLst>
-          </a:prstGeom>
-          <a:solidFill>
-            <a:schemeClr val="bg1">
-              <a:lumMod val="95000"/>
-            </a:schemeClr>
-          </a:solidFill>
-          <a:ln w="12700">
-            <a:solidFill>
-              <a:schemeClr val="tx1">
-                <a:lumMod val="75000"/>
-                <a:lumOff val="25000"/>
-              </a:schemeClr>
-            </a:solidFill>
-          </a:ln>
-          <a:effectLst>
-            <a:outerShdw blurRad="76200" dir="18900000" sy="23000" kx="-1200000" algn="bl" rotWithShape="0">
-              <a:prstClr val="black">
-                <a:alpha val="20000"/>
-              </a:prstClr>
-            </a:outerShdw>
-          </a:effectLst>
-        </p:spPr>
-        <p:style>
-          <a:lnRef idx="2">
-            <a:schemeClr val="accent1">
-              <a:shade val="50000"/>
-            </a:schemeClr>
-          </a:lnRef>
-          <a:fillRef idx="1">
-            <a:schemeClr val="accent1"/>
-          </a:fillRef>
-          <a:effectRef idx="0">
-            <a:schemeClr val="accent1"/>
-          </a:effectRef>
-          <a:fontRef idx="minor">
-            <a:schemeClr val="lt1"/>
-          </a:fontRef>
-        </p:style>
-        <p:txBody>
-          <a:bodyPr rtlCol="0" anchor="b"/>
-          <a:lstStyle/>
-          <a:p>
-            <a:pPr algn="ctr"/>
-            <a:r>
-              <a:rPr lang="en-US" sz="1200" b="1" smtClean="0">
-                <a:solidFill>
-                  <a:schemeClr val="tx2">
-                    <a:lumMod val="50000"/>
-                  </a:schemeClr>
-                </a:solidFill>
-              </a:rPr>
-              <a:t>Integration Layer</a:t>
-            </a:r>
-            <a:endParaRPr lang="en-US" sz="1200" b="1">
-              <a:solidFill>
-                <a:schemeClr val="tx2">
-                  <a:lumMod val="50000"/>
-                </a:schemeClr>
-              </a:solidFill>
-            </a:endParaRPr>
-          </a:p>
-        </p:txBody>
-      </p:sp>
-      <p:sp>
-        <p:nvSpPr>
-          <p:cNvPr id="6" name="Rounded Rectangle 5"/>
-          <p:cNvSpPr/>
-          <p:nvPr/>
-        </p:nvSpPr>
-        <p:spPr>
-          <a:xfrm>
-            <a:off x="4784343" y="4203129"/>
-            <a:ext cx="3022410" cy="521686"/>
-          </a:xfrm>
-          <a:prstGeom prst="roundRect">
-            <a:avLst>
-              <a:gd name="adj" fmla="val 50000"/>
-            </a:avLst>
-          </a:prstGeom>
-          <a:solidFill>
-            <a:schemeClr val="bg1">
-              <a:lumMod val="95000"/>
-            </a:schemeClr>
-          </a:solidFill>
-          <a:ln w="12700">
-            <a:solidFill>
-              <a:schemeClr val="tx1">
-                <a:lumMod val="75000"/>
-                <a:lumOff val="25000"/>
-              </a:schemeClr>
-            </a:solidFill>
-          </a:ln>
-          <a:effectLst>
-            <a:outerShdw blurRad="76200" dir="18900000" sy="23000" kx="-1200000" algn="bl" rotWithShape="0">
-              <a:prstClr val="black">
-                <a:alpha val="20000"/>
-              </a:prstClr>
-            </a:outerShdw>
-          </a:effectLst>
-        </p:spPr>
-        <p:style>
-          <a:lnRef idx="2">
-            <a:schemeClr val="accent1">
-              <a:shade val="50000"/>
-            </a:schemeClr>
-          </a:lnRef>
-          <a:fillRef idx="1">
-            <a:schemeClr val="accent1"/>
-          </a:fillRef>
-          <a:effectRef idx="0">
-            <a:schemeClr val="accent1"/>
-          </a:effectRef>
-          <a:fontRef idx="minor">
-            <a:schemeClr val="lt1"/>
-          </a:fontRef>
-        </p:style>
-        <p:txBody>
-          <a:bodyPr rtlCol="0" anchor="b"/>
-          <a:lstStyle/>
-          <a:p>
-            <a:pPr algn="ctr"/>
-            <a:r>
-              <a:rPr lang="en-US" sz="1200" b="1" smtClean="0">
-                <a:solidFill>
-                  <a:schemeClr val="tx2">
-                    <a:lumMod val="50000"/>
-                  </a:schemeClr>
-                </a:solidFill>
-              </a:rPr>
-              <a:t>Cloud/NoSQL Multi-Master Database </a:t>
-            </a:r>
-            <a:endParaRPr lang="en-US" sz="1200" b="1">
-              <a:solidFill>
-                <a:schemeClr val="tx2">
-                  <a:lumMod val="50000"/>
-                </a:schemeClr>
-              </a:solidFill>
-            </a:endParaRPr>
-          </a:p>
-        </p:txBody>
-      </p:sp>
-      <p:sp>
-        <p:nvSpPr>
-          <p:cNvPr id="7" name="Rounded Rectangle 6"/>
-          <p:cNvSpPr/>
-          <p:nvPr/>
-        </p:nvSpPr>
-        <p:spPr>
-          <a:xfrm>
-            <a:off x="4784343" y="2602929"/>
-            <a:ext cx="3022410" cy="521686"/>
-          </a:xfrm>
-          <a:prstGeom prst="roundRect">
-            <a:avLst>
-              <a:gd name="adj" fmla="val 1312"/>
-            </a:avLst>
-          </a:prstGeom>
-          <a:solidFill>
-            <a:schemeClr val="bg1">
-              <a:lumMod val="95000"/>
-            </a:schemeClr>
-          </a:solidFill>
-          <a:ln w="12700">
-            <a:solidFill>
-              <a:schemeClr val="tx1">
-                <a:lumMod val="75000"/>
-                <a:lumOff val="25000"/>
-              </a:schemeClr>
-            </a:solidFill>
-            <a:prstDash val="dash"/>
-          </a:ln>
-          <a:effectLst>
-            <a:outerShdw blurRad="76200" dir="18900000" sy="23000" kx="-1200000" algn="bl" rotWithShape="0">
-              <a:prstClr val="black">
-                <a:alpha val="20000"/>
-              </a:prstClr>
-            </a:outerShdw>
-          </a:effectLst>
-        </p:spPr>
-        <p:style>
-          <a:lnRef idx="2">
-            <a:schemeClr val="accent1">
-              <a:shade val="50000"/>
-            </a:schemeClr>
-          </a:lnRef>
-          <a:fillRef idx="1">
-            <a:schemeClr val="accent1"/>
-          </a:fillRef>
-          <a:effectRef idx="0">
-            <a:schemeClr val="accent1"/>
-          </a:effectRef>
-          <a:fontRef idx="minor">
-            <a:schemeClr val="lt1"/>
-          </a:fontRef>
-        </p:style>
-        <p:txBody>
-          <a:bodyPr rtlCol="0" anchor="b"/>
-          <a:lstStyle/>
-          <a:p>
-            <a:pPr algn="ctr"/>
-            <a:r>
-              <a:rPr lang="en-US" sz="1200" b="1" smtClean="0">
-                <a:solidFill>
-                  <a:schemeClr val="tx2">
-                    <a:lumMod val="50000"/>
-                  </a:schemeClr>
-                </a:solidFill>
-              </a:rPr>
-              <a:t>RESTful Services</a:t>
-            </a:r>
-          </a:p>
-          <a:p>
-            <a:pPr algn="ctr"/>
-            <a:endParaRPr lang="en-US" sz="1200" b="1" smtClean="0">
-              <a:solidFill>
-                <a:schemeClr val="tx2">
-                  <a:lumMod val="50000"/>
-                </a:schemeClr>
-              </a:solidFill>
-            </a:endParaRPr>
-          </a:p>
-        </p:txBody>
-      </p:sp>
-      <p:sp>
-        <p:nvSpPr>
-          <p:cNvPr id="8" name="TextBox 7"/>
-          <p:cNvSpPr txBox="1"/>
-          <p:nvPr/>
-        </p:nvSpPr>
-        <p:spPr>
-          <a:xfrm>
-            <a:off x="3844543" y="4123515"/>
-            <a:ext cx="1072880" cy="307777"/>
-          </a:xfrm>
-          <a:prstGeom prst="rect">
-            <a:avLst/>
-          </a:prstGeom>
-          <a:noFill/>
-          <a:ln>
-            <a:noFill/>
-          </a:ln>
-        </p:spPr>
-        <p:txBody>
-          <a:bodyPr wrap="none" rtlCol="0">
-            <a:spAutoFit/>
-          </a:bodyPr>
-          <a:lstStyle/>
-          <a:p>
-            <a:r>
-              <a:rPr lang="en-US" sz="1400" smtClean="0">
-                <a:solidFill>
-                  <a:schemeClr val="tx2">
-                    <a:lumMod val="50000"/>
-                  </a:schemeClr>
-                </a:solidFill>
-              </a:rPr>
-              <a:t>Replication</a:t>
-            </a:r>
-          </a:p>
-        </p:txBody>
-      </p:sp>
-      <p:sp>
-        <p:nvSpPr>
-          <p:cNvPr id="9" name="Rectangle 8"/>
-          <p:cNvSpPr/>
-          <p:nvPr/>
-        </p:nvSpPr>
-        <p:spPr>
-          <a:xfrm>
-            <a:off x="4619243" y="2396315"/>
-            <a:ext cx="3302000" cy="3048000"/>
-          </a:xfrm>
-          <a:prstGeom prst="rect">
-            <a:avLst/>
-          </a:prstGeom>
-          <a:noFill/>
-          <a:ln w="19050">
-            <a:solidFill>
-              <a:schemeClr val="bg1">
-                <a:lumMod val="65000"/>
-              </a:schemeClr>
-            </a:solidFill>
-            <a:prstDash val="dash"/>
-          </a:ln>
-        </p:spPr>
-        <p:style>
-          <a:lnRef idx="2">
-            <a:schemeClr val="accent1">
-              <a:shade val="50000"/>
-            </a:schemeClr>
-          </a:lnRef>
-          <a:fillRef idx="1">
-            <a:schemeClr val="accent1"/>
-          </a:fillRef>
-          <a:effectRef idx="0">
-            <a:schemeClr val="accent1"/>
-          </a:effectRef>
-          <a:fontRef idx="minor">
-            <a:schemeClr val="lt1"/>
-          </a:fontRef>
-        </p:style>
-        <p:txBody>
-          <a:bodyPr rtlCol="0" anchor="ctr"/>
-          <a:lstStyle/>
-          <a:p>
-            <a:pPr algn="ctr"/>
-            <a:endParaRPr lang="en-US" sz="1200" b="1" smtClean="0">
-              <a:solidFill>
-                <a:schemeClr val="tx2">
-                  <a:lumMod val="50000"/>
-                </a:schemeClr>
-              </a:solidFill>
-            </a:endParaRPr>
-          </a:p>
-        </p:txBody>
-      </p:sp>
-      <p:cxnSp>
-        <p:nvCxnSpPr>
-          <p:cNvPr id="10" name="Straight Arrow Connector 9"/>
-          <p:cNvCxnSpPr>
-            <a:endCxn id="6" idx="1"/>
-          </p:cNvCxnSpPr>
-          <p:nvPr/>
-        </p:nvCxnSpPr>
-        <p:spPr>
-          <a:xfrm flipV="1">
-            <a:off x="3857243" y="4463972"/>
-            <a:ext cx="927100" cy="2443"/>
-          </a:xfrm>
-          <a:prstGeom prst="straightConnector1">
-            <a:avLst/>
-          </a:prstGeom>
-          <a:ln w="28575" cmpd="sng">
-            <a:solidFill>
-              <a:srgbClr val="339966"/>
-            </a:solidFill>
-            <a:prstDash val="solid"/>
-            <a:tailEnd type="arrow"/>
-          </a:ln>
-        </p:spPr>
-        <p:style>
-          <a:lnRef idx="1">
-            <a:schemeClr val="accent1"/>
-          </a:lnRef>
-          <a:fillRef idx="0">
-            <a:schemeClr val="accent1"/>
-          </a:fillRef>
-          <a:effectRef idx="0">
-            <a:schemeClr val="accent1"/>
-          </a:effectRef>
-          <a:fontRef idx="minor">
-            <a:schemeClr val="tx1"/>
-          </a:fontRef>
-        </p:style>
-      </p:cxnSp>
-      <p:cxnSp>
-        <p:nvCxnSpPr>
-          <p:cNvPr id="11" name="Straight Arrow Connector 10"/>
-          <p:cNvCxnSpPr>
-            <a:stCxn id="5" idx="1"/>
-            <a:endCxn id="4" idx="3"/>
-          </p:cNvCxnSpPr>
-          <p:nvPr/>
-        </p:nvCxnSpPr>
-        <p:spPr>
-          <a:xfrm flipH="1" flipV="1">
-            <a:off x="3882643" y="3634281"/>
-            <a:ext cx="914400" cy="4191"/>
-          </a:xfrm>
-          <a:prstGeom prst="straightConnector1">
-            <a:avLst/>
-          </a:prstGeom>
-          <a:ln w="28575" cmpd="sng">
-            <a:solidFill>
-              <a:srgbClr val="339966"/>
-            </a:solidFill>
-            <a:prstDash val="solid"/>
-            <a:tailEnd type="arrow"/>
-          </a:ln>
-        </p:spPr>
-        <p:style>
-          <a:lnRef idx="1">
-            <a:schemeClr val="accent1"/>
-          </a:lnRef>
-          <a:fillRef idx="0">
-            <a:schemeClr val="accent1"/>
-          </a:fillRef>
-          <a:effectRef idx="0">
-            <a:schemeClr val="accent1"/>
-          </a:effectRef>
-          <a:fontRef idx="minor">
-            <a:schemeClr val="tx1"/>
-          </a:fontRef>
-        </p:style>
-      </p:cxnSp>
-      <p:sp>
-        <p:nvSpPr>
-          <p:cNvPr id="12" name="TextBox 11"/>
-          <p:cNvSpPr txBox="1"/>
-          <p:nvPr/>
-        </p:nvSpPr>
-        <p:spPr>
-          <a:xfrm>
-            <a:off x="3857243" y="3298015"/>
-            <a:ext cx="1072792" cy="307777"/>
-          </a:xfrm>
-          <a:prstGeom prst="rect">
-            <a:avLst/>
-          </a:prstGeom>
-          <a:noFill/>
-          <a:ln>
-            <a:noFill/>
-          </a:ln>
-        </p:spPr>
-        <p:txBody>
-          <a:bodyPr wrap="none" rtlCol="0">
-            <a:spAutoFit/>
-          </a:bodyPr>
-          <a:lstStyle/>
-          <a:p>
-            <a:r>
-              <a:rPr lang="en-US" sz="1400" smtClean="0">
-                <a:solidFill>
-                  <a:schemeClr val="tx2">
-                    <a:lumMod val="50000"/>
-                  </a:schemeClr>
-                </a:solidFill>
-              </a:rPr>
-              <a:t>Notification</a:t>
-            </a:r>
-          </a:p>
-        </p:txBody>
-      </p:sp>
-      <p:sp>
-        <p:nvSpPr>
-          <p:cNvPr id="13" name="TextBox 12"/>
-          <p:cNvSpPr txBox="1"/>
-          <p:nvPr/>
-        </p:nvSpPr>
-        <p:spPr>
-          <a:xfrm>
-            <a:off x="5559043" y="4949015"/>
-            <a:ext cx="1582484" cy="523220"/>
-          </a:xfrm>
-          <a:prstGeom prst="rect">
-            <a:avLst/>
-          </a:prstGeom>
-          <a:noFill/>
-        </p:spPr>
-        <p:txBody>
-          <a:bodyPr wrap="none" rtlCol="0">
-            <a:spAutoFit/>
-          </a:bodyPr>
-          <a:lstStyle/>
-          <a:p>
-            <a:pPr algn="ctr"/>
-            <a:r>
-              <a:rPr lang="en-US" sz="1400" b="1" dirty="0" smtClean="0">
-                <a:solidFill>
-                  <a:schemeClr val="tx2">
-                    <a:lumMod val="50000"/>
-                  </a:schemeClr>
-                </a:solidFill>
-              </a:rPr>
-              <a:t>Cloud Platform</a:t>
-            </a:r>
-          </a:p>
-          <a:p>
-            <a:pPr algn="ctr"/>
-            <a:r>
-              <a:rPr lang="en-US" sz="1400" dirty="0" smtClean="0">
-                <a:solidFill>
-                  <a:schemeClr val="tx2">
-                    <a:lumMod val="50000"/>
-                  </a:schemeClr>
-                </a:solidFill>
-              </a:rPr>
-              <a:t>Cloud Datacenter</a:t>
-            </a:r>
-          </a:p>
-        </p:txBody>
-      </p:sp>
-      <p:sp>
-        <p:nvSpPr>
-          <p:cNvPr id="14" name="Rectangle 13"/>
-          <p:cNvSpPr/>
-          <p:nvPr/>
-        </p:nvSpPr>
-        <p:spPr>
-          <a:xfrm>
-            <a:off x="4619243" y="1608914"/>
-            <a:ext cx="1003300" cy="544963"/>
-          </a:xfrm>
-          <a:prstGeom prst="rect">
-            <a:avLst/>
-          </a:prstGeom>
-          <a:solidFill>
-            <a:schemeClr val="bg1">
-              <a:lumMod val="85000"/>
-            </a:schemeClr>
-          </a:solidFill>
-          <a:ln w="12700"/>
-        </p:spPr>
-        <p:style>
-          <a:lnRef idx="2">
-            <a:schemeClr val="accent5"/>
-          </a:lnRef>
-          <a:fillRef idx="1">
-            <a:schemeClr val="lt1"/>
-          </a:fillRef>
-          <a:effectRef idx="0">
-            <a:schemeClr val="accent5"/>
-          </a:effectRef>
-          <a:fontRef idx="minor">
-            <a:schemeClr val="dk1"/>
-          </a:fontRef>
-        </p:style>
-        <p:txBody>
-          <a:bodyPr rtlCol="0" anchor="b"/>
-          <a:lstStyle/>
-          <a:p>
-            <a:pPr algn="ctr"/>
-            <a:r>
-              <a:rPr lang="it-IT" sz="1200" b="1" dirty="0" smtClean="0">
-                <a:solidFill>
-                  <a:schemeClr val="tx2">
-                    <a:lumMod val="50000"/>
-                  </a:schemeClr>
-                </a:solidFill>
-              </a:rPr>
-              <a:t>Clients</a:t>
-            </a:r>
-            <a:endParaRPr lang="en-US" sz="1200" b="1" dirty="0" smtClean="0">
-              <a:solidFill>
-                <a:schemeClr val="tx2">
-                  <a:lumMod val="50000"/>
-                </a:schemeClr>
-              </a:solidFill>
-            </a:endParaRPr>
-          </a:p>
-          <a:p>
-            <a:pPr algn="ctr"/>
-            <a:endParaRPr lang="en-US" sz="1200" b="1" dirty="0" smtClean="0">
-              <a:solidFill>
-                <a:schemeClr val="tx2">
-                  <a:lumMod val="50000"/>
-                </a:schemeClr>
-              </a:solidFill>
-            </a:endParaRPr>
-          </a:p>
-        </p:txBody>
-      </p:sp>
-      <p:sp>
-        <p:nvSpPr>
-          <p:cNvPr id="15" name="Rectangle 14"/>
-          <p:cNvSpPr/>
-          <p:nvPr/>
-        </p:nvSpPr>
-        <p:spPr>
-          <a:xfrm>
-            <a:off x="5736843" y="1608914"/>
-            <a:ext cx="1003300" cy="544963"/>
-          </a:xfrm>
-          <a:prstGeom prst="rect">
-            <a:avLst/>
-          </a:prstGeom>
-          <a:solidFill>
-            <a:schemeClr val="bg1">
-              <a:lumMod val="85000"/>
-            </a:schemeClr>
-          </a:solidFill>
-          <a:ln w="12700"/>
-        </p:spPr>
-        <p:style>
-          <a:lnRef idx="2">
-            <a:schemeClr val="accent5"/>
-          </a:lnRef>
-          <a:fillRef idx="1">
-            <a:schemeClr val="lt1"/>
-          </a:fillRef>
-          <a:effectRef idx="0">
-            <a:schemeClr val="accent5"/>
-          </a:effectRef>
-          <a:fontRef idx="minor">
-            <a:schemeClr val="dk1"/>
-          </a:fontRef>
-        </p:style>
-        <p:txBody>
-          <a:bodyPr rtlCol="0" anchor="b"/>
-          <a:lstStyle/>
-          <a:p>
-            <a:pPr algn="ctr"/>
-            <a:r>
-              <a:rPr lang="it-IT" sz="1200" b="1" dirty="0" smtClean="0">
-                <a:solidFill>
-                  <a:schemeClr val="tx2">
-                    <a:lumMod val="50000"/>
-                  </a:schemeClr>
-                </a:solidFill>
-              </a:rPr>
-              <a:t>Clients</a:t>
-            </a:r>
-            <a:endParaRPr lang="en-US" sz="1200" b="1" dirty="0" smtClean="0">
-              <a:solidFill>
-                <a:schemeClr val="tx2">
-                  <a:lumMod val="50000"/>
-                </a:schemeClr>
-              </a:solidFill>
-            </a:endParaRPr>
-          </a:p>
-          <a:p>
-            <a:pPr algn="ctr"/>
-            <a:endParaRPr lang="en-US" sz="1200" b="1" dirty="0" smtClean="0">
-              <a:solidFill>
-                <a:schemeClr val="tx2">
-                  <a:lumMod val="50000"/>
-                </a:schemeClr>
-              </a:solidFill>
-            </a:endParaRPr>
-          </a:p>
-        </p:txBody>
-      </p:sp>
-      <p:sp>
-        <p:nvSpPr>
-          <p:cNvPr id="16" name="Rectangle 15"/>
-          <p:cNvSpPr/>
-          <p:nvPr/>
-        </p:nvSpPr>
-        <p:spPr>
-          <a:xfrm>
-            <a:off x="6854443" y="1608914"/>
-            <a:ext cx="1003300" cy="544963"/>
-          </a:xfrm>
-          <a:prstGeom prst="rect">
-            <a:avLst/>
-          </a:prstGeom>
-          <a:solidFill>
-            <a:schemeClr val="bg1">
-              <a:lumMod val="85000"/>
-            </a:schemeClr>
-          </a:solidFill>
-          <a:ln w="12700"/>
-        </p:spPr>
-        <p:style>
-          <a:lnRef idx="2">
-            <a:schemeClr val="accent5"/>
-          </a:lnRef>
-          <a:fillRef idx="1">
-            <a:schemeClr val="lt1"/>
-          </a:fillRef>
-          <a:effectRef idx="0">
-            <a:schemeClr val="accent5"/>
-          </a:effectRef>
-          <a:fontRef idx="minor">
-            <a:schemeClr val="dk1"/>
-          </a:fontRef>
-        </p:style>
-        <p:txBody>
-          <a:bodyPr rtlCol="0" anchor="b"/>
-          <a:lstStyle/>
-          <a:p>
-            <a:pPr algn="ctr"/>
-            <a:r>
-              <a:rPr lang="it-IT" sz="1200" b="1" dirty="0" smtClean="0">
-                <a:solidFill>
-                  <a:schemeClr val="tx2">
-                    <a:lumMod val="50000"/>
-                  </a:schemeClr>
-                </a:solidFill>
-              </a:rPr>
-              <a:t>Clients</a:t>
-            </a:r>
-            <a:endParaRPr lang="en-US" sz="1200" b="1" dirty="0" smtClean="0">
-              <a:solidFill>
-                <a:schemeClr val="tx2">
-                  <a:lumMod val="50000"/>
-                </a:schemeClr>
-              </a:solidFill>
-            </a:endParaRPr>
-          </a:p>
-          <a:p>
-            <a:pPr algn="ctr"/>
-            <a:endParaRPr lang="en-US" sz="1200" b="1" dirty="0" smtClean="0">
-              <a:solidFill>
-                <a:schemeClr val="tx2">
-                  <a:lumMod val="50000"/>
-                </a:schemeClr>
-              </a:solidFill>
-            </a:endParaRPr>
+            <a:r>
+              <a:rPr lang="en-US" dirty="0" smtClean="0"/>
+              <a:t>Needed to scale up to provide instant pay-as-you-go on mobile devices</a:t>
+            </a:r>
+          </a:p>
+          <a:p>
+            <a:r>
+              <a:rPr lang="en-US" dirty="0" smtClean="0"/>
+              <a:t>Support Disaster Recovery (DR)</a:t>
+            </a:r>
+          </a:p>
+          <a:p>
+            <a:r>
+              <a:rPr lang="en-US" dirty="0" smtClean="0"/>
+              <a:t>Elastic Scale e.g. during an important football match</a:t>
+            </a:r>
           </a:p>
         </p:txBody>
       </p:sp>
     </p:spTree>
     <p:extLst>
       <p:ext uri="{BB962C8B-B14F-4D97-AF65-F5344CB8AC3E}">
-        <p14:creationId xmlns:p14="http://schemas.microsoft.com/office/powerpoint/2010/main" val="2701235334"/>
+        <p14:creationId xmlns:p14="http://schemas.microsoft.com/office/powerpoint/2010/main" val="2886167190"/>
       </p:ext>
     </p:extLst>
   </p:cSld>
@@ -7439,6 +7002,912 @@
           <a:chExt cx="0" cy="0"/>
         </a:xfrm>
       </p:grpSpPr>
+      <p:sp>
+        <p:nvSpPr>
+          <p:cNvPr id="2" name="Title 1"/>
+          <p:cNvSpPr>
+            <a:spLocks noGrp="1"/>
+          </p:cNvSpPr>
+          <p:nvPr>
+            <p:ph type="title"/>
+          </p:nvPr>
+        </p:nvSpPr>
+        <p:spPr/>
+        <p:txBody>
+          <a:bodyPr/>
+          <a:lstStyle/>
+          <a:p>
+            <a:r>
+              <a:rPr lang="en-US" dirty="0" smtClean="0"/>
+              <a:t>Architecture</a:t>
+            </a:r>
+            <a:endParaRPr lang="en-US" dirty="0"/>
+          </a:p>
+        </p:txBody>
+      </p:sp>
+      <p:sp>
+        <p:nvSpPr>
+          <p:cNvPr id="4" name="Rectangle 3"/>
+          <p:cNvSpPr/>
+          <p:nvPr/>
+        </p:nvSpPr>
+        <p:spPr>
+          <a:xfrm>
+            <a:off x="1594096" y="2320684"/>
+            <a:ext cx="2288547" cy="2627194"/>
+          </a:xfrm>
+          <a:prstGeom prst="rect">
+            <a:avLst/>
+          </a:prstGeom>
+          <a:solidFill>
+            <a:schemeClr val="bg1">
+              <a:lumMod val="85000"/>
+            </a:schemeClr>
+          </a:solidFill>
+          <a:ln w="12700"/>
+        </p:spPr>
+        <p:style>
+          <a:lnRef idx="2">
+            <a:schemeClr val="accent5"/>
+          </a:lnRef>
+          <a:fillRef idx="1">
+            <a:schemeClr val="lt1"/>
+          </a:fillRef>
+          <a:effectRef idx="0">
+            <a:schemeClr val="accent5"/>
+          </a:effectRef>
+          <a:fontRef idx="minor">
+            <a:schemeClr val="dk1"/>
+          </a:fontRef>
+        </p:style>
+        <p:txBody>
+          <a:bodyPr rtlCol="0" anchor="b"/>
+          <a:lstStyle/>
+          <a:p>
+            <a:pPr algn="ctr"/>
+            <a:r>
+              <a:rPr lang="en-US" sz="1200" b="1" smtClean="0">
+                <a:solidFill>
+                  <a:schemeClr val="tx2">
+                    <a:lumMod val="50000"/>
+                  </a:schemeClr>
+                </a:solidFill>
+              </a:rPr>
+              <a:t>Existing architecture</a:t>
+            </a:r>
+          </a:p>
+          <a:p>
+            <a:pPr algn="ctr"/>
+            <a:endParaRPr lang="en-US" sz="1200" b="1" smtClean="0">
+              <a:solidFill>
+                <a:schemeClr val="tx2">
+                  <a:lumMod val="50000"/>
+                </a:schemeClr>
+              </a:solidFill>
+            </a:endParaRPr>
+          </a:p>
+          <a:p>
+            <a:pPr algn="ctr"/>
+            <a:r>
+              <a:rPr lang="en-US" sz="1200" b="1" smtClean="0">
+                <a:solidFill>
+                  <a:schemeClr val="tx2">
+                    <a:lumMod val="50000"/>
+                  </a:schemeClr>
+                </a:solidFill>
+              </a:rPr>
+              <a:t>(no changes)</a:t>
+            </a:r>
+          </a:p>
+          <a:p>
+            <a:pPr algn="ctr"/>
+            <a:endParaRPr lang="en-US" sz="1200" b="1" smtClean="0">
+              <a:solidFill>
+                <a:schemeClr val="tx2">
+                  <a:lumMod val="50000"/>
+                </a:schemeClr>
+              </a:solidFill>
+            </a:endParaRPr>
+          </a:p>
+          <a:p>
+            <a:pPr algn="ctr"/>
+            <a:endParaRPr lang="en-US" sz="1200" b="1" smtClean="0">
+              <a:solidFill>
+                <a:schemeClr val="tx2">
+                  <a:lumMod val="50000"/>
+                </a:schemeClr>
+              </a:solidFill>
+            </a:endParaRPr>
+          </a:p>
+          <a:p>
+            <a:pPr algn="ctr"/>
+            <a:endParaRPr lang="en-US" sz="1200" b="1" smtClean="0">
+              <a:solidFill>
+                <a:schemeClr val="tx2">
+                  <a:lumMod val="50000"/>
+                </a:schemeClr>
+              </a:solidFill>
+            </a:endParaRPr>
+          </a:p>
+          <a:p>
+            <a:pPr algn="ctr"/>
+            <a:endParaRPr lang="en-US" sz="1200" b="1" smtClean="0">
+              <a:solidFill>
+                <a:schemeClr val="tx2">
+                  <a:lumMod val="50000"/>
+                </a:schemeClr>
+              </a:solidFill>
+            </a:endParaRPr>
+          </a:p>
+          <a:p>
+            <a:pPr algn="ctr"/>
+            <a:endParaRPr lang="en-US" sz="1200" b="1" smtClean="0">
+              <a:solidFill>
+                <a:schemeClr val="tx2">
+                  <a:lumMod val="50000"/>
+                </a:schemeClr>
+              </a:solidFill>
+            </a:endParaRPr>
+          </a:p>
+          <a:p>
+            <a:pPr algn="ctr"/>
+            <a:endParaRPr lang="en-US" sz="1200" b="1" smtClean="0">
+              <a:solidFill>
+                <a:schemeClr val="tx2">
+                  <a:lumMod val="50000"/>
+                </a:schemeClr>
+              </a:solidFill>
+            </a:endParaRPr>
+          </a:p>
+          <a:p>
+            <a:pPr algn="ctr"/>
+            <a:endParaRPr lang="en-US" sz="1200" b="1" smtClean="0">
+              <a:solidFill>
+                <a:schemeClr val="tx2">
+                  <a:lumMod val="50000"/>
+                </a:schemeClr>
+              </a:solidFill>
+            </a:endParaRPr>
+          </a:p>
+        </p:txBody>
+      </p:sp>
+      <p:sp>
+        <p:nvSpPr>
+          <p:cNvPr id="5" name="Rounded Rectangle 4"/>
+          <p:cNvSpPr/>
+          <p:nvPr/>
+        </p:nvSpPr>
+        <p:spPr>
+          <a:xfrm>
+            <a:off x="4797043" y="3377629"/>
+            <a:ext cx="3022410" cy="521686"/>
+          </a:xfrm>
+          <a:prstGeom prst="roundRect">
+            <a:avLst>
+              <a:gd name="adj" fmla="val 50000"/>
+            </a:avLst>
+          </a:prstGeom>
+          <a:solidFill>
+            <a:schemeClr val="bg1">
+              <a:lumMod val="95000"/>
+            </a:schemeClr>
+          </a:solidFill>
+          <a:ln w="12700">
+            <a:solidFill>
+              <a:schemeClr val="tx1">
+                <a:lumMod val="75000"/>
+                <a:lumOff val="25000"/>
+              </a:schemeClr>
+            </a:solidFill>
+          </a:ln>
+          <a:effectLst>
+            <a:outerShdw blurRad="76200" dir="18900000" sy="23000" kx="-1200000" algn="bl" rotWithShape="0">
+              <a:prstClr val="black">
+                <a:alpha val="20000"/>
+              </a:prstClr>
+            </a:outerShdw>
+          </a:effectLst>
+        </p:spPr>
+        <p:style>
+          <a:lnRef idx="2">
+            <a:schemeClr val="accent1">
+              <a:shade val="50000"/>
+            </a:schemeClr>
+          </a:lnRef>
+          <a:fillRef idx="1">
+            <a:schemeClr val="accent1"/>
+          </a:fillRef>
+          <a:effectRef idx="0">
+            <a:schemeClr val="accent1"/>
+          </a:effectRef>
+          <a:fontRef idx="minor">
+            <a:schemeClr val="lt1"/>
+          </a:fontRef>
+        </p:style>
+        <p:txBody>
+          <a:bodyPr rtlCol="0" anchor="b"/>
+          <a:lstStyle/>
+          <a:p>
+            <a:pPr algn="ctr"/>
+            <a:r>
+              <a:rPr lang="en-US" sz="1200" b="1" smtClean="0">
+                <a:solidFill>
+                  <a:schemeClr val="tx2">
+                    <a:lumMod val="50000"/>
+                  </a:schemeClr>
+                </a:solidFill>
+              </a:rPr>
+              <a:t>Integration Layer</a:t>
+            </a:r>
+            <a:endParaRPr lang="en-US" sz="1200" b="1">
+              <a:solidFill>
+                <a:schemeClr val="tx2">
+                  <a:lumMod val="50000"/>
+                </a:schemeClr>
+              </a:solidFill>
+            </a:endParaRPr>
+          </a:p>
+        </p:txBody>
+      </p:sp>
+      <p:sp>
+        <p:nvSpPr>
+          <p:cNvPr id="6" name="Rounded Rectangle 5"/>
+          <p:cNvSpPr/>
+          <p:nvPr/>
+        </p:nvSpPr>
+        <p:spPr>
+          <a:xfrm>
+            <a:off x="4784343" y="4203129"/>
+            <a:ext cx="3022410" cy="521686"/>
+          </a:xfrm>
+          <a:prstGeom prst="roundRect">
+            <a:avLst>
+              <a:gd name="adj" fmla="val 50000"/>
+            </a:avLst>
+          </a:prstGeom>
+          <a:solidFill>
+            <a:schemeClr val="bg1">
+              <a:lumMod val="95000"/>
+            </a:schemeClr>
+          </a:solidFill>
+          <a:ln w="12700">
+            <a:solidFill>
+              <a:schemeClr val="tx1">
+                <a:lumMod val="75000"/>
+                <a:lumOff val="25000"/>
+              </a:schemeClr>
+            </a:solidFill>
+          </a:ln>
+          <a:effectLst>
+            <a:outerShdw blurRad="76200" dir="18900000" sy="23000" kx="-1200000" algn="bl" rotWithShape="0">
+              <a:prstClr val="black">
+                <a:alpha val="20000"/>
+              </a:prstClr>
+            </a:outerShdw>
+          </a:effectLst>
+        </p:spPr>
+        <p:style>
+          <a:lnRef idx="2">
+            <a:schemeClr val="accent1">
+              <a:shade val="50000"/>
+            </a:schemeClr>
+          </a:lnRef>
+          <a:fillRef idx="1">
+            <a:schemeClr val="accent1"/>
+          </a:fillRef>
+          <a:effectRef idx="0">
+            <a:schemeClr val="accent1"/>
+          </a:effectRef>
+          <a:fontRef idx="minor">
+            <a:schemeClr val="lt1"/>
+          </a:fontRef>
+        </p:style>
+        <p:txBody>
+          <a:bodyPr rtlCol="0" anchor="b"/>
+          <a:lstStyle/>
+          <a:p>
+            <a:pPr algn="ctr"/>
+            <a:r>
+              <a:rPr lang="en-US" sz="1200" b="1" smtClean="0">
+                <a:solidFill>
+                  <a:schemeClr val="tx2">
+                    <a:lumMod val="50000"/>
+                  </a:schemeClr>
+                </a:solidFill>
+              </a:rPr>
+              <a:t>Cloud/NoSQL Multi-Master Database </a:t>
+            </a:r>
+            <a:endParaRPr lang="en-US" sz="1200" b="1">
+              <a:solidFill>
+                <a:schemeClr val="tx2">
+                  <a:lumMod val="50000"/>
+                </a:schemeClr>
+              </a:solidFill>
+            </a:endParaRPr>
+          </a:p>
+        </p:txBody>
+      </p:sp>
+      <p:sp>
+        <p:nvSpPr>
+          <p:cNvPr id="7" name="Rounded Rectangle 6"/>
+          <p:cNvSpPr/>
+          <p:nvPr/>
+        </p:nvSpPr>
+        <p:spPr>
+          <a:xfrm>
+            <a:off x="4784343" y="2602929"/>
+            <a:ext cx="3022410" cy="521686"/>
+          </a:xfrm>
+          <a:prstGeom prst="roundRect">
+            <a:avLst>
+              <a:gd name="adj" fmla="val 1312"/>
+            </a:avLst>
+          </a:prstGeom>
+          <a:solidFill>
+            <a:schemeClr val="bg1">
+              <a:lumMod val="95000"/>
+            </a:schemeClr>
+          </a:solidFill>
+          <a:ln w="12700">
+            <a:solidFill>
+              <a:schemeClr val="tx1">
+                <a:lumMod val="75000"/>
+                <a:lumOff val="25000"/>
+              </a:schemeClr>
+            </a:solidFill>
+            <a:prstDash val="dash"/>
+          </a:ln>
+          <a:effectLst>
+            <a:outerShdw blurRad="76200" dir="18900000" sy="23000" kx="-1200000" algn="bl" rotWithShape="0">
+              <a:prstClr val="black">
+                <a:alpha val="20000"/>
+              </a:prstClr>
+            </a:outerShdw>
+          </a:effectLst>
+        </p:spPr>
+        <p:style>
+          <a:lnRef idx="2">
+            <a:schemeClr val="accent1">
+              <a:shade val="50000"/>
+            </a:schemeClr>
+          </a:lnRef>
+          <a:fillRef idx="1">
+            <a:schemeClr val="accent1"/>
+          </a:fillRef>
+          <a:effectRef idx="0">
+            <a:schemeClr val="accent1"/>
+          </a:effectRef>
+          <a:fontRef idx="minor">
+            <a:schemeClr val="lt1"/>
+          </a:fontRef>
+        </p:style>
+        <p:txBody>
+          <a:bodyPr rtlCol="0" anchor="b"/>
+          <a:lstStyle/>
+          <a:p>
+            <a:pPr algn="ctr"/>
+            <a:r>
+              <a:rPr lang="en-US" sz="1200" b="1" smtClean="0">
+                <a:solidFill>
+                  <a:schemeClr val="tx2">
+                    <a:lumMod val="50000"/>
+                  </a:schemeClr>
+                </a:solidFill>
+              </a:rPr>
+              <a:t>RESTful Services</a:t>
+            </a:r>
+          </a:p>
+          <a:p>
+            <a:pPr algn="ctr"/>
+            <a:endParaRPr lang="en-US" sz="1200" b="1" smtClean="0">
+              <a:solidFill>
+                <a:schemeClr val="tx2">
+                  <a:lumMod val="50000"/>
+                </a:schemeClr>
+              </a:solidFill>
+            </a:endParaRPr>
+          </a:p>
+        </p:txBody>
+      </p:sp>
+      <p:sp>
+        <p:nvSpPr>
+          <p:cNvPr id="8" name="TextBox 7"/>
+          <p:cNvSpPr txBox="1"/>
+          <p:nvPr/>
+        </p:nvSpPr>
+        <p:spPr>
+          <a:xfrm>
+            <a:off x="3844543" y="4123515"/>
+            <a:ext cx="1072880" cy="307777"/>
+          </a:xfrm>
+          <a:prstGeom prst="rect">
+            <a:avLst/>
+          </a:prstGeom>
+          <a:noFill/>
+          <a:ln>
+            <a:noFill/>
+          </a:ln>
+        </p:spPr>
+        <p:txBody>
+          <a:bodyPr wrap="none" rtlCol="0">
+            <a:spAutoFit/>
+          </a:bodyPr>
+          <a:lstStyle/>
+          <a:p>
+            <a:r>
+              <a:rPr lang="en-US" sz="1400" smtClean="0">
+                <a:solidFill>
+                  <a:schemeClr val="tx2">
+                    <a:lumMod val="50000"/>
+                  </a:schemeClr>
+                </a:solidFill>
+              </a:rPr>
+              <a:t>Replication</a:t>
+            </a:r>
+          </a:p>
+        </p:txBody>
+      </p:sp>
+      <p:sp>
+        <p:nvSpPr>
+          <p:cNvPr id="9" name="Rectangle 8"/>
+          <p:cNvSpPr/>
+          <p:nvPr/>
+        </p:nvSpPr>
+        <p:spPr>
+          <a:xfrm>
+            <a:off x="4619243" y="2396315"/>
+            <a:ext cx="3302000" cy="3048000"/>
+          </a:xfrm>
+          <a:prstGeom prst="rect">
+            <a:avLst/>
+          </a:prstGeom>
+          <a:noFill/>
+          <a:ln w="19050">
+            <a:solidFill>
+              <a:schemeClr val="bg1">
+                <a:lumMod val="65000"/>
+              </a:schemeClr>
+            </a:solidFill>
+            <a:prstDash val="dash"/>
+          </a:ln>
+        </p:spPr>
+        <p:style>
+          <a:lnRef idx="2">
+            <a:schemeClr val="accent1">
+              <a:shade val="50000"/>
+            </a:schemeClr>
+          </a:lnRef>
+          <a:fillRef idx="1">
+            <a:schemeClr val="accent1"/>
+          </a:fillRef>
+          <a:effectRef idx="0">
+            <a:schemeClr val="accent1"/>
+          </a:effectRef>
+          <a:fontRef idx="minor">
+            <a:schemeClr val="lt1"/>
+          </a:fontRef>
+        </p:style>
+        <p:txBody>
+          <a:bodyPr rtlCol="0" anchor="ctr"/>
+          <a:lstStyle/>
+          <a:p>
+            <a:pPr algn="ctr"/>
+            <a:endParaRPr lang="en-US" sz="1200" b="1" smtClean="0">
+              <a:solidFill>
+                <a:schemeClr val="tx2">
+                  <a:lumMod val="50000"/>
+                </a:schemeClr>
+              </a:solidFill>
+            </a:endParaRPr>
+          </a:p>
+        </p:txBody>
+      </p:sp>
+      <p:cxnSp>
+        <p:nvCxnSpPr>
+          <p:cNvPr id="10" name="Straight Arrow Connector 9"/>
+          <p:cNvCxnSpPr>
+            <a:endCxn id="6" idx="1"/>
+          </p:cNvCxnSpPr>
+          <p:nvPr/>
+        </p:nvCxnSpPr>
+        <p:spPr>
+          <a:xfrm flipV="1">
+            <a:off x="3857243" y="4463972"/>
+            <a:ext cx="927100" cy="2443"/>
+          </a:xfrm>
+          <a:prstGeom prst="straightConnector1">
+            <a:avLst/>
+          </a:prstGeom>
+          <a:ln w="28575" cmpd="sng">
+            <a:solidFill>
+              <a:srgbClr val="339966"/>
+            </a:solidFill>
+            <a:prstDash val="solid"/>
+            <a:tailEnd type="arrow"/>
+          </a:ln>
+        </p:spPr>
+        <p:style>
+          <a:lnRef idx="1">
+            <a:schemeClr val="accent1"/>
+          </a:lnRef>
+          <a:fillRef idx="0">
+            <a:schemeClr val="accent1"/>
+          </a:fillRef>
+          <a:effectRef idx="0">
+            <a:schemeClr val="accent1"/>
+          </a:effectRef>
+          <a:fontRef idx="minor">
+            <a:schemeClr val="tx1"/>
+          </a:fontRef>
+        </p:style>
+      </p:cxnSp>
+      <p:cxnSp>
+        <p:nvCxnSpPr>
+          <p:cNvPr id="11" name="Straight Arrow Connector 10"/>
+          <p:cNvCxnSpPr>
+            <a:stCxn id="5" idx="1"/>
+            <a:endCxn id="4" idx="3"/>
+          </p:cNvCxnSpPr>
+          <p:nvPr/>
+        </p:nvCxnSpPr>
+        <p:spPr>
+          <a:xfrm flipH="1" flipV="1">
+            <a:off x="3882643" y="3634281"/>
+            <a:ext cx="914400" cy="4191"/>
+          </a:xfrm>
+          <a:prstGeom prst="straightConnector1">
+            <a:avLst/>
+          </a:prstGeom>
+          <a:ln w="28575" cmpd="sng">
+            <a:solidFill>
+              <a:srgbClr val="339966"/>
+            </a:solidFill>
+            <a:prstDash val="solid"/>
+            <a:tailEnd type="arrow"/>
+          </a:ln>
+        </p:spPr>
+        <p:style>
+          <a:lnRef idx="1">
+            <a:schemeClr val="accent1"/>
+          </a:lnRef>
+          <a:fillRef idx="0">
+            <a:schemeClr val="accent1"/>
+          </a:fillRef>
+          <a:effectRef idx="0">
+            <a:schemeClr val="accent1"/>
+          </a:effectRef>
+          <a:fontRef idx="minor">
+            <a:schemeClr val="tx1"/>
+          </a:fontRef>
+        </p:style>
+      </p:cxnSp>
+      <p:sp>
+        <p:nvSpPr>
+          <p:cNvPr id="12" name="TextBox 11"/>
+          <p:cNvSpPr txBox="1"/>
+          <p:nvPr/>
+        </p:nvSpPr>
+        <p:spPr>
+          <a:xfrm>
+            <a:off x="3857243" y="3298015"/>
+            <a:ext cx="1072792" cy="307777"/>
+          </a:xfrm>
+          <a:prstGeom prst="rect">
+            <a:avLst/>
+          </a:prstGeom>
+          <a:noFill/>
+          <a:ln>
+            <a:noFill/>
+          </a:ln>
+        </p:spPr>
+        <p:txBody>
+          <a:bodyPr wrap="none" rtlCol="0">
+            <a:spAutoFit/>
+          </a:bodyPr>
+          <a:lstStyle/>
+          <a:p>
+            <a:r>
+              <a:rPr lang="en-US" sz="1400" smtClean="0">
+                <a:solidFill>
+                  <a:schemeClr val="tx2">
+                    <a:lumMod val="50000"/>
+                  </a:schemeClr>
+                </a:solidFill>
+              </a:rPr>
+              <a:t>Notification</a:t>
+            </a:r>
+          </a:p>
+        </p:txBody>
+      </p:sp>
+      <p:sp>
+        <p:nvSpPr>
+          <p:cNvPr id="13" name="TextBox 12"/>
+          <p:cNvSpPr txBox="1"/>
+          <p:nvPr/>
+        </p:nvSpPr>
+        <p:spPr>
+          <a:xfrm>
+            <a:off x="5559043" y="4949015"/>
+            <a:ext cx="1582484" cy="523220"/>
+          </a:xfrm>
+          <a:prstGeom prst="rect">
+            <a:avLst/>
+          </a:prstGeom>
+          <a:noFill/>
+        </p:spPr>
+        <p:txBody>
+          <a:bodyPr wrap="none" rtlCol="0">
+            <a:spAutoFit/>
+          </a:bodyPr>
+          <a:lstStyle/>
+          <a:p>
+            <a:pPr algn="ctr"/>
+            <a:r>
+              <a:rPr lang="en-US" sz="1400" b="1" dirty="0" smtClean="0">
+                <a:solidFill>
+                  <a:schemeClr val="tx2">
+                    <a:lumMod val="50000"/>
+                  </a:schemeClr>
+                </a:solidFill>
+              </a:rPr>
+              <a:t>Cloud Platform</a:t>
+            </a:r>
+          </a:p>
+          <a:p>
+            <a:pPr algn="ctr"/>
+            <a:r>
+              <a:rPr lang="en-US" sz="1400" dirty="0" smtClean="0">
+                <a:solidFill>
+                  <a:schemeClr val="tx2">
+                    <a:lumMod val="50000"/>
+                  </a:schemeClr>
+                </a:solidFill>
+              </a:rPr>
+              <a:t>Cloud Datacenter</a:t>
+            </a:r>
+          </a:p>
+        </p:txBody>
+      </p:sp>
+      <p:sp>
+        <p:nvSpPr>
+          <p:cNvPr id="14" name="Rectangle 13"/>
+          <p:cNvSpPr/>
+          <p:nvPr/>
+        </p:nvSpPr>
+        <p:spPr>
+          <a:xfrm>
+            <a:off x="4619243" y="1608914"/>
+            <a:ext cx="1003300" cy="544963"/>
+          </a:xfrm>
+          <a:prstGeom prst="rect">
+            <a:avLst/>
+          </a:prstGeom>
+          <a:solidFill>
+            <a:schemeClr val="bg1">
+              <a:lumMod val="85000"/>
+            </a:schemeClr>
+          </a:solidFill>
+          <a:ln w="12700"/>
+        </p:spPr>
+        <p:style>
+          <a:lnRef idx="2">
+            <a:schemeClr val="accent5"/>
+          </a:lnRef>
+          <a:fillRef idx="1">
+            <a:schemeClr val="lt1"/>
+          </a:fillRef>
+          <a:effectRef idx="0">
+            <a:schemeClr val="accent5"/>
+          </a:effectRef>
+          <a:fontRef idx="minor">
+            <a:schemeClr val="dk1"/>
+          </a:fontRef>
+        </p:style>
+        <p:txBody>
+          <a:bodyPr rtlCol="0" anchor="b"/>
+          <a:lstStyle/>
+          <a:p>
+            <a:pPr algn="ctr"/>
+            <a:r>
+              <a:rPr lang="it-IT" sz="1200" b="1" dirty="0" smtClean="0">
+                <a:solidFill>
+                  <a:schemeClr val="tx2">
+                    <a:lumMod val="50000"/>
+                  </a:schemeClr>
+                </a:solidFill>
+              </a:rPr>
+              <a:t>Clients</a:t>
+            </a:r>
+            <a:endParaRPr lang="en-US" sz="1200" b="1" dirty="0" smtClean="0">
+              <a:solidFill>
+                <a:schemeClr val="tx2">
+                  <a:lumMod val="50000"/>
+                </a:schemeClr>
+              </a:solidFill>
+            </a:endParaRPr>
+          </a:p>
+          <a:p>
+            <a:pPr algn="ctr"/>
+            <a:endParaRPr lang="en-US" sz="1200" b="1" dirty="0" smtClean="0">
+              <a:solidFill>
+                <a:schemeClr val="tx2">
+                  <a:lumMod val="50000"/>
+                </a:schemeClr>
+              </a:solidFill>
+            </a:endParaRPr>
+          </a:p>
+        </p:txBody>
+      </p:sp>
+      <p:sp>
+        <p:nvSpPr>
+          <p:cNvPr id="15" name="Rectangle 14"/>
+          <p:cNvSpPr/>
+          <p:nvPr/>
+        </p:nvSpPr>
+        <p:spPr>
+          <a:xfrm>
+            <a:off x="5736843" y="1608914"/>
+            <a:ext cx="1003300" cy="544963"/>
+          </a:xfrm>
+          <a:prstGeom prst="rect">
+            <a:avLst/>
+          </a:prstGeom>
+          <a:solidFill>
+            <a:schemeClr val="bg1">
+              <a:lumMod val="85000"/>
+            </a:schemeClr>
+          </a:solidFill>
+          <a:ln w="12700"/>
+        </p:spPr>
+        <p:style>
+          <a:lnRef idx="2">
+            <a:schemeClr val="accent5"/>
+          </a:lnRef>
+          <a:fillRef idx="1">
+            <a:schemeClr val="lt1"/>
+          </a:fillRef>
+          <a:effectRef idx="0">
+            <a:schemeClr val="accent5"/>
+          </a:effectRef>
+          <a:fontRef idx="minor">
+            <a:schemeClr val="dk1"/>
+          </a:fontRef>
+        </p:style>
+        <p:txBody>
+          <a:bodyPr rtlCol="0" anchor="b"/>
+          <a:lstStyle/>
+          <a:p>
+            <a:pPr algn="ctr"/>
+            <a:r>
+              <a:rPr lang="it-IT" sz="1200" b="1" dirty="0" smtClean="0">
+                <a:solidFill>
+                  <a:schemeClr val="tx2">
+                    <a:lumMod val="50000"/>
+                  </a:schemeClr>
+                </a:solidFill>
+              </a:rPr>
+              <a:t>Clients</a:t>
+            </a:r>
+            <a:endParaRPr lang="en-US" sz="1200" b="1" dirty="0" smtClean="0">
+              <a:solidFill>
+                <a:schemeClr val="tx2">
+                  <a:lumMod val="50000"/>
+                </a:schemeClr>
+              </a:solidFill>
+            </a:endParaRPr>
+          </a:p>
+          <a:p>
+            <a:pPr algn="ctr"/>
+            <a:endParaRPr lang="en-US" sz="1200" b="1" dirty="0" smtClean="0">
+              <a:solidFill>
+                <a:schemeClr val="tx2">
+                  <a:lumMod val="50000"/>
+                </a:schemeClr>
+              </a:solidFill>
+            </a:endParaRPr>
+          </a:p>
+        </p:txBody>
+      </p:sp>
+      <p:sp>
+        <p:nvSpPr>
+          <p:cNvPr id="16" name="Rectangle 15"/>
+          <p:cNvSpPr/>
+          <p:nvPr/>
+        </p:nvSpPr>
+        <p:spPr>
+          <a:xfrm>
+            <a:off x="6854443" y="1608914"/>
+            <a:ext cx="1003300" cy="544963"/>
+          </a:xfrm>
+          <a:prstGeom prst="rect">
+            <a:avLst/>
+          </a:prstGeom>
+          <a:solidFill>
+            <a:schemeClr val="bg1">
+              <a:lumMod val="85000"/>
+            </a:schemeClr>
+          </a:solidFill>
+          <a:ln w="12700"/>
+        </p:spPr>
+        <p:style>
+          <a:lnRef idx="2">
+            <a:schemeClr val="accent5"/>
+          </a:lnRef>
+          <a:fillRef idx="1">
+            <a:schemeClr val="lt1"/>
+          </a:fillRef>
+          <a:effectRef idx="0">
+            <a:schemeClr val="accent5"/>
+          </a:effectRef>
+          <a:fontRef idx="minor">
+            <a:schemeClr val="dk1"/>
+          </a:fontRef>
+        </p:style>
+        <p:txBody>
+          <a:bodyPr rtlCol="0" anchor="b"/>
+          <a:lstStyle/>
+          <a:p>
+            <a:pPr algn="ctr"/>
+            <a:r>
+              <a:rPr lang="it-IT" sz="1200" b="1" dirty="0" smtClean="0">
+                <a:solidFill>
+                  <a:schemeClr val="tx2">
+                    <a:lumMod val="50000"/>
+                  </a:schemeClr>
+                </a:solidFill>
+              </a:rPr>
+              <a:t>Clients</a:t>
+            </a:r>
+            <a:endParaRPr lang="en-US" sz="1200" b="1" dirty="0" smtClean="0">
+              <a:solidFill>
+                <a:schemeClr val="tx2">
+                  <a:lumMod val="50000"/>
+                </a:schemeClr>
+              </a:solidFill>
+            </a:endParaRPr>
+          </a:p>
+          <a:p>
+            <a:pPr algn="ctr"/>
+            <a:endParaRPr lang="en-US" sz="1200" b="1" dirty="0" smtClean="0">
+              <a:solidFill>
+                <a:schemeClr val="tx2">
+                  <a:lumMod val="50000"/>
+                </a:schemeClr>
+              </a:solidFill>
+            </a:endParaRPr>
+          </a:p>
+        </p:txBody>
+      </p:sp>
+    </p:spTree>
+    <p:extLst>
+      <p:ext uri="{BB962C8B-B14F-4D97-AF65-F5344CB8AC3E}">
+        <p14:creationId xmlns:p14="http://schemas.microsoft.com/office/powerpoint/2010/main" val="2701235334"/>
+      </p:ext>
+    </p:extLst>
+  </p:cSld>
+  <p:clrMapOvr>
+    <a:masterClrMapping/>
+  </p:clrMapOvr>
+</p:sld>
+</file>
+
+<file path=ppt/slides/slide21.xml><?xml version="1.0" encoding="utf-8"?>
+<p:sld xmlns:a="http://schemas.openxmlformats.org/drawingml/2006/main" xmlns:r="http://schemas.openxmlformats.org/officeDocument/2006/relationships" xmlns:p="http://schemas.openxmlformats.org/presentationml/2006/main">
+  <p:cSld>
+    <p:spTree>
+      <p:nvGrpSpPr>
+        <p:cNvPr id="1" name=""/>
+        <p:cNvGrpSpPr/>
+        <p:nvPr/>
+      </p:nvGrpSpPr>
+      <p:grpSpPr>
+        <a:xfrm>
+          <a:off x="0" y="0"/>
+          <a:ext cx="0" cy="0"/>
+          <a:chOff x="0" y="0"/>
+          <a:chExt cx="0" cy="0"/>
+        </a:xfrm>
+      </p:grpSpPr>
       <p:pic>
         <p:nvPicPr>
           <p:cNvPr id="4" name="Picture 3"/>
@@ -7476,7 +7945,7 @@
 </p:sld>
 </file>
 
-<file path=ppt/slides/slide21.xml><?xml version="1.0" encoding="utf-8"?>
+<file path=ppt/slides/slide22.xml><?xml version="1.0" encoding="utf-8"?>
 <p:sld xmlns:a="http://schemas.openxmlformats.org/drawingml/2006/main" xmlns:r="http://schemas.openxmlformats.org/officeDocument/2006/relationships" xmlns:p="http://schemas.openxmlformats.org/presentationml/2006/main">
   <p:cSld>
     <p:spTree>
@@ -8615,102 +9084,70 @@
         </p:nvSpPr>
         <p:spPr/>
         <p:txBody>
+          <a:bodyPr>
+            <a:normAutofit fontScale="90000"/>
+          </a:bodyPr>
+          <a:lstStyle/>
+          <a:p>
+            <a:r>
+              <a:rPr lang="en-US" dirty="0" smtClean="0"/>
+              <a:t>New definition of Cloud Native</a:t>
+            </a:r>
+            <a:endParaRPr lang="en-US" dirty="0"/>
+          </a:p>
+        </p:txBody>
+      </p:sp>
+      <p:sp>
+        <p:nvSpPr>
+          <p:cNvPr id="3" name="Content Placeholder 2"/>
+          <p:cNvSpPr>
+            <a:spLocks noGrp="1"/>
+          </p:cNvSpPr>
+          <p:nvPr>
+            <p:ph idx="1"/>
+          </p:nvPr>
+        </p:nvSpPr>
+        <p:spPr/>
+        <p:txBody>
           <a:bodyPr/>
           <a:lstStyle/>
           <a:p>
             <a:r>
               <a:rPr lang="en-US" dirty="0" smtClean="0"/>
-              <a:t>Origins of Cloud Computing</a:t>
-            </a:r>
-            <a:endParaRPr lang="en-US" dirty="0"/>
-          </a:p>
-        </p:txBody>
-      </p:sp>
-      <p:sp>
-        <p:nvSpPr>
-          <p:cNvPr id="3" name="Content Placeholder 2"/>
-          <p:cNvSpPr>
-            <a:spLocks noGrp="1"/>
-          </p:cNvSpPr>
-          <p:nvPr>
-            <p:ph idx="1"/>
-          </p:nvPr>
-        </p:nvSpPr>
-        <p:spPr/>
-        <p:txBody>
-          <a:bodyPr>
-            <a:normAutofit fontScale="92500" lnSpcReduction="10000"/>
-          </a:bodyPr>
-          <a:lstStyle/>
-          <a:p>
+              <a:t>From the Cloud Native Computing Foundation</a:t>
+            </a:r>
+          </a:p>
+          <a:p>
+            <a:pPr lvl="1"/>
             <a:r>
               <a:rPr lang="en-US" dirty="0" smtClean="0"/>
-              <a:t>Virtual Machines on Mainframes</a:t>
+              <a:t>Container based</a:t>
             </a:r>
           </a:p>
           <a:p>
             <a:pPr lvl="1"/>
             <a:r>
               <a:rPr lang="en-US" dirty="0" smtClean="0"/>
-              <a:t>VM/370 – 1972</a:t>
-            </a:r>
-          </a:p>
-          <a:p>
-            <a:r>
-              <a:rPr lang="en-US" dirty="0"/>
-              <a:t>Grid Computing</a:t>
-            </a:r>
-          </a:p>
-          <a:p>
-            <a:pPr lvl="2"/>
-            <a:r>
-              <a:rPr lang="en-US" dirty="0"/>
-              <a:t>Grid computing is the collection of computer resources from multiple locations to reach a common goal. </a:t>
-            </a:r>
-          </a:p>
-          <a:p>
+              <a:t>Dynamic</a:t>
+            </a:r>
+          </a:p>
+          <a:p>
+            <a:pPr lvl="1"/>
+            <a:r>
+              <a:rPr lang="en-US" dirty="0" err="1" smtClean="0"/>
+              <a:t>Microservice</a:t>
+            </a:r>
             <a:r>
               <a:rPr lang="en-US" dirty="0" smtClean="0"/>
-              <a:t>Software-as-a-Service</a:t>
-            </a:r>
-          </a:p>
-          <a:p>
-            <a:pPr lvl="1"/>
-            <a:r>
-              <a:rPr lang="en-US" dirty="0" err="1" smtClean="0"/>
-              <a:t>Salesforce.com</a:t>
-            </a:r>
-            <a:r>
-              <a:rPr lang="en-US" dirty="0" smtClean="0"/>
-              <a:t> 1999</a:t>
-            </a:r>
-          </a:p>
-          <a:p>
-            <a:r>
-              <a:rPr lang="en-US" dirty="0" smtClean="0"/>
-              <a:t>Amazon AWS</a:t>
-            </a:r>
-          </a:p>
-          <a:p>
-            <a:pPr lvl="1"/>
-            <a:r>
-              <a:rPr lang="en-US" dirty="0" smtClean="0"/>
-              <a:t>2002</a:t>
-            </a:r>
-          </a:p>
-          <a:p>
-            <a:pPr lvl="1"/>
-            <a:endParaRPr lang="en-US" dirty="0" smtClean="0"/>
-          </a:p>
-          <a:p>
-            <a:endParaRPr lang="en-US" dirty="0"/>
+              <a:t> oriented</a:t>
+            </a:r>
           </a:p>
         </p:txBody>
       </p:sp>
     </p:spTree>
     <p:extLst>
       <p:ext uri="{BB962C8B-B14F-4D97-AF65-F5344CB8AC3E}">
-        <p14:creationId xmlns:p14="http://schemas.microsoft.com/office/powerpoint/2010/main" val="1412008550"/>
+        <p14:creationId xmlns:p14="http://schemas.microsoft.com/office/powerpoint/2010/main" val="42100254"/>
       </p:ext>
     </p:extLst>
   </p:cSld>
@@ -8752,38 +9189,99 @@
           <a:bodyPr/>
           <a:lstStyle/>
           <a:p>
-            <a:endParaRPr lang="en-US"/>
-          </a:p>
-        </p:txBody>
-      </p:sp>
-      <p:pic>
-        <p:nvPicPr>
-          <p:cNvPr id="5" name="Picture 4"/>
-          <p:cNvPicPr>
-            <a:picLocks noChangeAspect="1"/>
-          </p:cNvPicPr>
-          <p:nvPr/>
-        </p:nvPicPr>
-        <p:blipFill>
-          <a:blip r:embed="rId2"/>
-          <a:stretch>
-            <a:fillRect/>
-          </a:stretch>
-        </p:blipFill>
-        <p:spPr>
-          <a:xfrm>
-            <a:off x="203200" y="0"/>
-            <a:ext cx="8733955" cy="6858000"/>
-          </a:xfrm>
-          <a:prstGeom prst="rect">
-            <a:avLst/>
-          </a:prstGeom>
-        </p:spPr>
-      </p:pic>
+            <a:r>
+              <a:rPr lang="en-US" dirty="0" smtClean="0"/>
+              <a:t>Origins of Cloud Computing</a:t>
+            </a:r>
+            <a:endParaRPr lang="en-US" dirty="0"/>
+          </a:p>
+        </p:txBody>
+      </p:sp>
+      <p:sp>
+        <p:nvSpPr>
+          <p:cNvPr id="3" name="Content Placeholder 2"/>
+          <p:cNvSpPr>
+            <a:spLocks noGrp="1"/>
+          </p:cNvSpPr>
+          <p:nvPr>
+            <p:ph idx="1"/>
+          </p:nvPr>
+        </p:nvSpPr>
+        <p:spPr/>
+        <p:txBody>
+          <a:bodyPr>
+            <a:normAutofit fontScale="92500" lnSpcReduction="10000"/>
+          </a:bodyPr>
+          <a:lstStyle/>
+          <a:p>
+            <a:r>
+              <a:rPr lang="en-US" dirty="0" smtClean="0"/>
+              <a:t>Virtual Machines on Mainframes</a:t>
+            </a:r>
+          </a:p>
+          <a:p>
+            <a:pPr lvl="1"/>
+            <a:r>
+              <a:rPr lang="en-US" dirty="0" smtClean="0"/>
+              <a:t>VM/370 – 1972</a:t>
+            </a:r>
+          </a:p>
+          <a:p>
+            <a:r>
+              <a:rPr lang="en-US" dirty="0"/>
+              <a:t>Grid Computing</a:t>
+            </a:r>
+          </a:p>
+          <a:p>
+            <a:pPr lvl="2"/>
+            <a:r>
+              <a:rPr lang="en-US" dirty="0"/>
+              <a:t>Grid computing is the collection of computer resources from multiple locations to reach a common goal. </a:t>
+            </a:r>
+          </a:p>
+          <a:p>
+            <a:r>
+              <a:rPr lang="en-US" dirty="0" smtClean="0"/>
+              <a:t>Software-as-a-Service</a:t>
+            </a:r>
+          </a:p>
+          <a:p>
+            <a:pPr lvl="1"/>
+            <a:r>
+              <a:rPr lang="en-US" dirty="0" err="1" smtClean="0"/>
+              <a:t>Salesforce.com</a:t>
+            </a:r>
+            <a:r>
+              <a:rPr lang="en-US" dirty="0" smtClean="0"/>
+              <a:t> 1999</a:t>
+            </a:r>
+          </a:p>
+          <a:p>
+            <a:r>
+              <a:rPr lang="en-US" dirty="0" smtClean="0"/>
+              <a:t>Amazon AWS</a:t>
+            </a:r>
+          </a:p>
+          <a:p>
+            <a:pPr lvl="1"/>
+            <a:r>
+              <a:rPr lang="en-US" dirty="0" smtClean="0"/>
+              <a:t>2002</a:t>
+            </a:r>
+          </a:p>
+          <a:p>
+            <a:pPr lvl="1"/>
+            <a:endParaRPr lang="en-US" dirty="0" smtClean="0"/>
+          </a:p>
+          <a:p>
+            <a:endParaRPr lang="en-US" dirty="0"/>
+          </a:p>
+        </p:txBody>
+      </p:sp>
     </p:spTree>
     <p:extLst>
       <p:ext uri="{BB962C8B-B14F-4D97-AF65-F5344CB8AC3E}">
-        <p14:creationId xmlns:p14="http://schemas.microsoft.com/office/powerpoint/2010/main" val="3726655592"/>
+        <p14:creationId xmlns:p14="http://schemas.microsoft.com/office/powerpoint/2010/main" val="1412008550"/>
       </p:ext>
     </p:extLst>
   </p:cSld>
@@ -8812,7 +9310,7 @@
       </p:grpSpPr>
       <p:sp>
         <p:nvSpPr>
-          <p:cNvPr id="4" name="Title 3"/>
+          <p:cNvPr id="2" name="Title 1"/>
           <p:cNvSpPr>
             <a:spLocks noGrp="1"/>
           </p:cNvSpPr>
@@ -8825,433 +9323,38 @@
           <a:bodyPr/>
           <a:lstStyle/>
           <a:p>
-            <a:r>
-              <a:rPr lang="en-US" dirty="0" smtClean="0"/>
-              <a:t>Evolution of Cloud</a:t>
-            </a:r>
-            <a:endParaRPr lang="en-US" dirty="0"/>
-          </a:p>
-        </p:txBody>
-      </p:sp>
-      <p:cxnSp>
-        <p:nvCxnSpPr>
-          <p:cNvPr id="7" name="Straight Arrow Connector 6"/>
-          <p:cNvCxnSpPr/>
+            <a:endParaRPr lang="en-US"/>
+          </a:p>
+        </p:txBody>
+      </p:sp>
+      <p:pic>
+        <p:nvPicPr>
+          <p:cNvPr id="5" name="Picture 4"/>
+          <p:cNvPicPr>
+            <a:picLocks noChangeAspect="1"/>
+          </p:cNvPicPr>
           <p:nvPr/>
-        </p:nvCxnSpPr>
-        <p:spPr>
-          <a:xfrm>
-            <a:off x="832102" y="5708309"/>
-            <a:ext cx="7430527" cy="0"/>
-          </a:xfrm>
-          <a:prstGeom prst="straightConnector1">
-            <a:avLst/>
-          </a:prstGeom>
-          <a:ln>
-            <a:tailEnd type="arrow"/>
-          </a:ln>
-        </p:spPr>
-        <p:style>
-          <a:lnRef idx="2">
-            <a:schemeClr val="accent1"/>
-          </a:lnRef>
-          <a:fillRef idx="0">
-            <a:schemeClr val="accent1"/>
-          </a:fillRef>
-          <a:effectRef idx="1">
-            <a:schemeClr val="accent1"/>
-          </a:effectRef>
-          <a:fontRef idx="minor">
-            <a:schemeClr val="tx1"/>
-          </a:fontRef>
-        </p:style>
-      </p:cxnSp>
-      <p:cxnSp>
-        <p:nvCxnSpPr>
-          <p:cNvPr id="9" name="Straight Arrow Connector 8"/>
-          <p:cNvCxnSpPr/>
-          <p:nvPr/>
-        </p:nvCxnSpPr>
-        <p:spPr>
-          <a:xfrm flipV="1">
-            <a:off x="832102" y="1635117"/>
-            <a:ext cx="0" cy="4073192"/>
-          </a:xfrm>
-          <a:prstGeom prst="straightConnector1">
-            <a:avLst/>
-          </a:prstGeom>
-          <a:ln>
-            <a:tailEnd type="arrow"/>
-          </a:ln>
-        </p:spPr>
-        <p:style>
-          <a:lnRef idx="2">
-            <a:schemeClr val="accent1"/>
-          </a:lnRef>
-          <a:fillRef idx="0">
-            <a:schemeClr val="accent1"/>
-          </a:fillRef>
-          <a:effectRef idx="1">
-            <a:schemeClr val="accent1"/>
-          </a:effectRef>
-          <a:fontRef idx="minor">
-            <a:schemeClr val="tx1"/>
-          </a:fontRef>
-        </p:style>
-      </p:cxnSp>
-      <p:cxnSp>
-        <p:nvCxnSpPr>
-          <p:cNvPr id="11" name="Straight Arrow Connector 10"/>
-          <p:cNvCxnSpPr/>
-          <p:nvPr/>
-        </p:nvCxnSpPr>
-        <p:spPr>
-          <a:xfrm flipV="1">
-            <a:off x="832102" y="1635117"/>
-            <a:ext cx="7430527" cy="4073192"/>
-          </a:xfrm>
-          <a:prstGeom prst="straightConnector1">
-            <a:avLst/>
-          </a:prstGeom>
-          <a:ln w="76200" cmpd="sng">
-            <a:solidFill>
-              <a:srgbClr val="FF6600"/>
-            </a:solidFill>
-            <a:tailEnd type="arrow"/>
-          </a:ln>
-        </p:spPr>
-        <p:style>
-          <a:lnRef idx="2">
-            <a:schemeClr val="accent1"/>
-          </a:lnRef>
-          <a:fillRef idx="0">
-            <a:schemeClr val="accent1"/>
-          </a:fillRef>
-          <a:effectRef idx="1">
-            <a:schemeClr val="accent1"/>
-          </a:effectRef>
-          <a:fontRef idx="minor">
-            <a:schemeClr val="tx1"/>
-          </a:fontRef>
-        </p:style>
-      </p:cxnSp>
-      <p:sp>
-        <p:nvSpPr>
-          <p:cNvPr id="12" name="TextBox 11"/>
-          <p:cNvSpPr txBox="1"/>
-          <p:nvPr/>
-        </p:nvSpPr>
-        <p:spPr>
-          <a:xfrm>
-            <a:off x="832102" y="5027268"/>
-            <a:ext cx="2508319" cy="461665"/>
+        </p:nvPicPr>
+        <p:blipFill>
+          <a:blip r:embed="rId2"/>
+          <a:stretch>
+            <a:fillRect/>
+          </a:stretch>
+        </p:blipFill>
+        <p:spPr>
+          <a:xfrm>
+            <a:off x="203200" y="0"/>
+            <a:ext cx="8733955" cy="6858000"/>
           </a:xfrm>
           <a:prstGeom prst="rect">
             <a:avLst/>
           </a:prstGeom>
-          <a:noFill/>
-        </p:spPr>
-        <p:txBody>
-          <a:bodyPr wrap="none" rtlCol="0">
-            <a:spAutoFit/>
-          </a:bodyPr>
-          <a:lstStyle/>
-          <a:p>
-            <a:r>
-              <a:rPr lang="en-US" sz="2400" dirty="0" smtClean="0">
-                <a:solidFill>
-                  <a:srgbClr val="000090"/>
-                </a:solidFill>
-                <a:effectLst>
-                  <a:outerShdw blurRad="111125" dist="88900" dir="2700000" algn="tl" rotWithShape="0">
-                    <a:schemeClr val="bg1"/>
-                  </a:outerShdw>
-                </a:effectLst>
-              </a:rPr>
-              <a:t>Cluster Computing</a:t>
-            </a:r>
-            <a:endParaRPr lang="en-US" sz="2400" dirty="0">
-              <a:solidFill>
-                <a:srgbClr val="000090"/>
-              </a:solidFill>
-              <a:effectLst>
-                <a:outerShdw blurRad="111125" dist="88900" dir="2700000" algn="tl" rotWithShape="0">
-                  <a:schemeClr val="bg1"/>
-                </a:outerShdw>
-              </a:effectLst>
-            </a:endParaRPr>
-          </a:p>
-        </p:txBody>
-      </p:sp>
-      <p:sp>
-        <p:nvSpPr>
-          <p:cNvPr id="13" name="TextBox 12"/>
-          <p:cNvSpPr txBox="1"/>
-          <p:nvPr/>
-        </p:nvSpPr>
-        <p:spPr>
-          <a:xfrm>
-            <a:off x="1795805" y="4362110"/>
-            <a:ext cx="2161770" cy="461665"/>
-          </a:xfrm>
-          <a:prstGeom prst="rect">
-            <a:avLst/>
-          </a:prstGeom>
-          <a:noFill/>
-        </p:spPr>
-        <p:txBody>
-          <a:bodyPr wrap="none" rtlCol="0">
-            <a:spAutoFit/>
-          </a:bodyPr>
-          <a:lstStyle/>
-          <a:p>
-            <a:r>
-              <a:rPr lang="en-US" sz="2400" dirty="0" smtClean="0">
-                <a:solidFill>
-                  <a:srgbClr val="000090"/>
-                </a:solidFill>
-                <a:effectLst>
-                  <a:outerShdw blurRad="111125" dist="88900" dir="2700000" algn="tl" rotWithShape="0">
-                    <a:schemeClr val="bg1"/>
-                  </a:outerShdw>
-                </a:effectLst>
-              </a:rPr>
-              <a:t>Grid Computing</a:t>
-            </a:r>
-            <a:endParaRPr lang="en-US" sz="2400" dirty="0">
-              <a:solidFill>
-                <a:srgbClr val="000090"/>
-              </a:solidFill>
-              <a:effectLst>
-                <a:outerShdw blurRad="111125" dist="88900" dir="2700000" algn="tl" rotWithShape="0">
-                  <a:schemeClr val="bg1"/>
-                </a:outerShdw>
-              </a:effectLst>
-            </a:endParaRPr>
-          </a:p>
-        </p:txBody>
-      </p:sp>
-      <p:sp>
-        <p:nvSpPr>
-          <p:cNvPr id="14" name="TextBox 13"/>
-          <p:cNvSpPr txBox="1"/>
-          <p:nvPr/>
-        </p:nvSpPr>
-        <p:spPr>
-          <a:xfrm>
-            <a:off x="3255850" y="3714892"/>
-            <a:ext cx="1855195" cy="461665"/>
-          </a:xfrm>
-          <a:prstGeom prst="rect">
-            <a:avLst/>
-          </a:prstGeom>
-          <a:noFill/>
-        </p:spPr>
-        <p:txBody>
-          <a:bodyPr wrap="none" rtlCol="0">
-            <a:spAutoFit/>
-          </a:bodyPr>
-          <a:lstStyle/>
-          <a:p>
-            <a:r>
-              <a:rPr lang="en-US" sz="2400" dirty="0" smtClean="0">
-                <a:solidFill>
-                  <a:srgbClr val="000090"/>
-                </a:solidFill>
-                <a:effectLst>
-                  <a:outerShdw blurRad="111125" dist="88900" dir="2700000" algn="tl" rotWithShape="0">
-                    <a:schemeClr val="bg1"/>
-                  </a:outerShdw>
-                </a:effectLst>
-              </a:rPr>
-              <a:t>Virtualization</a:t>
-            </a:r>
-            <a:endParaRPr lang="en-US" sz="2400" dirty="0">
-              <a:solidFill>
-                <a:srgbClr val="000090"/>
-              </a:solidFill>
-              <a:effectLst>
-                <a:outerShdw blurRad="111125" dist="88900" dir="2700000" algn="tl" rotWithShape="0">
-                  <a:schemeClr val="bg1"/>
-                </a:outerShdw>
-              </a:effectLst>
-            </a:endParaRPr>
-          </a:p>
-        </p:txBody>
-      </p:sp>
-      <p:sp>
-        <p:nvSpPr>
-          <p:cNvPr id="15" name="TextBox 14"/>
-          <p:cNvSpPr txBox="1"/>
-          <p:nvPr/>
-        </p:nvSpPr>
-        <p:spPr>
-          <a:xfrm>
-            <a:off x="4299259" y="3088407"/>
-            <a:ext cx="2824511" cy="461665"/>
-          </a:xfrm>
-          <a:prstGeom prst="rect">
-            <a:avLst/>
-          </a:prstGeom>
-          <a:noFill/>
-        </p:spPr>
-        <p:txBody>
-          <a:bodyPr wrap="none" rtlCol="0">
-            <a:spAutoFit/>
-          </a:bodyPr>
-          <a:lstStyle/>
-          <a:p>
-            <a:r>
-              <a:rPr lang="en-US" sz="2400" dirty="0" smtClean="0">
-                <a:solidFill>
-                  <a:srgbClr val="000090"/>
-                </a:solidFill>
-                <a:effectLst>
-                  <a:outerShdw blurRad="111125" dist="88900" dir="2700000" algn="tl" rotWithShape="0">
-                    <a:schemeClr val="bg1"/>
-                  </a:outerShdw>
-                </a:effectLst>
-              </a:rPr>
-              <a:t>Software as a Service</a:t>
-            </a:r>
-            <a:endParaRPr lang="en-US" sz="2400" dirty="0">
-              <a:solidFill>
-                <a:srgbClr val="000090"/>
-              </a:solidFill>
-              <a:effectLst>
-                <a:outerShdw blurRad="111125" dist="88900" dir="2700000" algn="tl" rotWithShape="0">
-                  <a:schemeClr val="bg1"/>
-                </a:outerShdw>
-              </a:effectLst>
-            </a:endParaRPr>
-          </a:p>
-        </p:txBody>
-      </p:sp>
-      <p:sp>
-        <p:nvSpPr>
-          <p:cNvPr id="16" name="TextBox 15"/>
-          <p:cNvSpPr txBox="1"/>
-          <p:nvPr/>
-        </p:nvSpPr>
-        <p:spPr>
-          <a:xfrm>
-            <a:off x="5342668" y="2461922"/>
-            <a:ext cx="3439163" cy="461665"/>
-          </a:xfrm>
-          <a:prstGeom prst="rect">
-            <a:avLst/>
-          </a:prstGeom>
-          <a:noFill/>
-        </p:spPr>
-        <p:txBody>
-          <a:bodyPr wrap="none" rtlCol="0">
-            <a:spAutoFit/>
-          </a:bodyPr>
-          <a:lstStyle/>
-          <a:p>
-            <a:r>
-              <a:rPr lang="en-US" sz="2400" dirty="0" smtClean="0">
-                <a:solidFill>
-                  <a:srgbClr val="000090"/>
-                </a:solidFill>
-                <a:effectLst>
-                  <a:outerShdw blurRad="111125" dist="88900" dir="2700000" algn="tl" rotWithShape="0">
-                    <a:schemeClr val="bg1"/>
-                  </a:outerShdw>
-                </a:effectLst>
-              </a:rPr>
-              <a:t>Infrastructure as a Service</a:t>
-            </a:r>
-            <a:endParaRPr lang="en-US" sz="2400" dirty="0">
-              <a:solidFill>
-                <a:srgbClr val="000090"/>
-              </a:solidFill>
-              <a:effectLst>
-                <a:outerShdw blurRad="111125" dist="88900" dir="2700000" algn="tl" rotWithShape="0">
-                  <a:schemeClr val="bg1"/>
-                </a:outerShdw>
-              </a:effectLst>
-            </a:endParaRPr>
-          </a:p>
-        </p:txBody>
-      </p:sp>
-      <p:sp>
-        <p:nvSpPr>
-          <p:cNvPr id="17" name="TextBox 16"/>
-          <p:cNvSpPr txBox="1"/>
-          <p:nvPr/>
-        </p:nvSpPr>
-        <p:spPr>
-          <a:xfrm>
-            <a:off x="6950427" y="1402180"/>
-            <a:ext cx="1736373" cy="830997"/>
-          </a:xfrm>
-          <a:prstGeom prst="rect">
-            <a:avLst/>
-          </a:prstGeom>
-          <a:noFill/>
-        </p:spPr>
-        <p:txBody>
-          <a:bodyPr wrap="none" rtlCol="0">
-            <a:spAutoFit/>
-          </a:bodyPr>
-          <a:lstStyle/>
-          <a:p>
-            <a:r>
-              <a:rPr lang="en-US" sz="2400" dirty="0" smtClean="0">
-                <a:solidFill>
-                  <a:srgbClr val="000090"/>
-                </a:solidFill>
-                <a:effectLst>
-                  <a:outerShdw blurRad="111125" dist="88900" dir="2700000" algn="tl" rotWithShape="0">
-                    <a:schemeClr val="bg1"/>
-                  </a:outerShdw>
-                </a:effectLst>
-              </a:rPr>
-              <a:t>Containers /</a:t>
-            </a:r>
-            <a:br>
-              <a:rPr lang="en-US" sz="2400" dirty="0" smtClean="0">
-                <a:solidFill>
-                  <a:srgbClr val="000090"/>
-                </a:solidFill>
-                <a:effectLst>
-                  <a:outerShdw blurRad="111125" dist="88900" dir="2700000" algn="tl" rotWithShape="0">
-                    <a:schemeClr val="bg1"/>
-                  </a:outerShdw>
-                </a:effectLst>
-              </a:rPr>
-            </a:br>
-            <a:r>
-              <a:rPr lang="en-US" sz="2400" dirty="0" smtClean="0">
-                <a:solidFill>
-                  <a:srgbClr val="000090"/>
-                </a:solidFill>
-                <a:effectLst>
-                  <a:outerShdw blurRad="111125" dist="88900" dir="2700000" algn="tl" rotWithShape="0">
-                    <a:schemeClr val="bg1"/>
-                  </a:outerShdw>
-                </a:effectLst>
-              </a:rPr>
-              <a:t> Platforms </a:t>
-            </a:r>
-            <a:endParaRPr lang="en-US" sz="2400" dirty="0">
-              <a:solidFill>
-                <a:srgbClr val="000090"/>
-              </a:solidFill>
-              <a:effectLst>
-                <a:outerShdw blurRad="111125" dist="88900" dir="2700000" algn="tl" rotWithShape="0">
-                  <a:schemeClr val="bg1"/>
-                </a:outerShdw>
-              </a:effectLst>
-            </a:endParaRPr>
-          </a:p>
-        </p:txBody>
-      </p:sp>
+        </p:spPr>
+      </p:pic>
     </p:spTree>
     <p:extLst>
       <p:ext uri="{BB962C8B-B14F-4D97-AF65-F5344CB8AC3E}">
-        <p14:creationId xmlns:p14="http://schemas.microsoft.com/office/powerpoint/2010/main" val="205761697"/>
+        <p14:creationId xmlns:p14="http://schemas.microsoft.com/office/powerpoint/2010/main" val="3726655592"/>
       </p:ext>
     </p:extLst>
   </p:cSld>

--- a/pres-source/01-cloud-overview.pptx
+++ b/pres-source/01-cloud-overview.pptx
@@ -218,7 +218,7 @@
             <a:fld id="{7307762F-A706-E543-A832-3C298AA3103F}" type="datetimeFigureOut">
               <a:rPr lang="en-US" smtClean="0"/>
               <a:pPr/>
-              <a:t>07/07/17</a:t>
+              <a:t>09/07/17</a:t>
             </a:fld>
             <a:endParaRPr lang="en-US" dirty="0"/>
           </a:p>
@@ -1603,7 +1603,7 @@
           <a:p>
             <a:fld id="{875CF0EB-321F-0749-B37A-89BBA859503C}" type="datetimeFigureOut">
               <a:rPr lang="en-US" smtClean="0"/>
-              <a:t>07/07/17</a:t>
+              <a:t>09/07/17</a:t>
             </a:fld>
             <a:endParaRPr lang="en-US"/>
           </a:p>
@@ -1807,7 +1807,7 @@
           <a:p>
             <a:fld id="{875CF0EB-321F-0749-B37A-89BBA859503C}" type="datetimeFigureOut">
               <a:rPr lang="en-US" smtClean="0"/>
-              <a:t>07/07/17</a:t>
+              <a:t>09/07/17</a:t>
             </a:fld>
             <a:endParaRPr lang="en-US"/>
           </a:p>
@@ -2141,7 +2141,7 @@
           <a:p>
             <a:fld id="{875CF0EB-321F-0749-B37A-89BBA859503C}" type="datetimeFigureOut">
               <a:rPr lang="en-US" smtClean="0"/>
-              <a:t>07/07/17</a:t>
+              <a:t>09/07/17</a:t>
             </a:fld>
             <a:endParaRPr lang="en-US"/>
           </a:p>
@@ -2411,7 +2411,7 @@
           <a:p>
             <a:fld id="{875CF0EB-321F-0749-B37A-89BBA859503C}" type="datetimeFigureOut">
               <a:rPr lang="en-US" smtClean="0"/>
-              <a:t>07/07/17</a:t>
+              <a:t>09/07/17</a:t>
             </a:fld>
             <a:endParaRPr lang="en-US"/>
           </a:p>
@@ -2723,7 +2723,7 @@
           <a:p>
             <a:fld id="{875CF0EB-321F-0749-B37A-89BBA859503C}" type="datetimeFigureOut">
               <a:rPr lang="en-US" smtClean="0"/>
-              <a:t>07/07/17</a:t>
+              <a:t>09/07/17</a:t>
             </a:fld>
             <a:endParaRPr lang="en-US"/>
           </a:p>
@@ -3169,7 +3169,7 @@
           <a:p>
             <a:fld id="{875CF0EB-321F-0749-B37A-89BBA859503C}" type="datetimeFigureOut">
               <a:rPr lang="en-US" smtClean="0"/>
-              <a:t>07/07/17</a:t>
+              <a:t>09/07/17</a:t>
             </a:fld>
             <a:endParaRPr lang="en-US"/>
           </a:p>
@@ -3311,7 +3311,7 @@
           <a:p>
             <a:fld id="{875CF0EB-321F-0749-B37A-89BBA859503C}" type="datetimeFigureOut">
               <a:rPr lang="en-US" smtClean="0"/>
-              <a:t>07/07/17</a:t>
+              <a:t>09/07/17</a:t>
             </a:fld>
             <a:endParaRPr lang="en-US"/>
           </a:p>
@@ -3430,7 +3430,7 @@
           <a:p>
             <a:fld id="{875CF0EB-321F-0749-B37A-89BBA859503C}" type="datetimeFigureOut">
               <a:rPr lang="en-US" smtClean="0"/>
-              <a:t>07/07/17</a:t>
+              <a:t>09/07/17</a:t>
             </a:fld>
             <a:endParaRPr lang="en-US"/>
           </a:p>
@@ -3731,7 +3731,7 @@
           <a:p>
             <a:fld id="{875CF0EB-321F-0749-B37A-89BBA859503C}" type="datetimeFigureOut">
               <a:rPr lang="en-US" smtClean="0"/>
-              <a:t>07/07/17</a:t>
+              <a:t>09/07/17</a:t>
             </a:fld>
             <a:endParaRPr lang="en-US"/>
           </a:p>
@@ -4008,7 +4008,7 @@
           <a:p>
             <a:fld id="{875CF0EB-321F-0749-B37A-89BBA859503C}" type="datetimeFigureOut">
               <a:rPr lang="en-US" smtClean="0"/>
-              <a:t>07/07/17</a:t>
+              <a:t>09/07/17</a:t>
             </a:fld>
             <a:endParaRPr lang="en-US"/>
           </a:p>
@@ -4815,37 +4815,44 @@
           <a:p>
             <a:pPr eaLnBrk="1" hangingPunct="1"/>
             <a:r>
+              <a:rPr lang="en-US" sz="4000" dirty="0" smtClean="0">
+                <a:ea typeface="ヒラギノ角ゴ ProN W3" charset="0"/>
+                <a:cs typeface="ヒラギノ角ゴ ProN W3" charset="0"/>
+              </a:rPr>
+              <a:t>Cloud Computing and Big Data</a:t>
+            </a:r>
+            <a:br>
+              <a:rPr lang="en-US" sz="4000" dirty="0" smtClean="0">
+                <a:ea typeface="ヒラギノ角ゴ ProN W3" charset="0"/>
+                <a:cs typeface="ヒラギノ角ゴ ProN W3" charset="0"/>
+              </a:rPr>
+            </a:br>
+            <a:r>
+              <a:rPr lang="en-US" sz="4000" dirty="0" smtClean="0">
+                <a:ea typeface="ヒラギノ角ゴ ProN W3" charset="0"/>
+                <a:cs typeface="ヒラギノ角ゴ ProN W3" charset="0"/>
+              </a:rPr>
+              <a:t/>
+            </a:r>
+            <a:br>
+              <a:rPr lang="en-US" sz="4000" dirty="0" smtClean="0">
+                <a:ea typeface="ヒラギノ角ゴ ProN W3" charset="0"/>
+                <a:cs typeface="ヒラギノ角ゴ ProN W3" charset="0"/>
+              </a:rPr>
+            </a:br>
+            <a:r>
+              <a:rPr lang="en-US" sz="4000" dirty="0" smtClean="0">
+                <a:ea typeface="ヒラギノ角ゴ ProN W3" charset="0"/>
+                <a:cs typeface="ヒラギノ角ゴ ProN W3" charset="0"/>
+              </a:rPr>
+              <a:t>Cloud overview and introduction</a:t>
+            </a:r>
+            <a:r>
               <a:rPr lang="en-US" dirty="0" smtClean="0">
                 <a:ea typeface="ヒラギノ角ゴ ProN W3" charset="0"/>
                 <a:cs typeface="ヒラギノ角ゴ ProN W3" charset="0"/>
               </a:rPr>
-              <a:t>Cloud Computing and Big Data</a:t>
-            </a:r>
-            <a:br>
-              <a:rPr lang="en-US" dirty="0" smtClean="0">
-                <a:ea typeface="ヒラギノ角ゴ ProN W3" charset="0"/>
-                <a:cs typeface="ヒラギノ角ゴ ProN W3" charset="0"/>
-              </a:rPr>
-            </a:br>
-            <a:r>
-              <a:rPr lang="en-US" dirty="0" smtClean="0">
-                <a:ea typeface="ヒラギノ角ゴ ProN W3" charset="0"/>
-                <a:cs typeface="ヒラギノ角ゴ ProN W3" charset="0"/>
-              </a:rPr>
               <a:t/>
-            </a:r>
-            <a:br>
-              <a:rPr lang="en-US" dirty="0" smtClean="0">
-                <a:ea typeface="ヒラギノ角ゴ ProN W3" charset="0"/>
-                <a:cs typeface="ヒラギノ角ゴ ProN W3" charset="0"/>
-              </a:rPr>
-            </a:br>
-            <a:r>
-              <a:rPr lang="en-US" dirty="0" smtClean="0">
-                <a:ea typeface="ヒラギノ角ゴ ProN W3" charset="0"/>
-                <a:cs typeface="ヒラギノ角ゴ ProN W3" charset="0"/>
-              </a:rPr>
-              <a:t>Cloud overview and introduction</a:t>
             </a:r>
             <a:br>
               <a:rPr lang="en-US" dirty="0" smtClean="0">
@@ -4935,7 +4942,7 @@
                 <a:ea typeface="ヒラギノ角ゴ ProN W3" charset="0"/>
                 <a:cs typeface="ヒラギノ角ゴ ProN W3" charset="0"/>
               </a:rPr>
-              <a:t>Sep 2016</a:t>
+              <a:t>July 2017</a:t>
             </a:r>
             <a:endParaRPr lang="en-US" dirty="0">
               <a:ea typeface="ヒラギノ角ゴ ProN W3" charset="0"/>

--- a/pres-source/01-cloud-overview.pptx
+++ b/pres-source/01-cloud-overview.pptx
@@ -218,7 +218,7 @@
             <a:fld id="{7307762F-A706-E543-A832-3C298AA3103F}" type="datetimeFigureOut">
               <a:rPr lang="en-US" smtClean="0"/>
               <a:pPr/>
-              <a:t>09/07/17</a:t>
+              <a:t>22/08/17</a:t>
             </a:fld>
             <a:endParaRPr lang="en-US" dirty="0"/>
           </a:p>
@@ -1603,7 +1603,7 @@
           <a:p>
             <a:fld id="{875CF0EB-321F-0749-B37A-89BBA859503C}" type="datetimeFigureOut">
               <a:rPr lang="en-US" smtClean="0"/>
-              <a:t>09/07/17</a:t>
+              <a:t>22/08/17</a:t>
             </a:fld>
             <a:endParaRPr lang="en-US"/>
           </a:p>
@@ -1807,7 +1807,7 @@
           <a:p>
             <a:fld id="{875CF0EB-321F-0749-B37A-89BBA859503C}" type="datetimeFigureOut">
               <a:rPr lang="en-US" smtClean="0"/>
-              <a:t>09/07/17</a:t>
+              <a:t>22/08/17</a:t>
             </a:fld>
             <a:endParaRPr lang="en-US"/>
           </a:p>
@@ -2141,7 +2141,7 @@
           <a:p>
             <a:fld id="{875CF0EB-321F-0749-B37A-89BBA859503C}" type="datetimeFigureOut">
               <a:rPr lang="en-US" smtClean="0"/>
-              <a:t>09/07/17</a:t>
+              <a:t>22/08/17</a:t>
             </a:fld>
             <a:endParaRPr lang="en-US"/>
           </a:p>
@@ -2411,7 +2411,7 @@
           <a:p>
             <a:fld id="{875CF0EB-321F-0749-B37A-89BBA859503C}" type="datetimeFigureOut">
               <a:rPr lang="en-US" smtClean="0"/>
-              <a:t>09/07/17</a:t>
+              <a:t>22/08/17</a:t>
             </a:fld>
             <a:endParaRPr lang="en-US"/>
           </a:p>
@@ -2723,7 +2723,7 @@
           <a:p>
             <a:fld id="{875CF0EB-321F-0749-B37A-89BBA859503C}" type="datetimeFigureOut">
               <a:rPr lang="en-US" smtClean="0"/>
-              <a:t>09/07/17</a:t>
+              <a:t>22/08/17</a:t>
             </a:fld>
             <a:endParaRPr lang="en-US"/>
           </a:p>
@@ -3169,7 +3169,7 @@
           <a:p>
             <a:fld id="{875CF0EB-321F-0749-B37A-89BBA859503C}" type="datetimeFigureOut">
               <a:rPr lang="en-US" smtClean="0"/>
-              <a:t>09/07/17</a:t>
+              <a:t>22/08/17</a:t>
             </a:fld>
             <a:endParaRPr lang="en-US"/>
           </a:p>
@@ -3311,7 +3311,7 @@
           <a:p>
             <a:fld id="{875CF0EB-321F-0749-B37A-89BBA859503C}" type="datetimeFigureOut">
               <a:rPr lang="en-US" smtClean="0"/>
-              <a:t>09/07/17</a:t>
+              <a:t>22/08/17</a:t>
             </a:fld>
             <a:endParaRPr lang="en-US"/>
           </a:p>
@@ -3430,7 +3430,7 @@
           <a:p>
             <a:fld id="{875CF0EB-321F-0749-B37A-89BBA859503C}" type="datetimeFigureOut">
               <a:rPr lang="en-US" smtClean="0"/>
-              <a:t>09/07/17</a:t>
+              <a:t>22/08/17</a:t>
             </a:fld>
             <a:endParaRPr lang="en-US"/>
           </a:p>
@@ -3731,7 +3731,7 @@
           <a:p>
             <a:fld id="{875CF0EB-321F-0749-B37A-89BBA859503C}" type="datetimeFigureOut">
               <a:rPr lang="en-US" smtClean="0"/>
-              <a:t>09/07/17</a:t>
+              <a:t>22/08/17</a:t>
             </a:fld>
             <a:endParaRPr lang="en-US"/>
           </a:p>
@@ -4008,7 +4008,7 @@
           <a:p>
             <a:fld id="{875CF0EB-321F-0749-B37A-89BBA859503C}" type="datetimeFigureOut">
               <a:rPr lang="en-US" smtClean="0"/>
-              <a:t>09/07/17</a:t>
+              <a:t>22/08/17</a:t>
             </a:fld>
             <a:endParaRPr lang="en-US"/>
           </a:p>
@@ -4938,11 +4938,11 @@
           <a:p>
             <a:pPr eaLnBrk="1" hangingPunct="1"/>
             <a:r>
-              <a:rPr lang="en-US" dirty="0" smtClean="0">
+              <a:rPr lang="en-US" smtClean="0">
                 <a:ea typeface="ヒラギノ角ゴ ProN W3" charset="0"/>
                 <a:cs typeface="ヒラギノ角ゴ ProN W3" charset="0"/>
               </a:rPr>
-              <a:t>July 2017</a:t>
+              <a:t>Sept 2017</a:t>
             </a:r>
             <a:endParaRPr lang="en-US" dirty="0">
               <a:ea typeface="ヒラギノ角ゴ ProN W3" charset="0"/>

--- a/pres-source/01-cloud-overview.pptx
+++ b/pres-source/01-cloud-overview.pptx
@@ -1,6 +1,6 @@
 
 <file path=ppt/presentation.xml><?xml version="1.0" encoding="utf-8"?>
-<p:presentation xmlns:a="http://schemas.openxmlformats.org/drawingml/2006/main" xmlns:r="http://schemas.openxmlformats.org/officeDocument/2006/relationships" xmlns:mc="http://schemas.openxmlformats.org/markup-compatibility/2006" xmlns:mv="urn:schemas-microsoft-com:mac:vml" xmlns:p="http://schemas.openxmlformats.org/presentationml/2006/main" xmlns:c="http://schemas.openxmlformats.org/drawingml/2006/chart" xmlns:dgm="http://schemas.openxmlformats.org/drawingml/2006/diagram" xmlns:o="urn:schemas-microsoft-com:office:office" xmlns:v="urn:schemas-microsoft-com:vml" xmlns:pvml="urn:schemas-microsoft-com:office:powerpoint" xmlns:com="http://schemas.openxmlformats.org/drawingml/2006/compatibility" xmlns:p14="http://schemas.microsoft.com/office/powerpoint/2010/main" xmlns:p15="http://schemas.microsoft.com/office/powerpoint/2012/main" autoCompressPictures="0" embedTrueTypeFonts="1" strictFirstAndLastChars="0" saveSubsetFonts="1">
+<p:presentation xmlns:a="http://schemas.openxmlformats.org/drawingml/2006/main" xmlns:r="http://schemas.openxmlformats.org/officeDocument/2006/relationships" xmlns:mc="http://schemas.openxmlformats.org/markup-compatibility/2006" xmlns:mv="urn:schemas-microsoft-com:mac:vml" xmlns:p="http://schemas.openxmlformats.org/presentationml/2006/main" xmlns:c="http://schemas.openxmlformats.org/drawingml/2006/chart" xmlns:dgm="http://schemas.openxmlformats.org/drawingml/2006/diagram" xmlns:o="urn:schemas-microsoft-com:office:office" xmlns:v="urn:schemas-microsoft-com:vml" xmlns:pvml="urn:schemas-microsoft-com:office:powerpoint" xmlns:com="http://schemas.openxmlformats.org/drawingml/2006/compatibility" xmlns:p14="http://schemas.microsoft.com/office/powerpoint/2010/main" xmlns:p15="http://schemas.microsoft.com/office/powerpoint/2012/main" xmlns:ahyp="http://schemas.microsoft.com/office/drawing/2018/hyperlinkcolor" autoCompressPictures="0" embedTrueTypeFonts="1" strictFirstAndLastChars="0" saveSubsetFonts="1">
   <p:sldMasterIdLst>
     <p:sldMasterId id="2147483660" r:id="rId4"/>
   </p:sldMasterIdLst>
@@ -307,7 +307,7 @@
 </file>
 
 <file path=ppt/notesMasters/notesMaster1.xml><?xml version="1.0" encoding="utf-8"?>
-<p:notesMaster xmlns:a="http://schemas.openxmlformats.org/drawingml/2006/main" xmlns:r="http://schemas.openxmlformats.org/officeDocument/2006/relationships" xmlns:mc="http://schemas.openxmlformats.org/markup-compatibility/2006" xmlns:mv="urn:schemas-microsoft-com:mac:vml" xmlns:p="http://schemas.openxmlformats.org/presentationml/2006/main" xmlns:c="http://schemas.openxmlformats.org/drawingml/2006/chart" xmlns:dgm="http://schemas.openxmlformats.org/drawingml/2006/diagram" xmlns:o="urn:schemas-microsoft-com:office:office" xmlns:v="urn:schemas-microsoft-com:vml" xmlns:pvml="urn:schemas-microsoft-com:office:powerpoint" xmlns:com="http://schemas.openxmlformats.org/drawingml/2006/compatibility" xmlns:p14="http://schemas.microsoft.com/office/powerpoint/2010/main" xmlns:p15="http://schemas.microsoft.com/office/powerpoint/2012/main">
+<p:notesMaster xmlns:a="http://schemas.openxmlformats.org/drawingml/2006/main" xmlns:r="http://schemas.openxmlformats.org/officeDocument/2006/relationships" xmlns:mc="http://schemas.openxmlformats.org/markup-compatibility/2006" xmlns:mv="urn:schemas-microsoft-com:mac:vml" xmlns:p="http://schemas.openxmlformats.org/presentationml/2006/main" xmlns:c="http://schemas.openxmlformats.org/drawingml/2006/chart" xmlns:dgm="http://schemas.openxmlformats.org/drawingml/2006/diagram" xmlns:o="urn:schemas-microsoft-com:office:office" xmlns:v="urn:schemas-microsoft-com:vml" xmlns:pvml="urn:schemas-microsoft-com:office:powerpoint" xmlns:com="http://schemas.openxmlformats.org/drawingml/2006/compatibility" xmlns:p14="http://schemas.microsoft.com/office/powerpoint/2010/main" xmlns:p15="http://schemas.microsoft.com/office/powerpoint/2012/main" xmlns:ahyp="http://schemas.microsoft.com/office/drawing/2018/hyperlinkcolor">
   <p:cSld>
     <p:bg>
       <p:bgPr>
@@ -1475,7 +1475,7 @@
 </file>
 
 <file path=ppt/notesSlides/notesSlide1.xml><?xml version="1.0" encoding="utf-8"?>
-<p:notes xmlns:a="http://schemas.openxmlformats.org/drawingml/2006/main" xmlns:r="http://schemas.openxmlformats.org/officeDocument/2006/relationships" xmlns:mc="http://schemas.openxmlformats.org/markup-compatibility/2006" xmlns:mv="urn:schemas-microsoft-com:mac:vml" xmlns:p="http://schemas.openxmlformats.org/presentationml/2006/main" xmlns:c="http://schemas.openxmlformats.org/drawingml/2006/chart" xmlns:dgm="http://schemas.openxmlformats.org/drawingml/2006/diagram" xmlns:o="urn:schemas-microsoft-com:office:office" xmlns:v="urn:schemas-microsoft-com:vml" xmlns:pvml="urn:schemas-microsoft-com:office:powerpoint" xmlns:com="http://schemas.openxmlformats.org/drawingml/2006/compatibility" xmlns:p14="http://schemas.microsoft.com/office/powerpoint/2010/main" xmlns:p15="http://schemas.microsoft.com/office/powerpoint/2012/main" showMasterPhAnim="0" showMasterSp="0">
+<p:notes xmlns:a="http://schemas.openxmlformats.org/drawingml/2006/main" xmlns:r="http://schemas.openxmlformats.org/officeDocument/2006/relationships" xmlns:mc="http://schemas.openxmlformats.org/markup-compatibility/2006" xmlns:mv="urn:schemas-microsoft-com:mac:vml" xmlns:p="http://schemas.openxmlformats.org/presentationml/2006/main" xmlns:c="http://schemas.openxmlformats.org/drawingml/2006/chart" xmlns:dgm="http://schemas.openxmlformats.org/drawingml/2006/diagram" xmlns:o="urn:schemas-microsoft-com:office:office" xmlns:v="urn:schemas-microsoft-com:vml" xmlns:pvml="urn:schemas-microsoft-com:office:powerpoint" xmlns:com="http://schemas.openxmlformats.org/drawingml/2006/compatibility" xmlns:p14="http://schemas.microsoft.com/office/powerpoint/2010/main" xmlns:p15="http://schemas.microsoft.com/office/powerpoint/2012/main" xmlns:ahyp="http://schemas.microsoft.com/office/drawing/2018/hyperlinkcolor" showMasterPhAnim="0" showMasterSp="0">
   <p:cSld>
     <p:spTree>
       <p:nvGrpSpPr>
@@ -1574,7 +1574,7 @@
 </file>
 
 <file path=ppt/notesSlides/notesSlide10.xml><?xml version="1.0" encoding="utf-8"?>
-<p:notes xmlns:a="http://schemas.openxmlformats.org/drawingml/2006/main" xmlns:r="http://schemas.openxmlformats.org/officeDocument/2006/relationships" xmlns:mc="http://schemas.openxmlformats.org/markup-compatibility/2006" xmlns:mv="urn:schemas-microsoft-com:mac:vml" xmlns:p="http://schemas.openxmlformats.org/presentationml/2006/main" xmlns:c="http://schemas.openxmlformats.org/drawingml/2006/chart" xmlns:dgm="http://schemas.openxmlformats.org/drawingml/2006/diagram" xmlns:o="urn:schemas-microsoft-com:office:office" xmlns:v="urn:schemas-microsoft-com:vml" xmlns:pvml="urn:schemas-microsoft-com:office:powerpoint" xmlns:com="http://schemas.openxmlformats.org/drawingml/2006/compatibility" xmlns:p14="http://schemas.microsoft.com/office/powerpoint/2010/main" xmlns:p15="http://schemas.microsoft.com/office/powerpoint/2012/main" showMasterPhAnim="0" showMasterSp="0">
+<p:notes xmlns:a="http://schemas.openxmlformats.org/drawingml/2006/main" xmlns:r="http://schemas.openxmlformats.org/officeDocument/2006/relationships" xmlns:mc="http://schemas.openxmlformats.org/markup-compatibility/2006" xmlns:mv="urn:schemas-microsoft-com:mac:vml" xmlns:p="http://schemas.openxmlformats.org/presentationml/2006/main" xmlns:c="http://schemas.openxmlformats.org/drawingml/2006/chart" xmlns:dgm="http://schemas.openxmlformats.org/drawingml/2006/diagram" xmlns:o="urn:schemas-microsoft-com:office:office" xmlns:v="urn:schemas-microsoft-com:vml" xmlns:pvml="urn:schemas-microsoft-com:office:powerpoint" xmlns:com="http://schemas.openxmlformats.org/drawingml/2006/compatibility" xmlns:p14="http://schemas.microsoft.com/office/powerpoint/2010/main" xmlns:p15="http://schemas.microsoft.com/office/powerpoint/2012/main" xmlns:ahyp="http://schemas.microsoft.com/office/drawing/2018/hyperlinkcolor" showMasterPhAnim="0" showMasterSp="0">
   <p:cSld>
     <p:spTree>
       <p:nvGrpSpPr>
@@ -1673,7 +1673,7 @@
 </file>
 
 <file path=ppt/notesSlides/notesSlide11.xml><?xml version="1.0" encoding="utf-8"?>
-<p:notes xmlns:a="http://schemas.openxmlformats.org/drawingml/2006/main" xmlns:r="http://schemas.openxmlformats.org/officeDocument/2006/relationships" xmlns:mc="http://schemas.openxmlformats.org/markup-compatibility/2006" xmlns:mv="urn:schemas-microsoft-com:mac:vml" xmlns:p="http://schemas.openxmlformats.org/presentationml/2006/main" xmlns:c="http://schemas.openxmlformats.org/drawingml/2006/chart" xmlns:dgm="http://schemas.openxmlformats.org/drawingml/2006/diagram" xmlns:o="urn:schemas-microsoft-com:office:office" xmlns:v="urn:schemas-microsoft-com:vml" xmlns:pvml="urn:schemas-microsoft-com:office:powerpoint" xmlns:com="http://schemas.openxmlformats.org/drawingml/2006/compatibility" xmlns:p14="http://schemas.microsoft.com/office/powerpoint/2010/main" xmlns:p15="http://schemas.microsoft.com/office/powerpoint/2012/main" showMasterPhAnim="0" showMasterSp="0">
+<p:notes xmlns:a="http://schemas.openxmlformats.org/drawingml/2006/main" xmlns:r="http://schemas.openxmlformats.org/officeDocument/2006/relationships" xmlns:mc="http://schemas.openxmlformats.org/markup-compatibility/2006" xmlns:mv="urn:schemas-microsoft-com:mac:vml" xmlns:p="http://schemas.openxmlformats.org/presentationml/2006/main" xmlns:c="http://schemas.openxmlformats.org/drawingml/2006/chart" xmlns:dgm="http://schemas.openxmlformats.org/drawingml/2006/diagram" xmlns:o="urn:schemas-microsoft-com:office:office" xmlns:v="urn:schemas-microsoft-com:vml" xmlns:pvml="urn:schemas-microsoft-com:office:powerpoint" xmlns:com="http://schemas.openxmlformats.org/drawingml/2006/compatibility" xmlns:p14="http://schemas.microsoft.com/office/powerpoint/2010/main" xmlns:p15="http://schemas.microsoft.com/office/powerpoint/2012/main" xmlns:ahyp="http://schemas.microsoft.com/office/drawing/2018/hyperlinkcolor" showMasterPhAnim="0" showMasterSp="0">
   <p:cSld>
     <p:spTree>
       <p:nvGrpSpPr>
@@ -1772,7 +1772,7 @@
 </file>
 
 <file path=ppt/notesSlides/notesSlide12.xml><?xml version="1.0" encoding="utf-8"?>
-<p:notes xmlns:a="http://schemas.openxmlformats.org/drawingml/2006/main" xmlns:r="http://schemas.openxmlformats.org/officeDocument/2006/relationships" xmlns:mc="http://schemas.openxmlformats.org/markup-compatibility/2006" xmlns:mv="urn:schemas-microsoft-com:mac:vml" xmlns:p="http://schemas.openxmlformats.org/presentationml/2006/main" xmlns:c="http://schemas.openxmlformats.org/drawingml/2006/chart" xmlns:dgm="http://schemas.openxmlformats.org/drawingml/2006/diagram" xmlns:o="urn:schemas-microsoft-com:office:office" xmlns:v="urn:schemas-microsoft-com:vml" xmlns:pvml="urn:schemas-microsoft-com:office:powerpoint" xmlns:com="http://schemas.openxmlformats.org/drawingml/2006/compatibility" xmlns:p14="http://schemas.microsoft.com/office/powerpoint/2010/main" xmlns:p15="http://schemas.microsoft.com/office/powerpoint/2012/main" showMasterPhAnim="0" showMasterSp="0">
+<p:notes xmlns:a="http://schemas.openxmlformats.org/drawingml/2006/main" xmlns:r="http://schemas.openxmlformats.org/officeDocument/2006/relationships" xmlns:mc="http://schemas.openxmlformats.org/markup-compatibility/2006" xmlns:mv="urn:schemas-microsoft-com:mac:vml" xmlns:p="http://schemas.openxmlformats.org/presentationml/2006/main" xmlns:c="http://schemas.openxmlformats.org/drawingml/2006/chart" xmlns:dgm="http://schemas.openxmlformats.org/drawingml/2006/diagram" xmlns:o="urn:schemas-microsoft-com:office:office" xmlns:v="urn:schemas-microsoft-com:vml" xmlns:pvml="urn:schemas-microsoft-com:office:powerpoint" xmlns:com="http://schemas.openxmlformats.org/drawingml/2006/compatibility" xmlns:p14="http://schemas.microsoft.com/office/powerpoint/2010/main" xmlns:p15="http://schemas.microsoft.com/office/powerpoint/2012/main" xmlns:ahyp="http://schemas.microsoft.com/office/drawing/2018/hyperlinkcolor" showMasterPhAnim="0" showMasterSp="0">
   <p:cSld>
     <p:spTree>
       <p:nvGrpSpPr>
@@ -1871,7 +1871,7 @@
 </file>
 
 <file path=ppt/notesSlides/notesSlide13.xml><?xml version="1.0" encoding="utf-8"?>
-<p:notes xmlns:a="http://schemas.openxmlformats.org/drawingml/2006/main" xmlns:r="http://schemas.openxmlformats.org/officeDocument/2006/relationships" xmlns:mc="http://schemas.openxmlformats.org/markup-compatibility/2006" xmlns:mv="urn:schemas-microsoft-com:mac:vml" xmlns:p="http://schemas.openxmlformats.org/presentationml/2006/main" xmlns:c="http://schemas.openxmlformats.org/drawingml/2006/chart" xmlns:dgm="http://schemas.openxmlformats.org/drawingml/2006/diagram" xmlns:o="urn:schemas-microsoft-com:office:office" xmlns:v="urn:schemas-microsoft-com:vml" xmlns:pvml="urn:schemas-microsoft-com:office:powerpoint" xmlns:com="http://schemas.openxmlformats.org/drawingml/2006/compatibility" xmlns:p14="http://schemas.microsoft.com/office/powerpoint/2010/main" xmlns:p15="http://schemas.microsoft.com/office/powerpoint/2012/main" showMasterPhAnim="0" showMasterSp="0">
+<p:notes xmlns:a="http://schemas.openxmlformats.org/drawingml/2006/main" xmlns:r="http://schemas.openxmlformats.org/officeDocument/2006/relationships" xmlns:mc="http://schemas.openxmlformats.org/markup-compatibility/2006" xmlns:mv="urn:schemas-microsoft-com:mac:vml" xmlns:p="http://schemas.openxmlformats.org/presentationml/2006/main" xmlns:c="http://schemas.openxmlformats.org/drawingml/2006/chart" xmlns:dgm="http://schemas.openxmlformats.org/drawingml/2006/diagram" xmlns:o="urn:schemas-microsoft-com:office:office" xmlns:v="urn:schemas-microsoft-com:vml" xmlns:pvml="urn:schemas-microsoft-com:office:powerpoint" xmlns:com="http://schemas.openxmlformats.org/drawingml/2006/compatibility" xmlns:p14="http://schemas.microsoft.com/office/powerpoint/2010/main" xmlns:p15="http://schemas.microsoft.com/office/powerpoint/2012/main" xmlns:ahyp="http://schemas.microsoft.com/office/drawing/2018/hyperlinkcolor" showMasterPhAnim="0" showMasterSp="0">
   <p:cSld>
     <p:spTree>
       <p:nvGrpSpPr>
@@ -1970,7 +1970,7 @@
 </file>
 
 <file path=ppt/notesSlides/notesSlide14.xml><?xml version="1.0" encoding="utf-8"?>
-<p:notes xmlns:a="http://schemas.openxmlformats.org/drawingml/2006/main" xmlns:r="http://schemas.openxmlformats.org/officeDocument/2006/relationships" xmlns:mc="http://schemas.openxmlformats.org/markup-compatibility/2006" xmlns:mv="urn:schemas-microsoft-com:mac:vml" xmlns:p="http://schemas.openxmlformats.org/presentationml/2006/main" xmlns:c="http://schemas.openxmlformats.org/drawingml/2006/chart" xmlns:dgm="http://schemas.openxmlformats.org/drawingml/2006/diagram" xmlns:o="urn:schemas-microsoft-com:office:office" xmlns:v="urn:schemas-microsoft-com:vml" xmlns:pvml="urn:schemas-microsoft-com:office:powerpoint" xmlns:com="http://schemas.openxmlformats.org/drawingml/2006/compatibility" xmlns:p14="http://schemas.microsoft.com/office/powerpoint/2010/main" xmlns:p15="http://schemas.microsoft.com/office/powerpoint/2012/main" showMasterPhAnim="0" showMasterSp="0">
+<p:notes xmlns:a="http://schemas.openxmlformats.org/drawingml/2006/main" xmlns:r="http://schemas.openxmlformats.org/officeDocument/2006/relationships" xmlns:mc="http://schemas.openxmlformats.org/markup-compatibility/2006" xmlns:mv="urn:schemas-microsoft-com:mac:vml" xmlns:p="http://schemas.openxmlformats.org/presentationml/2006/main" xmlns:c="http://schemas.openxmlformats.org/drawingml/2006/chart" xmlns:dgm="http://schemas.openxmlformats.org/drawingml/2006/diagram" xmlns:o="urn:schemas-microsoft-com:office:office" xmlns:v="urn:schemas-microsoft-com:vml" xmlns:pvml="urn:schemas-microsoft-com:office:powerpoint" xmlns:com="http://schemas.openxmlformats.org/drawingml/2006/compatibility" xmlns:p14="http://schemas.microsoft.com/office/powerpoint/2010/main" xmlns:p15="http://schemas.microsoft.com/office/powerpoint/2012/main" xmlns:ahyp="http://schemas.microsoft.com/office/drawing/2018/hyperlinkcolor" showMasterPhAnim="0" showMasterSp="0">
   <p:cSld>
     <p:spTree>
       <p:nvGrpSpPr>
@@ -2069,7 +2069,7 @@
 </file>
 
 <file path=ppt/notesSlides/notesSlide15.xml><?xml version="1.0" encoding="utf-8"?>
-<p:notes xmlns:a="http://schemas.openxmlformats.org/drawingml/2006/main" xmlns:r="http://schemas.openxmlformats.org/officeDocument/2006/relationships" xmlns:mc="http://schemas.openxmlformats.org/markup-compatibility/2006" xmlns:mv="urn:schemas-microsoft-com:mac:vml" xmlns:p="http://schemas.openxmlformats.org/presentationml/2006/main" xmlns:c="http://schemas.openxmlformats.org/drawingml/2006/chart" xmlns:dgm="http://schemas.openxmlformats.org/drawingml/2006/diagram" xmlns:o="urn:schemas-microsoft-com:office:office" xmlns:v="urn:schemas-microsoft-com:vml" xmlns:pvml="urn:schemas-microsoft-com:office:powerpoint" xmlns:com="http://schemas.openxmlformats.org/drawingml/2006/compatibility" xmlns:p14="http://schemas.microsoft.com/office/powerpoint/2010/main" xmlns:p15="http://schemas.microsoft.com/office/powerpoint/2012/main" showMasterPhAnim="0" showMasterSp="0">
+<p:notes xmlns:a="http://schemas.openxmlformats.org/drawingml/2006/main" xmlns:r="http://schemas.openxmlformats.org/officeDocument/2006/relationships" xmlns:mc="http://schemas.openxmlformats.org/markup-compatibility/2006" xmlns:mv="urn:schemas-microsoft-com:mac:vml" xmlns:p="http://schemas.openxmlformats.org/presentationml/2006/main" xmlns:c="http://schemas.openxmlformats.org/drawingml/2006/chart" xmlns:dgm="http://schemas.openxmlformats.org/drawingml/2006/diagram" xmlns:o="urn:schemas-microsoft-com:office:office" xmlns:v="urn:schemas-microsoft-com:vml" xmlns:pvml="urn:schemas-microsoft-com:office:powerpoint" xmlns:com="http://schemas.openxmlformats.org/drawingml/2006/compatibility" xmlns:p14="http://schemas.microsoft.com/office/powerpoint/2010/main" xmlns:p15="http://schemas.microsoft.com/office/powerpoint/2012/main" xmlns:ahyp="http://schemas.microsoft.com/office/drawing/2018/hyperlinkcolor" showMasterPhAnim="0" showMasterSp="0">
   <p:cSld>
     <p:spTree>
       <p:nvGrpSpPr>
@@ -2168,7 +2168,7 @@
 </file>
 
 <file path=ppt/notesSlides/notesSlide16.xml><?xml version="1.0" encoding="utf-8"?>
-<p:notes xmlns:a="http://schemas.openxmlformats.org/drawingml/2006/main" xmlns:r="http://schemas.openxmlformats.org/officeDocument/2006/relationships" xmlns:mc="http://schemas.openxmlformats.org/markup-compatibility/2006" xmlns:mv="urn:schemas-microsoft-com:mac:vml" xmlns:p="http://schemas.openxmlformats.org/presentationml/2006/main" xmlns:c="http://schemas.openxmlformats.org/drawingml/2006/chart" xmlns:dgm="http://schemas.openxmlformats.org/drawingml/2006/diagram" xmlns:o="urn:schemas-microsoft-com:office:office" xmlns:v="urn:schemas-microsoft-com:vml" xmlns:pvml="urn:schemas-microsoft-com:office:powerpoint" xmlns:com="http://schemas.openxmlformats.org/drawingml/2006/compatibility" xmlns:p14="http://schemas.microsoft.com/office/powerpoint/2010/main" xmlns:p15="http://schemas.microsoft.com/office/powerpoint/2012/main" showMasterPhAnim="0" showMasterSp="0">
+<p:notes xmlns:a="http://schemas.openxmlformats.org/drawingml/2006/main" xmlns:r="http://schemas.openxmlformats.org/officeDocument/2006/relationships" xmlns:mc="http://schemas.openxmlformats.org/markup-compatibility/2006" xmlns:mv="urn:schemas-microsoft-com:mac:vml" xmlns:p="http://schemas.openxmlformats.org/presentationml/2006/main" xmlns:c="http://schemas.openxmlformats.org/drawingml/2006/chart" xmlns:dgm="http://schemas.openxmlformats.org/drawingml/2006/diagram" xmlns:o="urn:schemas-microsoft-com:office:office" xmlns:v="urn:schemas-microsoft-com:vml" xmlns:pvml="urn:schemas-microsoft-com:office:powerpoint" xmlns:com="http://schemas.openxmlformats.org/drawingml/2006/compatibility" xmlns:p14="http://schemas.microsoft.com/office/powerpoint/2010/main" xmlns:p15="http://schemas.microsoft.com/office/powerpoint/2012/main" xmlns:ahyp="http://schemas.microsoft.com/office/drawing/2018/hyperlinkcolor" showMasterPhAnim="0" showMasterSp="0">
   <p:cSld>
     <p:spTree>
       <p:nvGrpSpPr>
@@ -2267,7 +2267,7 @@
 </file>
 
 <file path=ppt/notesSlides/notesSlide17.xml><?xml version="1.0" encoding="utf-8"?>
-<p:notes xmlns:a="http://schemas.openxmlformats.org/drawingml/2006/main" xmlns:r="http://schemas.openxmlformats.org/officeDocument/2006/relationships" xmlns:mc="http://schemas.openxmlformats.org/markup-compatibility/2006" xmlns:mv="urn:schemas-microsoft-com:mac:vml" xmlns:p="http://schemas.openxmlformats.org/presentationml/2006/main" xmlns:c="http://schemas.openxmlformats.org/drawingml/2006/chart" xmlns:dgm="http://schemas.openxmlformats.org/drawingml/2006/diagram" xmlns:o="urn:schemas-microsoft-com:office:office" xmlns:v="urn:schemas-microsoft-com:vml" xmlns:pvml="urn:schemas-microsoft-com:office:powerpoint" xmlns:com="http://schemas.openxmlformats.org/drawingml/2006/compatibility" xmlns:p14="http://schemas.microsoft.com/office/powerpoint/2010/main" xmlns:p15="http://schemas.microsoft.com/office/powerpoint/2012/main" showMasterPhAnim="0" showMasterSp="0">
+<p:notes xmlns:a="http://schemas.openxmlformats.org/drawingml/2006/main" xmlns:r="http://schemas.openxmlformats.org/officeDocument/2006/relationships" xmlns:mc="http://schemas.openxmlformats.org/markup-compatibility/2006" xmlns:mv="urn:schemas-microsoft-com:mac:vml" xmlns:p="http://schemas.openxmlformats.org/presentationml/2006/main" xmlns:c="http://schemas.openxmlformats.org/drawingml/2006/chart" xmlns:dgm="http://schemas.openxmlformats.org/drawingml/2006/diagram" xmlns:o="urn:schemas-microsoft-com:office:office" xmlns:v="urn:schemas-microsoft-com:vml" xmlns:pvml="urn:schemas-microsoft-com:office:powerpoint" xmlns:com="http://schemas.openxmlformats.org/drawingml/2006/compatibility" xmlns:p14="http://schemas.microsoft.com/office/powerpoint/2010/main" xmlns:p15="http://schemas.microsoft.com/office/powerpoint/2012/main" xmlns:ahyp="http://schemas.microsoft.com/office/drawing/2018/hyperlinkcolor" showMasterPhAnim="0" showMasterSp="0">
   <p:cSld>
     <p:spTree>
       <p:nvGrpSpPr>
@@ -2366,7 +2366,7 @@
 </file>
 
 <file path=ppt/notesSlides/notesSlide18.xml><?xml version="1.0" encoding="utf-8"?>
-<p:notes xmlns:a="http://schemas.openxmlformats.org/drawingml/2006/main" xmlns:r="http://schemas.openxmlformats.org/officeDocument/2006/relationships" xmlns:mc="http://schemas.openxmlformats.org/markup-compatibility/2006" xmlns:mv="urn:schemas-microsoft-com:mac:vml" xmlns:p="http://schemas.openxmlformats.org/presentationml/2006/main" xmlns:c="http://schemas.openxmlformats.org/drawingml/2006/chart" xmlns:dgm="http://schemas.openxmlformats.org/drawingml/2006/diagram" xmlns:o="urn:schemas-microsoft-com:office:office" xmlns:v="urn:schemas-microsoft-com:vml" xmlns:pvml="urn:schemas-microsoft-com:office:powerpoint" xmlns:com="http://schemas.openxmlformats.org/drawingml/2006/compatibility" xmlns:p14="http://schemas.microsoft.com/office/powerpoint/2010/main" xmlns:p15="http://schemas.microsoft.com/office/powerpoint/2012/main" showMasterPhAnim="0" showMasterSp="0">
+<p:notes xmlns:a="http://schemas.openxmlformats.org/drawingml/2006/main" xmlns:r="http://schemas.openxmlformats.org/officeDocument/2006/relationships" xmlns:mc="http://schemas.openxmlformats.org/markup-compatibility/2006" xmlns:mv="urn:schemas-microsoft-com:mac:vml" xmlns:p="http://schemas.openxmlformats.org/presentationml/2006/main" xmlns:c="http://schemas.openxmlformats.org/drawingml/2006/chart" xmlns:dgm="http://schemas.openxmlformats.org/drawingml/2006/diagram" xmlns:o="urn:schemas-microsoft-com:office:office" xmlns:v="urn:schemas-microsoft-com:vml" xmlns:pvml="urn:schemas-microsoft-com:office:powerpoint" xmlns:com="http://schemas.openxmlformats.org/drawingml/2006/compatibility" xmlns:p14="http://schemas.microsoft.com/office/powerpoint/2010/main" xmlns:p15="http://schemas.microsoft.com/office/powerpoint/2012/main" xmlns:ahyp="http://schemas.microsoft.com/office/drawing/2018/hyperlinkcolor" showMasterPhAnim="0" showMasterSp="0">
   <p:cSld>
     <p:spTree>
       <p:nvGrpSpPr>
@@ -2722,7 +2722,7 @@
 </file>
 
 <file path=ppt/notesSlides/notesSlide19.xml><?xml version="1.0" encoding="utf-8"?>
-<p:notes xmlns:a="http://schemas.openxmlformats.org/drawingml/2006/main" xmlns:r="http://schemas.openxmlformats.org/officeDocument/2006/relationships" xmlns:mc="http://schemas.openxmlformats.org/markup-compatibility/2006" xmlns:mv="urn:schemas-microsoft-com:mac:vml" xmlns:p="http://schemas.openxmlformats.org/presentationml/2006/main" xmlns:c="http://schemas.openxmlformats.org/drawingml/2006/chart" xmlns:dgm="http://schemas.openxmlformats.org/drawingml/2006/diagram" xmlns:o="urn:schemas-microsoft-com:office:office" xmlns:v="urn:schemas-microsoft-com:vml" xmlns:pvml="urn:schemas-microsoft-com:office:powerpoint" xmlns:com="http://schemas.openxmlformats.org/drawingml/2006/compatibility" xmlns:p14="http://schemas.microsoft.com/office/powerpoint/2010/main" xmlns:p15="http://schemas.microsoft.com/office/powerpoint/2012/main" showMasterPhAnim="0" showMasterSp="0">
+<p:notes xmlns:a="http://schemas.openxmlformats.org/drawingml/2006/main" xmlns:r="http://schemas.openxmlformats.org/officeDocument/2006/relationships" xmlns:mc="http://schemas.openxmlformats.org/markup-compatibility/2006" xmlns:mv="urn:schemas-microsoft-com:mac:vml" xmlns:p="http://schemas.openxmlformats.org/presentationml/2006/main" xmlns:c="http://schemas.openxmlformats.org/drawingml/2006/chart" xmlns:dgm="http://schemas.openxmlformats.org/drawingml/2006/diagram" xmlns:o="urn:schemas-microsoft-com:office:office" xmlns:v="urn:schemas-microsoft-com:vml" xmlns:pvml="urn:schemas-microsoft-com:office:powerpoint" xmlns:com="http://schemas.openxmlformats.org/drawingml/2006/compatibility" xmlns:p14="http://schemas.microsoft.com/office/powerpoint/2010/main" xmlns:p15="http://schemas.microsoft.com/office/powerpoint/2012/main" xmlns:ahyp="http://schemas.microsoft.com/office/drawing/2018/hyperlinkcolor" showMasterPhAnim="0" showMasterSp="0">
   <p:cSld>
     <p:spTree>
       <p:nvGrpSpPr>
@@ -3092,7 +3092,7 @@
 </file>
 
 <file path=ppt/notesSlides/notesSlide2.xml><?xml version="1.0" encoding="utf-8"?>
-<p:notes xmlns:a="http://schemas.openxmlformats.org/drawingml/2006/main" xmlns:r="http://schemas.openxmlformats.org/officeDocument/2006/relationships" xmlns:mc="http://schemas.openxmlformats.org/markup-compatibility/2006" xmlns:mv="urn:schemas-microsoft-com:mac:vml" xmlns:p="http://schemas.openxmlformats.org/presentationml/2006/main" xmlns:c="http://schemas.openxmlformats.org/drawingml/2006/chart" xmlns:dgm="http://schemas.openxmlformats.org/drawingml/2006/diagram" xmlns:o="urn:schemas-microsoft-com:office:office" xmlns:v="urn:schemas-microsoft-com:vml" xmlns:pvml="urn:schemas-microsoft-com:office:powerpoint" xmlns:com="http://schemas.openxmlformats.org/drawingml/2006/compatibility" xmlns:p14="http://schemas.microsoft.com/office/powerpoint/2010/main" xmlns:p15="http://schemas.microsoft.com/office/powerpoint/2012/main" showMasterPhAnim="0" showMasterSp="0">
+<p:notes xmlns:a="http://schemas.openxmlformats.org/drawingml/2006/main" xmlns:r="http://schemas.openxmlformats.org/officeDocument/2006/relationships" xmlns:mc="http://schemas.openxmlformats.org/markup-compatibility/2006" xmlns:mv="urn:schemas-microsoft-com:mac:vml" xmlns:p="http://schemas.openxmlformats.org/presentationml/2006/main" xmlns:c="http://schemas.openxmlformats.org/drawingml/2006/chart" xmlns:dgm="http://schemas.openxmlformats.org/drawingml/2006/diagram" xmlns:o="urn:schemas-microsoft-com:office:office" xmlns:v="urn:schemas-microsoft-com:vml" xmlns:pvml="urn:schemas-microsoft-com:office:powerpoint" xmlns:com="http://schemas.openxmlformats.org/drawingml/2006/compatibility" xmlns:p14="http://schemas.microsoft.com/office/powerpoint/2010/main" xmlns:p15="http://schemas.microsoft.com/office/powerpoint/2012/main" xmlns:ahyp="http://schemas.microsoft.com/office/drawing/2018/hyperlinkcolor" showMasterPhAnim="0" showMasterSp="0">
   <p:cSld>
     <p:spTree>
       <p:nvGrpSpPr>
@@ -3191,7 +3191,7 @@
 </file>
 
 <file path=ppt/notesSlides/notesSlide20.xml><?xml version="1.0" encoding="utf-8"?>
-<p:notes xmlns:a="http://schemas.openxmlformats.org/drawingml/2006/main" xmlns:r="http://schemas.openxmlformats.org/officeDocument/2006/relationships" xmlns:mc="http://schemas.openxmlformats.org/markup-compatibility/2006" xmlns:mv="urn:schemas-microsoft-com:mac:vml" xmlns:p="http://schemas.openxmlformats.org/presentationml/2006/main" xmlns:c="http://schemas.openxmlformats.org/drawingml/2006/chart" xmlns:dgm="http://schemas.openxmlformats.org/drawingml/2006/diagram" xmlns:o="urn:schemas-microsoft-com:office:office" xmlns:v="urn:schemas-microsoft-com:vml" xmlns:pvml="urn:schemas-microsoft-com:office:powerpoint" xmlns:com="http://schemas.openxmlformats.org/drawingml/2006/compatibility" xmlns:p14="http://schemas.microsoft.com/office/powerpoint/2010/main" xmlns:p15="http://schemas.microsoft.com/office/powerpoint/2012/main" showMasterPhAnim="0" showMasterSp="0">
+<p:notes xmlns:a="http://schemas.openxmlformats.org/drawingml/2006/main" xmlns:r="http://schemas.openxmlformats.org/officeDocument/2006/relationships" xmlns:mc="http://schemas.openxmlformats.org/markup-compatibility/2006" xmlns:mv="urn:schemas-microsoft-com:mac:vml" xmlns:p="http://schemas.openxmlformats.org/presentationml/2006/main" xmlns:c="http://schemas.openxmlformats.org/drawingml/2006/chart" xmlns:dgm="http://schemas.openxmlformats.org/drawingml/2006/diagram" xmlns:o="urn:schemas-microsoft-com:office:office" xmlns:v="urn:schemas-microsoft-com:vml" xmlns:pvml="urn:schemas-microsoft-com:office:powerpoint" xmlns:com="http://schemas.openxmlformats.org/drawingml/2006/compatibility" xmlns:p14="http://schemas.microsoft.com/office/powerpoint/2010/main" xmlns:p15="http://schemas.microsoft.com/office/powerpoint/2012/main" xmlns:ahyp="http://schemas.microsoft.com/office/drawing/2018/hyperlinkcolor" showMasterPhAnim="0" showMasterSp="0">
   <p:cSld>
     <p:spTree>
       <p:nvGrpSpPr>
@@ -3515,7 +3515,7 @@
 </file>
 
 <file path=ppt/notesSlides/notesSlide21.xml><?xml version="1.0" encoding="utf-8"?>
-<p:notes xmlns:a="http://schemas.openxmlformats.org/drawingml/2006/main" xmlns:r="http://schemas.openxmlformats.org/officeDocument/2006/relationships" xmlns:mc="http://schemas.openxmlformats.org/markup-compatibility/2006" xmlns:mv="urn:schemas-microsoft-com:mac:vml" xmlns:p="http://schemas.openxmlformats.org/presentationml/2006/main" xmlns:c="http://schemas.openxmlformats.org/drawingml/2006/chart" xmlns:dgm="http://schemas.openxmlformats.org/drawingml/2006/diagram" xmlns:o="urn:schemas-microsoft-com:office:office" xmlns:v="urn:schemas-microsoft-com:vml" xmlns:pvml="urn:schemas-microsoft-com:office:powerpoint" xmlns:com="http://schemas.openxmlformats.org/drawingml/2006/compatibility" xmlns:p14="http://schemas.microsoft.com/office/powerpoint/2010/main" xmlns:p15="http://schemas.microsoft.com/office/powerpoint/2012/main" showMasterPhAnim="0" showMasterSp="0">
+<p:notes xmlns:a="http://schemas.openxmlformats.org/drawingml/2006/main" xmlns:r="http://schemas.openxmlformats.org/officeDocument/2006/relationships" xmlns:mc="http://schemas.openxmlformats.org/markup-compatibility/2006" xmlns:mv="urn:schemas-microsoft-com:mac:vml" xmlns:p="http://schemas.openxmlformats.org/presentationml/2006/main" xmlns:c="http://schemas.openxmlformats.org/drawingml/2006/chart" xmlns:dgm="http://schemas.openxmlformats.org/drawingml/2006/diagram" xmlns:o="urn:schemas-microsoft-com:office:office" xmlns:v="urn:schemas-microsoft-com:vml" xmlns:pvml="urn:schemas-microsoft-com:office:powerpoint" xmlns:com="http://schemas.openxmlformats.org/drawingml/2006/compatibility" xmlns:p14="http://schemas.microsoft.com/office/powerpoint/2010/main" xmlns:p15="http://schemas.microsoft.com/office/powerpoint/2012/main" xmlns:ahyp="http://schemas.microsoft.com/office/drawing/2018/hyperlinkcolor" showMasterPhAnim="0" showMasterSp="0">
   <p:cSld>
     <p:spTree>
       <p:nvGrpSpPr>
@@ -3614,7 +3614,7 @@
 </file>
 
 <file path=ppt/notesSlides/notesSlide22.xml><?xml version="1.0" encoding="utf-8"?>
-<p:notes xmlns:a="http://schemas.openxmlformats.org/drawingml/2006/main" xmlns:r="http://schemas.openxmlformats.org/officeDocument/2006/relationships" xmlns:mc="http://schemas.openxmlformats.org/markup-compatibility/2006" xmlns:mv="urn:schemas-microsoft-com:mac:vml" xmlns:p="http://schemas.openxmlformats.org/presentationml/2006/main" xmlns:c="http://schemas.openxmlformats.org/drawingml/2006/chart" xmlns:dgm="http://schemas.openxmlformats.org/drawingml/2006/diagram" xmlns:o="urn:schemas-microsoft-com:office:office" xmlns:v="urn:schemas-microsoft-com:vml" xmlns:pvml="urn:schemas-microsoft-com:office:powerpoint" xmlns:com="http://schemas.openxmlformats.org/drawingml/2006/compatibility" xmlns:p14="http://schemas.microsoft.com/office/powerpoint/2010/main" xmlns:p15="http://schemas.microsoft.com/office/powerpoint/2012/main" showMasterPhAnim="0" showMasterSp="0">
+<p:notes xmlns:a="http://schemas.openxmlformats.org/drawingml/2006/main" xmlns:r="http://schemas.openxmlformats.org/officeDocument/2006/relationships" xmlns:mc="http://schemas.openxmlformats.org/markup-compatibility/2006" xmlns:mv="urn:schemas-microsoft-com:mac:vml" xmlns:p="http://schemas.openxmlformats.org/presentationml/2006/main" xmlns:c="http://schemas.openxmlformats.org/drawingml/2006/chart" xmlns:dgm="http://schemas.openxmlformats.org/drawingml/2006/diagram" xmlns:o="urn:schemas-microsoft-com:office:office" xmlns:v="urn:schemas-microsoft-com:vml" xmlns:pvml="urn:schemas-microsoft-com:office:powerpoint" xmlns:com="http://schemas.openxmlformats.org/drawingml/2006/compatibility" xmlns:p14="http://schemas.microsoft.com/office/powerpoint/2010/main" xmlns:p15="http://schemas.microsoft.com/office/powerpoint/2012/main" xmlns:ahyp="http://schemas.microsoft.com/office/drawing/2018/hyperlinkcolor" showMasterPhAnim="0" showMasterSp="0">
   <p:cSld>
     <p:spTree>
       <p:nvGrpSpPr>
@@ -3713,7 +3713,7 @@
 </file>
 
 <file path=ppt/notesSlides/notesSlide23.xml><?xml version="1.0" encoding="utf-8"?>
-<p:notes xmlns:a="http://schemas.openxmlformats.org/drawingml/2006/main" xmlns:r="http://schemas.openxmlformats.org/officeDocument/2006/relationships" xmlns:mc="http://schemas.openxmlformats.org/markup-compatibility/2006" xmlns:mv="urn:schemas-microsoft-com:mac:vml" xmlns:p="http://schemas.openxmlformats.org/presentationml/2006/main" xmlns:c="http://schemas.openxmlformats.org/drawingml/2006/chart" xmlns:dgm="http://schemas.openxmlformats.org/drawingml/2006/diagram" xmlns:o="urn:schemas-microsoft-com:office:office" xmlns:v="urn:schemas-microsoft-com:vml" xmlns:pvml="urn:schemas-microsoft-com:office:powerpoint" xmlns:com="http://schemas.openxmlformats.org/drawingml/2006/compatibility" xmlns:p14="http://schemas.microsoft.com/office/powerpoint/2010/main" xmlns:p15="http://schemas.microsoft.com/office/powerpoint/2012/main" showMasterPhAnim="0" showMasterSp="0">
+<p:notes xmlns:a="http://schemas.openxmlformats.org/drawingml/2006/main" xmlns:r="http://schemas.openxmlformats.org/officeDocument/2006/relationships" xmlns:mc="http://schemas.openxmlformats.org/markup-compatibility/2006" xmlns:mv="urn:schemas-microsoft-com:mac:vml" xmlns:p="http://schemas.openxmlformats.org/presentationml/2006/main" xmlns:c="http://schemas.openxmlformats.org/drawingml/2006/chart" xmlns:dgm="http://schemas.openxmlformats.org/drawingml/2006/diagram" xmlns:o="urn:schemas-microsoft-com:office:office" xmlns:v="urn:schemas-microsoft-com:vml" xmlns:pvml="urn:schemas-microsoft-com:office:powerpoint" xmlns:com="http://schemas.openxmlformats.org/drawingml/2006/compatibility" xmlns:p14="http://schemas.microsoft.com/office/powerpoint/2010/main" xmlns:p15="http://schemas.microsoft.com/office/powerpoint/2012/main" xmlns:ahyp="http://schemas.microsoft.com/office/drawing/2018/hyperlinkcolor" showMasterPhAnim="0" showMasterSp="0">
   <p:cSld>
     <p:spTree>
       <p:nvGrpSpPr>
@@ -3856,7 +3856,7 @@
 </file>
 
 <file path=ppt/notesSlides/notesSlide24.xml><?xml version="1.0" encoding="utf-8"?>
-<p:notes xmlns:a="http://schemas.openxmlformats.org/drawingml/2006/main" xmlns:r="http://schemas.openxmlformats.org/officeDocument/2006/relationships" xmlns:mc="http://schemas.openxmlformats.org/markup-compatibility/2006" xmlns:mv="urn:schemas-microsoft-com:mac:vml" xmlns:p="http://schemas.openxmlformats.org/presentationml/2006/main" xmlns:c="http://schemas.openxmlformats.org/drawingml/2006/chart" xmlns:dgm="http://schemas.openxmlformats.org/drawingml/2006/diagram" xmlns:o="urn:schemas-microsoft-com:office:office" xmlns:v="urn:schemas-microsoft-com:vml" xmlns:pvml="urn:schemas-microsoft-com:office:powerpoint" xmlns:com="http://schemas.openxmlformats.org/drawingml/2006/compatibility" xmlns:p14="http://schemas.microsoft.com/office/powerpoint/2010/main" xmlns:p15="http://schemas.microsoft.com/office/powerpoint/2012/main" showMasterPhAnim="0" showMasterSp="0">
+<p:notes xmlns:a="http://schemas.openxmlformats.org/drawingml/2006/main" xmlns:r="http://schemas.openxmlformats.org/officeDocument/2006/relationships" xmlns:mc="http://schemas.openxmlformats.org/markup-compatibility/2006" xmlns:mv="urn:schemas-microsoft-com:mac:vml" xmlns:p="http://schemas.openxmlformats.org/presentationml/2006/main" xmlns:c="http://schemas.openxmlformats.org/drawingml/2006/chart" xmlns:dgm="http://schemas.openxmlformats.org/drawingml/2006/diagram" xmlns:o="urn:schemas-microsoft-com:office:office" xmlns:v="urn:schemas-microsoft-com:vml" xmlns:pvml="urn:schemas-microsoft-com:office:powerpoint" xmlns:com="http://schemas.openxmlformats.org/drawingml/2006/compatibility" xmlns:p14="http://schemas.microsoft.com/office/powerpoint/2010/main" xmlns:p15="http://schemas.microsoft.com/office/powerpoint/2012/main" xmlns:ahyp="http://schemas.microsoft.com/office/drawing/2018/hyperlinkcolor" showMasterPhAnim="0" showMasterSp="0">
   <p:cSld>
     <p:spTree>
       <p:nvGrpSpPr>
@@ -3955,7 +3955,7 @@
 </file>
 
 <file path=ppt/notesSlides/notesSlide3.xml><?xml version="1.0" encoding="utf-8"?>
-<p:notes xmlns:a="http://schemas.openxmlformats.org/drawingml/2006/main" xmlns:r="http://schemas.openxmlformats.org/officeDocument/2006/relationships" xmlns:mc="http://schemas.openxmlformats.org/markup-compatibility/2006" xmlns:mv="urn:schemas-microsoft-com:mac:vml" xmlns:p="http://schemas.openxmlformats.org/presentationml/2006/main" xmlns:c="http://schemas.openxmlformats.org/drawingml/2006/chart" xmlns:dgm="http://schemas.openxmlformats.org/drawingml/2006/diagram" xmlns:o="urn:schemas-microsoft-com:office:office" xmlns:v="urn:schemas-microsoft-com:vml" xmlns:pvml="urn:schemas-microsoft-com:office:powerpoint" xmlns:com="http://schemas.openxmlformats.org/drawingml/2006/compatibility" xmlns:p14="http://schemas.microsoft.com/office/powerpoint/2010/main" xmlns:p15="http://schemas.microsoft.com/office/powerpoint/2012/main" showMasterPhAnim="0" showMasterSp="0">
+<p:notes xmlns:a="http://schemas.openxmlformats.org/drawingml/2006/main" xmlns:r="http://schemas.openxmlformats.org/officeDocument/2006/relationships" xmlns:mc="http://schemas.openxmlformats.org/markup-compatibility/2006" xmlns:mv="urn:schemas-microsoft-com:mac:vml" xmlns:p="http://schemas.openxmlformats.org/presentationml/2006/main" xmlns:c="http://schemas.openxmlformats.org/drawingml/2006/chart" xmlns:dgm="http://schemas.openxmlformats.org/drawingml/2006/diagram" xmlns:o="urn:schemas-microsoft-com:office:office" xmlns:v="urn:schemas-microsoft-com:vml" xmlns:pvml="urn:schemas-microsoft-com:office:powerpoint" xmlns:com="http://schemas.openxmlformats.org/drawingml/2006/compatibility" xmlns:p14="http://schemas.microsoft.com/office/powerpoint/2010/main" xmlns:p15="http://schemas.microsoft.com/office/powerpoint/2012/main" xmlns:ahyp="http://schemas.microsoft.com/office/drawing/2018/hyperlinkcolor" showMasterPhAnim="0" showMasterSp="0">
   <p:cSld>
     <p:spTree>
       <p:nvGrpSpPr>
@@ -4054,7 +4054,7 @@
 </file>
 
 <file path=ppt/notesSlides/notesSlide4.xml><?xml version="1.0" encoding="utf-8"?>
-<p:notes xmlns:a="http://schemas.openxmlformats.org/drawingml/2006/main" xmlns:r="http://schemas.openxmlformats.org/officeDocument/2006/relationships" xmlns:mc="http://schemas.openxmlformats.org/markup-compatibility/2006" xmlns:mv="urn:schemas-microsoft-com:mac:vml" xmlns:p="http://schemas.openxmlformats.org/presentationml/2006/main" xmlns:c="http://schemas.openxmlformats.org/drawingml/2006/chart" xmlns:dgm="http://schemas.openxmlformats.org/drawingml/2006/diagram" xmlns:o="urn:schemas-microsoft-com:office:office" xmlns:v="urn:schemas-microsoft-com:vml" xmlns:pvml="urn:schemas-microsoft-com:office:powerpoint" xmlns:com="http://schemas.openxmlformats.org/drawingml/2006/compatibility" xmlns:p14="http://schemas.microsoft.com/office/powerpoint/2010/main" xmlns:p15="http://schemas.microsoft.com/office/powerpoint/2012/main" showMasterPhAnim="0" showMasterSp="0">
+<p:notes xmlns:a="http://schemas.openxmlformats.org/drawingml/2006/main" xmlns:r="http://schemas.openxmlformats.org/officeDocument/2006/relationships" xmlns:mc="http://schemas.openxmlformats.org/markup-compatibility/2006" xmlns:mv="urn:schemas-microsoft-com:mac:vml" xmlns:p="http://schemas.openxmlformats.org/presentationml/2006/main" xmlns:c="http://schemas.openxmlformats.org/drawingml/2006/chart" xmlns:dgm="http://schemas.openxmlformats.org/drawingml/2006/diagram" xmlns:o="urn:schemas-microsoft-com:office:office" xmlns:v="urn:schemas-microsoft-com:vml" xmlns:pvml="urn:schemas-microsoft-com:office:powerpoint" xmlns:com="http://schemas.openxmlformats.org/drawingml/2006/compatibility" xmlns:p14="http://schemas.microsoft.com/office/powerpoint/2010/main" xmlns:p15="http://schemas.microsoft.com/office/powerpoint/2012/main" xmlns:ahyp="http://schemas.microsoft.com/office/drawing/2018/hyperlinkcolor" showMasterPhAnim="0" showMasterSp="0">
   <p:cSld>
     <p:spTree>
       <p:nvGrpSpPr>
@@ -4153,7 +4153,7 @@
 </file>
 
 <file path=ppt/notesSlides/notesSlide5.xml><?xml version="1.0" encoding="utf-8"?>
-<p:notes xmlns:a="http://schemas.openxmlformats.org/drawingml/2006/main" xmlns:r="http://schemas.openxmlformats.org/officeDocument/2006/relationships" xmlns:mc="http://schemas.openxmlformats.org/markup-compatibility/2006" xmlns:mv="urn:schemas-microsoft-com:mac:vml" xmlns:p="http://schemas.openxmlformats.org/presentationml/2006/main" xmlns:c="http://schemas.openxmlformats.org/drawingml/2006/chart" xmlns:dgm="http://schemas.openxmlformats.org/drawingml/2006/diagram" xmlns:o="urn:schemas-microsoft-com:office:office" xmlns:v="urn:schemas-microsoft-com:vml" xmlns:pvml="urn:schemas-microsoft-com:office:powerpoint" xmlns:com="http://schemas.openxmlformats.org/drawingml/2006/compatibility" xmlns:p14="http://schemas.microsoft.com/office/powerpoint/2010/main" xmlns:p15="http://schemas.microsoft.com/office/powerpoint/2012/main" showMasterPhAnim="0" showMasterSp="0">
+<p:notes xmlns:a="http://schemas.openxmlformats.org/drawingml/2006/main" xmlns:r="http://schemas.openxmlformats.org/officeDocument/2006/relationships" xmlns:mc="http://schemas.openxmlformats.org/markup-compatibility/2006" xmlns:mv="urn:schemas-microsoft-com:mac:vml" xmlns:p="http://schemas.openxmlformats.org/presentationml/2006/main" xmlns:c="http://schemas.openxmlformats.org/drawingml/2006/chart" xmlns:dgm="http://schemas.openxmlformats.org/drawingml/2006/diagram" xmlns:o="urn:schemas-microsoft-com:office:office" xmlns:v="urn:schemas-microsoft-com:vml" xmlns:pvml="urn:schemas-microsoft-com:office:powerpoint" xmlns:com="http://schemas.openxmlformats.org/drawingml/2006/compatibility" xmlns:p14="http://schemas.microsoft.com/office/powerpoint/2010/main" xmlns:p15="http://schemas.microsoft.com/office/powerpoint/2012/main" xmlns:ahyp="http://schemas.microsoft.com/office/drawing/2018/hyperlinkcolor" showMasterPhAnim="0" showMasterSp="0">
   <p:cSld>
     <p:spTree>
       <p:nvGrpSpPr>
@@ -4252,7 +4252,7 @@
 </file>
 
 <file path=ppt/notesSlides/notesSlide6.xml><?xml version="1.0" encoding="utf-8"?>
-<p:notes xmlns:a="http://schemas.openxmlformats.org/drawingml/2006/main" xmlns:r="http://schemas.openxmlformats.org/officeDocument/2006/relationships" xmlns:mc="http://schemas.openxmlformats.org/markup-compatibility/2006" xmlns:mv="urn:schemas-microsoft-com:mac:vml" xmlns:p="http://schemas.openxmlformats.org/presentationml/2006/main" xmlns:c="http://schemas.openxmlformats.org/drawingml/2006/chart" xmlns:dgm="http://schemas.openxmlformats.org/drawingml/2006/diagram" xmlns:o="urn:schemas-microsoft-com:office:office" xmlns:v="urn:schemas-microsoft-com:vml" xmlns:pvml="urn:schemas-microsoft-com:office:powerpoint" xmlns:com="http://schemas.openxmlformats.org/drawingml/2006/compatibility" xmlns:p14="http://schemas.microsoft.com/office/powerpoint/2010/main" xmlns:p15="http://schemas.microsoft.com/office/powerpoint/2012/main" showMasterPhAnim="0" showMasterSp="0">
+<p:notes xmlns:a="http://schemas.openxmlformats.org/drawingml/2006/main" xmlns:r="http://schemas.openxmlformats.org/officeDocument/2006/relationships" xmlns:mc="http://schemas.openxmlformats.org/markup-compatibility/2006" xmlns:mv="urn:schemas-microsoft-com:mac:vml" xmlns:p="http://schemas.openxmlformats.org/presentationml/2006/main" xmlns:c="http://schemas.openxmlformats.org/drawingml/2006/chart" xmlns:dgm="http://schemas.openxmlformats.org/drawingml/2006/diagram" xmlns:o="urn:schemas-microsoft-com:office:office" xmlns:v="urn:schemas-microsoft-com:vml" xmlns:pvml="urn:schemas-microsoft-com:office:powerpoint" xmlns:com="http://schemas.openxmlformats.org/drawingml/2006/compatibility" xmlns:p14="http://schemas.microsoft.com/office/powerpoint/2010/main" xmlns:p15="http://schemas.microsoft.com/office/powerpoint/2012/main" xmlns:ahyp="http://schemas.microsoft.com/office/drawing/2018/hyperlinkcolor" showMasterPhAnim="0" showMasterSp="0">
   <p:cSld>
     <p:spTree>
       <p:nvGrpSpPr>
@@ -4351,7 +4351,7 @@
 </file>
 
 <file path=ppt/notesSlides/notesSlide7.xml><?xml version="1.0" encoding="utf-8"?>
-<p:notes xmlns:a="http://schemas.openxmlformats.org/drawingml/2006/main" xmlns:r="http://schemas.openxmlformats.org/officeDocument/2006/relationships" xmlns:mc="http://schemas.openxmlformats.org/markup-compatibility/2006" xmlns:mv="urn:schemas-microsoft-com:mac:vml" xmlns:p="http://schemas.openxmlformats.org/presentationml/2006/main" xmlns:c="http://schemas.openxmlformats.org/drawingml/2006/chart" xmlns:dgm="http://schemas.openxmlformats.org/drawingml/2006/diagram" xmlns:o="urn:schemas-microsoft-com:office:office" xmlns:v="urn:schemas-microsoft-com:vml" xmlns:pvml="urn:schemas-microsoft-com:office:powerpoint" xmlns:com="http://schemas.openxmlformats.org/drawingml/2006/compatibility" xmlns:p14="http://schemas.microsoft.com/office/powerpoint/2010/main" xmlns:p15="http://schemas.microsoft.com/office/powerpoint/2012/main" showMasterPhAnim="0" showMasterSp="0">
+<p:notes xmlns:a="http://schemas.openxmlformats.org/drawingml/2006/main" xmlns:r="http://schemas.openxmlformats.org/officeDocument/2006/relationships" xmlns:mc="http://schemas.openxmlformats.org/markup-compatibility/2006" xmlns:mv="urn:schemas-microsoft-com:mac:vml" xmlns:p="http://schemas.openxmlformats.org/presentationml/2006/main" xmlns:c="http://schemas.openxmlformats.org/drawingml/2006/chart" xmlns:dgm="http://schemas.openxmlformats.org/drawingml/2006/diagram" xmlns:o="urn:schemas-microsoft-com:office:office" xmlns:v="urn:schemas-microsoft-com:vml" xmlns:pvml="urn:schemas-microsoft-com:office:powerpoint" xmlns:com="http://schemas.openxmlformats.org/drawingml/2006/compatibility" xmlns:p14="http://schemas.microsoft.com/office/powerpoint/2010/main" xmlns:p15="http://schemas.microsoft.com/office/powerpoint/2012/main" xmlns:ahyp="http://schemas.microsoft.com/office/drawing/2018/hyperlinkcolor" showMasterPhAnim="0" showMasterSp="0">
   <p:cSld>
     <p:spTree>
       <p:nvGrpSpPr>
@@ -4450,7 +4450,7 @@
 </file>
 
 <file path=ppt/notesSlides/notesSlide8.xml><?xml version="1.0" encoding="utf-8"?>
-<p:notes xmlns:a="http://schemas.openxmlformats.org/drawingml/2006/main" xmlns:r="http://schemas.openxmlformats.org/officeDocument/2006/relationships" xmlns:mc="http://schemas.openxmlformats.org/markup-compatibility/2006" xmlns:mv="urn:schemas-microsoft-com:mac:vml" xmlns:p="http://schemas.openxmlformats.org/presentationml/2006/main" xmlns:c="http://schemas.openxmlformats.org/drawingml/2006/chart" xmlns:dgm="http://schemas.openxmlformats.org/drawingml/2006/diagram" xmlns:o="urn:schemas-microsoft-com:office:office" xmlns:v="urn:schemas-microsoft-com:vml" xmlns:pvml="urn:schemas-microsoft-com:office:powerpoint" xmlns:com="http://schemas.openxmlformats.org/drawingml/2006/compatibility" xmlns:p14="http://schemas.microsoft.com/office/powerpoint/2010/main" xmlns:p15="http://schemas.microsoft.com/office/powerpoint/2012/main" showMasterPhAnim="0" showMasterSp="0">
+<p:notes xmlns:a="http://schemas.openxmlformats.org/drawingml/2006/main" xmlns:r="http://schemas.openxmlformats.org/officeDocument/2006/relationships" xmlns:mc="http://schemas.openxmlformats.org/markup-compatibility/2006" xmlns:mv="urn:schemas-microsoft-com:mac:vml" xmlns:p="http://schemas.openxmlformats.org/presentationml/2006/main" xmlns:c="http://schemas.openxmlformats.org/drawingml/2006/chart" xmlns:dgm="http://schemas.openxmlformats.org/drawingml/2006/diagram" xmlns:o="urn:schemas-microsoft-com:office:office" xmlns:v="urn:schemas-microsoft-com:vml" xmlns:pvml="urn:schemas-microsoft-com:office:powerpoint" xmlns:com="http://schemas.openxmlformats.org/drawingml/2006/compatibility" xmlns:p14="http://schemas.microsoft.com/office/powerpoint/2010/main" xmlns:p15="http://schemas.microsoft.com/office/powerpoint/2012/main" xmlns:ahyp="http://schemas.microsoft.com/office/drawing/2018/hyperlinkcolor" showMasterPhAnim="0" showMasterSp="0">
   <p:cSld>
     <p:spTree>
       <p:nvGrpSpPr>
@@ -4549,7 +4549,7 @@
 </file>
 
 <file path=ppt/notesSlides/notesSlide9.xml><?xml version="1.0" encoding="utf-8"?>
-<p:notes xmlns:a="http://schemas.openxmlformats.org/drawingml/2006/main" xmlns:r="http://schemas.openxmlformats.org/officeDocument/2006/relationships" xmlns:mc="http://schemas.openxmlformats.org/markup-compatibility/2006" xmlns:mv="urn:schemas-microsoft-com:mac:vml" xmlns:p="http://schemas.openxmlformats.org/presentationml/2006/main" xmlns:c="http://schemas.openxmlformats.org/drawingml/2006/chart" xmlns:dgm="http://schemas.openxmlformats.org/drawingml/2006/diagram" xmlns:o="urn:schemas-microsoft-com:office:office" xmlns:v="urn:schemas-microsoft-com:vml" xmlns:pvml="urn:schemas-microsoft-com:office:powerpoint" xmlns:com="http://schemas.openxmlformats.org/drawingml/2006/compatibility" xmlns:p14="http://schemas.microsoft.com/office/powerpoint/2010/main" xmlns:p15="http://schemas.microsoft.com/office/powerpoint/2012/main" showMasterPhAnim="0" showMasterSp="0">
+<p:notes xmlns:a="http://schemas.openxmlformats.org/drawingml/2006/main" xmlns:r="http://schemas.openxmlformats.org/officeDocument/2006/relationships" xmlns:mc="http://schemas.openxmlformats.org/markup-compatibility/2006" xmlns:mv="urn:schemas-microsoft-com:mac:vml" xmlns:p="http://schemas.openxmlformats.org/presentationml/2006/main" xmlns:c="http://schemas.openxmlformats.org/drawingml/2006/chart" xmlns:dgm="http://schemas.openxmlformats.org/drawingml/2006/diagram" xmlns:o="urn:schemas-microsoft-com:office:office" xmlns:v="urn:schemas-microsoft-com:vml" xmlns:pvml="urn:schemas-microsoft-com:office:powerpoint" xmlns:com="http://schemas.openxmlformats.org/drawingml/2006/compatibility" xmlns:p14="http://schemas.microsoft.com/office/powerpoint/2010/main" xmlns:p15="http://schemas.microsoft.com/office/powerpoint/2012/main" xmlns:ahyp="http://schemas.microsoft.com/office/drawing/2018/hyperlinkcolor" showMasterPhAnim="0" showMasterSp="0">
   <p:cSld>
     <p:spTree>
       <p:nvGrpSpPr>
@@ -4648,7 +4648,7 @@
 </file>
 
 <file path=ppt/slideLayouts/slideLayout1.xml><?xml version="1.0" encoding="utf-8"?>
-<p:sldLayout xmlns:a="http://schemas.openxmlformats.org/drawingml/2006/main" xmlns:r="http://schemas.openxmlformats.org/officeDocument/2006/relationships" xmlns:mc="http://schemas.openxmlformats.org/markup-compatibility/2006" xmlns:mv="urn:schemas-microsoft-com:mac:vml" xmlns:p="http://schemas.openxmlformats.org/presentationml/2006/main" xmlns:c="http://schemas.openxmlformats.org/drawingml/2006/chart" xmlns:dgm="http://schemas.openxmlformats.org/drawingml/2006/diagram" xmlns:o="urn:schemas-microsoft-com:office:office" xmlns:v="urn:schemas-microsoft-com:vml" xmlns:pvml="urn:schemas-microsoft-com:office:powerpoint" xmlns:com="http://schemas.openxmlformats.org/drawingml/2006/compatibility" xmlns:p14="http://schemas.microsoft.com/office/powerpoint/2010/main" xmlns:p15="http://schemas.microsoft.com/office/powerpoint/2012/main" matchingName="Title Slide" type="title">
+<p:sldLayout xmlns:a="http://schemas.openxmlformats.org/drawingml/2006/main" xmlns:r="http://schemas.openxmlformats.org/officeDocument/2006/relationships" xmlns:mc="http://schemas.openxmlformats.org/markup-compatibility/2006" xmlns:mv="urn:schemas-microsoft-com:mac:vml" xmlns:p="http://schemas.openxmlformats.org/presentationml/2006/main" xmlns:c="http://schemas.openxmlformats.org/drawingml/2006/chart" xmlns:dgm="http://schemas.openxmlformats.org/drawingml/2006/diagram" xmlns:o="urn:schemas-microsoft-com:office:office" xmlns:v="urn:schemas-microsoft-com:vml" xmlns:pvml="urn:schemas-microsoft-com:office:powerpoint" xmlns:com="http://schemas.openxmlformats.org/drawingml/2006/compatibility" xmlns:p14="http://schemas.microsoft.com/office/powerpoint/2010/main" xmlns:p15="http://schemas.microsoft.com/office/powerpoint/2012/main" xmlns:ahyp="http://schemas.microsoft.com/office/drawing/2018/hyperlinkcolor" matchingName="Title Slide" type="title">
   <p:cSld name="TITLE">
     <p:spTree>
       <p:nvGrpSpPr>
@@ -4997,7 +4997,7 @@
 </file>
 
 <file path=ppt/slideLayouts/slideLayout10.xml><?xml version="1.0" encoding="utf-8"?>
-<p:sldLayout xmlns:a="http://schemas.openxmlformats.org/drawingml/2006/main" xmlns:r="http://schemas.openxmlformats.org/officeDocument/2006/relationships" xmlns:mc="http://schemas.openxmlformats.org/markup-compatibility/2006" xmlns:mv="urn:schemas-microsoft-com:mac:vml" xmlns:p="http://schemas.openxmlformats.org/presentationml/2006/main" xmlns:c="http://schemas.openxmlformats.org/drawingml/2006/chart" xmlns:dgm="http://schemas.openxmlformats.org/drawingml/2006/diagram" xmlns:o="urn:schemas-microsoft-com:office:office" xmlns:v="urn:schemas-microsoft-com:vml" xmlns:pvml="urn:schemas-microsoft-com:office:powerpoint" xmlns:com="http://schemas.openxmlformats.org/drawingml/2006/compatibility" xmlns:p14="http://schemas.microsoft.com/office/powerpoint/2010/main" xmlns:p15="http://schemas.microsoft.com/office/powerpoint/2012/main" matchingName="Picture with Caption" type="picTx">
+<p:sldLayout xmlns:a="http://schemas.openxmlformats.org/drawingml/2006/main" xmlns:r="http://schemas.openxmlformats.org/officeDocument/2006/relationships" xmlns:mc="http://schemas.openxmlformats.org/markup-compatibility/2006" xmlns:mv="urn:schemas-microsoft-com:mac:vml" xmlns:p="http://schemas.openxmlformats.org/presentationml/2006/main" xmlns:c="http://schemas.openxmlformats.org/drawingml/2006/chart" xmlns:dgm="http://schemas.openxmlformats.org/drawingml/2006/diagram" xmlns:o="urn:schemas-microsoft-com:office:office" xmlns:v="urn:schemas-microsoft-com:vml" xmlns:pvml="urn:schemas-microsoft-com:office:powerpoint" xmlns:com="http://schemas.openxmlformats.org/drawingml/2006/compatibility" xmlns:p14="http://schemas.microsoft.com/office/powerpoint/2010/main" xmlns:p15="http://schemas.microsoft.com/office/powerpoint/2012/main" xmlns:ahyp="http://schemas.microsoft.com/office/drawing/2018/hyperlinkcolor" matchingName="Picture with Caption" type="picTx">
   <p:cSld name="PICTURE_WITH_CAPTION_TEXT">
     <p:spTree>
       <p:nvGrpSpPr>
@@ -6130,7 +6130,7 @@
 </file>
 
 <file path=ppt/slideLayouts/slideLayout11.xml><?xml version="1.0" encoding="utf-8"?>
-<p:sldLayout xmlns:a="http://schemas.openxmlformats.org/drawingml/2006/main" xmlns:r="http://schemas.openxmlformats.org/officeDocument/2006/relationships" xmlns:mc="http://schemas.openxmlformats.org/markup-compatibility/2006" xmlns:mv="urn:schemas-microsoft-com:mac:vml" xmlns:p="http://schemas.openxmlformats.org/presentationml/2006/main" xmlns:c="http://schemas.openxmlformats.org/drawingml/2006/chart" xmlns:dgm="http://schemas.openxmlformats.org/drawingml/2006/diagram" xmlns:o="urn:schemas-microsoft-com:office:office" xmlns:v="urn:schemas-microsoft-com:vml" xmlns:pvml="urn:schemas-microsoft-com:office:powerpoint" xmlns:com="http://schemas.openxmlformats.org/drawingml/2006/compatibility" xmlns:p14="http://schemas.microsoft.com/office/powerpoint/2010/main" xmlns:p15="http://schemas.microsoft.com/office/powerpoint/2012/main" matchingName="Title and Vertical Text" type="vertTx">
+<p:sldLayout xmlns:a="http://schemas.openxmlformats.org/drawingml/2006/main" xmlns:r="http://schemas.openxmlformats.org/officeDocument/2006/relationships" xmlns:mc="http://schemas.openxmlformats.org/markup-compatibility/2006" xmlns:mv="urn:schemas-microsoft-com:mac:vml" xmlns:p="http://schemas.openxmlformats.org/presentationml/2006/main" xmlns:c="http://schemas.openxmlformats.org/drawingml/2006/chart" xmlns:dgm="http://schemas.openxmlformats.org/drawingml/2006/diagram" xmlns:o="urn:schemas-microsoft-com:office:office" xmlns:v="urn:schemas-microsoft-com:vml" xmlns:pvml="urn:schemas-microsoft-com:office:powerpoint" xmlns:com="http://schemas.openxmlformats.org/drawingml/2006/compatibility" xmlns:p14="http://schemas.microsoft.com/office/powerpoint/2010/main" xmlns:p15="http://schemas.microsoft.com/office/powerpoint/2012/main" xmlns:ahyp="http://schemas.microsoft.com/office/drawing/2018/hyperlinkcolor" matchingName="Title and Vertical Text" type="vertTx">
   <p:cSld name="VERTICAL_TEXT">
     <p:spTree>
       <p:nvGrpSpPr>
@@ -7025,7 +7025,7 @@
 </file>
 
 <file path=ppt/slideLayouts/slideLayout12.xml><?xml version="1.0" encoding="utf-8"?>
-<p:sldLayout xmlns:a="http://schemas.openxmlformats.org/drawingml/2006/main" xmlns:r="http://schemas.openxmlformats.org/officeDocument/2006/relationships" xmlns:mc="http://schemas.openxmlformats.org/markup-compatibility/2006" xmlns:mv="urn:schemas-microsoft-com:mac:vml" xmlns:p="http://schemas.openxmlformats.org/presentationml/2006/main" xmlns:c="http://schemas.openxmlformats.org/drawingml/2006/chart" xmlns:dgm="http://schemas.openxmlformats.org/drawingml/2006/diagram" xmlns:o="urn:schemas-microsoft-com:office:office" xmlns:v="urn:schemas-microsoft-com:vml" xmlns:pvml="urn:schemas-microsoft-com:office:powerpoint" xmlns:com="http://schemas.openxmlformats.org/drawingml/2006/compatibility" xmlns:p14="http://schemas.microsoft.com/office/powerpoint/2010/main" xmlns:p15="http://schemas.microsoft.com/office/powerpoint/2012/main" matchingName="Vertical Title and Text" type="vertTitleAndTx">
+<p:sldLayout xmlns:a="http://schemas.openxmlformats.org/drawingml/2006/main" xmlns:r="http://schemas.openxmlformats.org/officeDocument/2006/relationships" xmlns:mc="http://schemas.openxmlformats.org/markup-compatibility/2006" xmlns:mv="urn:schemas-microsoft-com:mac:vml" xmlns:p="http://schemas.openxmlformats.org/presentationml/2006/main" xmlns:c="http://schemas.openxmlformats.org/drawingml/2006/chart" xmlns:dgm="http://schemas.openxmlformats.org/drawingml/2006/diagram" xmlns:o="urn:schemas-microsoft-com:office:office" xmlns:v="urn:schemas-microsoft-com:vml" xmlns:pvml="urn:schemas-microsoft-com:office:powerpoint" xmlns:com="http://schemas.openxmlformats.org/drawingml/2006/compatibility" xmlns:p14="http://schemas.microsoft.com/office/powerpoint/2010/main" xmlns:p15="http://schemas.microsoft.com/office/powerpoint/2012/main" xmlns:ahyp="http://schemas.microsoft.com/office/drawing/2018/hyperlinkcolor" matchingName="Vertical Title and Text" type="vertTitleAndTx">
   <p:cSld name="VERTICAL_TITLE_AND_VERTICAL_TEXT">
     <p:spTree>
       <p:nvGrpSpPr>
@@ -7920,7 +7920,7 @@
 </file>
 
 <file path=ppt/slideLayouts/slideLayout2.xml><?xml version="1.0" encoding="utf-8"?>
-<p:sldLayout xmlns:a="http://schemas.openxmlformats.org/drawingml/2006/main" xmlns:r="http://schemas.openxmlformats.org/officeDocument/2006/relationships" xmlns:mc="http://schemas.openxmlformats.org/markup-compatibility/2006" xmlns:mv="urn:schemas-microsoft-com:mac:vml" xmlns:p="http://schemas.openxmlformats.org/presentationml/2006/main" xmlns:c="http://schemas.openxmlformats.org/drawingml/2006/chart" xmlns:dgm="http://schemas.openxmlformats.org/drawingml/2006/diagram" xmlns:o="urn:schemas-microsoft-com:office:office" xmlns:v="urn:schemas-microsoft-com:vml" xmlns:pvml="urn:schemas-microsoft-com:office:powerpoint" xmlns:com="http://schemas.openxmlformats.org/drawingml/2006/compatibility" xmlns:p14="http://schemas.microsoft.com/office/powerpoint/2010/main" xmlns:p15="http://schemas.microsoft.com/office/powerpoint/2012/main" matchingName="Title and Content" type="obj">
+<p:sldLayout xmlns:a="http://schemas.openxmlformats.org/drawingml/2006/main" xmlns:r="http://schemas.openxmlformats.org/officeDocument/2006/relationships" xmlns:mc="http://schemas.openxmlformats.org/markup-compatibility/2006" xmlns:mv="urn:schemas-microsoft-com:mac:vml" xmlns:p="http://schemas.openxmlformats.org/presentationml/2006/main" xmlns:c="http://schemas.openxmlformats.org/drawingml/2006/chart" xmlns:dgm="http://schemas.openxmlformats.org/drawingml/2006/diagram" xmlns:o="urn:schemas-microsoft-com:office:office" xmlns:v="urn:schemas-microsoft-com:vml" xmlns:pvml="urn:schemas-microsoft-com:office:powerpoint" xmlns:com="http://schemas.openxmlformats.org/drawingml/2006/compatibility" xmlns:p14="http://schemas.microsoft.com/office/powerpoint/2010/main" xmlns:p15="http://schemas.microsoft.com/office/powerpoint/2012/main" xmlns:ahyp="http://schemas.microsoft.com/office/drawing/2018/hyperlinkcolor" matchingName="Title and Content" type="obj">
   <p:cSld name="OBJECT">
     <p:spTree>
       <p:nvGrpSpPr>
@@ -8815,7 +8815,7 @@
 </file>
 
 <file path=ppt/slideLayouts/slideLayout3.xml><?xml version="1.0" encoding="utf-8"?>
-<p:sldLayout xmlns:a="http://schemas.openxmlformats.org/drawingml/2006/main" xmlns:r="http://schemas.openxmlformats.org/officeDocument/2006/relationships" xmlns:mc="http://schemas.openxmlformats.org/markup-compatibility/2006" xmlns:mv="urn:schemas-microsoft-com:mac:vml" xmlns:p="http://schemas.openxmlformats.org/presentationml/2006/main" xmlns:c="http://schemas.openxmlformats.org/drawingml/2006/chart" xmlns:dgm="http://schemas.openxmlformats.org/drawingml/2006/diagram" xmlns:o="urn:schemas-microsoft-com:office:office" xmlns:v="urn:schemas-microsoft-com:vml" xmlns:pvml="urn:schemas-microsoft-com:office:powerpoint" xmlns:com="http://schemas.openxmlformats.org/drawingml/2006/compatibility" xmlns:p14="http://schemas.microsoft.com/office/powerpoint/2010/main" xmlns:p15="http://schemas.microsoft.com/office/powerpoint/2012/main" matchingName="Section Header" type="secHead">
+<p:sldLayout xmlns:a="http://schemas.openxmlformats.org/drawingml/2006/main" xmlns:r="http://schemas.openxmlformats.org/officeDocument/2006/relationships" xmlns:mc="http://schemas.openxmlformats.org/markup-compatibility/2006" xmlns:mv="urn:schemas-microsoft-com:mac:vml" xmlns:p="http://schemas.openxmlformats.org/presentationml/2006/main" xmlns:c="http://schemas.openxmlformats.org/drawingml/2006/chart" xmlns:dgm="http://schemas.openxmlformats.org/drawingml/2006/diagram" xmlns:o="urn:schemas-microsoft-com:office:office" xmlns:v="urn:schemas-microsoft-com:vml" xmlns:pvml="urn:schemas-microsoft-com:office:powerpoint" xmlns:com="http://schemas.openxmlformats.org/drawingml/2006/compatibility" xmlns:p14="http://schemas.microsoft.com/office/powerpoint/2010/main" xmlns:p15="http://schemas.microsoft.com/office/powerpoint/2012/main" xmlns:ahyp="http://schemas.microsoft.com/office/drawing/2018/hyperlinkcolor" matchingName="Section Header" type="secHead">
   <p:cSld name="SECTION_HEADER">
     <p:spTree>
       <p:nvGrpSpPr>
@@ -9747,7 +9747,7 @@
 </file>
 
 <file path=ppt/slideLayouts/slideLayout4.xml><?xml version="1.0" encoding="utf-8"?>
-<p:sldLayout xmlns:a="http://schemas.openxmlformats.org/drawingml/2006/main" xmlns:r="http://schemas.openxmlformats.org/officeDocument/2006/relationships" xmlns:mc="http://schemas.openxmlformats.org/markup-compatibility/2006" xmlns:mv="urn:schemas-microsoft-com:mac:vml" xmlns:p="http://schemas.openxmlformats.org/presentationml/2006/main" xmlns:c="http://schemas.openxmlformats.org/drawingml/2006/chart" xmlns:dgm="http://schemas.openxmlformats.org/drawingml/2006/diagram" xmlns:o="urn:schemas-microsoft-com:office:office" xmlns:v="urn:schemas-microsoft-com:vml" xmlns:pvml="urn:schemas-microsoft-com:office:powerpoint" xmlns:com="http://schemas.openxmlformats.org/drawingml/2006/compatibility" xmlns:p14="http://schemas.microsoft.com/office/powerpoint/2010/main" xmlns:p15="http://schemas.microsoft.com/office/powerpoint/2012/main" matchingName="Title Only" type="titleOnly">
+<p:sldLayout xmlns:a="http://schemas.openxmlformats.org/drawingml/2006/main" xmlns:r="http://schemas.openxmlformats.org/officeDocument/2006/relationships" xmlns:mc="http://schemas.openxmlformats.org/markup-compatibility/2006" xmlns:mv="urn:schemas-microsoft-com:mac:vml" xmlns:p="http://schemas.openxmlformats.org/presentationml/2006/main" xmlns:c="http://schemas.openxmlformats.org/drawingml/2006/chart" xmlns:dgm="http://schemas.openxmlformats.org/drawingml/2006/diagram" xmlns:o="urn:schemas-microsoft-com:office:office" xmlns:v="urn:schemas-microsoft-com:vml" xmlns:pvml="urn:schemas-microsoft-com:office:powerpoint" xmlns:com="http://schemas.openxmlformats.org/drawingml/2006/compatibility" xmlns:p14="http://schemas.microsoft.com/office/powerpoint/2010/main" xmlns:p15="http://schemas.microsoft.com/office/powerpoint/2012/main" xmlns:ahyp="http://schemas.microsoft.com/office/drawing/2018/hyperlinkcolor" matchingName="Title Only" type="titleOnly">
   <p:cSld name="TITLE_ONLY">
     <p:spTree>
       <p:nvGrpSpPr>
@@ -10486,7 +10486,7 @@
 </file>
 
 <file path=ppt/slideLayouts/slideLayout5.xml><?xml version="1.0" encoding="utf-8"?>
-<p:sldLayout xmlns:a="http://schemas.openxmlformats.org/drawingml/2006/main" xmlns:r="http://schemas.openxmlformats.org/officeDocument/2006/relationships" xmlns:mc="http://schemas.openxmlformats.org/markup-compatibility/2006" xmlns:mv="urn:schemas-microsoft-com:mac:vml" xmlns:p="http://schemas.openxmlformats.org/presentationml/2006/main" xmlns:c="http://schemas.openxmlformats.org/drawingml/2006/chart" xmlns:dgm="http://schemas.openxmlformats.org/drawingml/2006/diagram" xmlns:o="urn:schemas-microsoft-com:office:office" xmlns:v="urn:schemas-microsoft-com:vml" xmlns:pvml="urn:schemas-microsoft-com:office:powerpoint" xmlns:com="http://schemas.openxmlformats.org/drawingml/2006/compatibility" xmlns:p14="http://schemas.microsoft.com/office/powerpoint/2010/main" xmlns:p15="http://schemas.microsoft.com/office/powerpoint/2012/main" matchingName="Title and Body" type="tx">
+<p:sldLayout xmlns:a="http://schemas.openxmlformats.org/drawingml/2006/main" xmlns:r="http://schemas.openxmlformats.org/officeDocument/2006/relationships" xmlns:mc="http://schemas.openxmlformats.org/markup-compatibility/2006" xmlns:mv="urn:schemas-microsoft-com:mac:vml" xmlns:p="http://schemas.openxmlformats.org/presentationml/2006/main" xmlns:c="http://schemas.openxmlformats.org/drawingml/2006/chart" xmlns:dgm="http://schemas.openxmlformats.org/drawingml/2006/diagram" xmlns:o="urn:schemas-microsoft-com:office:office" xmlns:v="urn:schemas-microsoft-com:vml" xmlns:pvml="urn:schemas-microsoft-com:office:powerpoint" xmlns:com="http://schemas.openxmlformats.org/drawingml/2006/compatibility" xmlns:p14="http://schemas.microsoft.com/office/powerpoint/2010/main" xmlns:p15="http://schemas.microsoft.com/office/powerpoint/2012/main" xmlns:ahyp="http://schemas.microsoft.com/office/drawing/2018/hyperlinkcolor" matchingName="Title and Body" type="tx">
   <p:cSld name="TITLE_AND_BODY">
     <p:spTree>
       <p:nvGrpSpPr>
@@ -10800,7 +10800,7 @@
 </file>
 
 <file path=ppt/slideLayouts/slideLayout6.xml><?xml version="1.0" encoding="utf-8"?>
-<p:sldLayout xmlns:a="http://schemas.openxmlformats.org/drawingml/2006/main" xmlns:r="http://schemas.openxmlformats.org/officeDocument/2006/relationships" xmlns:mc="http://schemas.openxmlformats.org/markup-compatibility/2006" xmlns:mv="urn:schemas-microsoft-com:mac:vml" xmlns:p="http://schemas.openxmlformats.org/presentationml/2006/main" xmlns:c="http://schemas.openxmlformats.org/drawingml/2006/chart" xmlns:dgm="http://schemas.openxmlformats.org/drawingml/2006/diagram" xmlns:o="urn:schemas-microsoft-com:office:office" xmlns:v="urn:schemas-microsoft-com:vml" xmlns:pvml="urn:schemas-microsoft-com:office:powerpoint" xmlns:com="http://schemas.openxmlformats.org/drawingml/2006/compatibility" xmlns:p14="http://schemas.microsoft.com/office/powerpoint/2010/main" xmlns:p15="http://schemas.microsoft.com/office/powerpoint/2012/main" matchingName="Two Content" type="twoObj">
+<p:sldLayout xmlns:a="http://schemas.openxmlformats.org/drawingml/2006/main" xmlns:r="http://schemas.openxmlformats.org/officeDocument/2006/relationships" xmlns:mc="http://schemas.openxmlformats.org/markup-compatibility/2006" xmlns:mv="urn:schemas-microsoft-com:mac:vml" xmlns:p="http://schemas.openxmlformats.org/presentationml/2006/main" xmlns:c="http://schemas.openxmlformats.org/drawingml/2006/chart" xmlns:dgm="http://schemas.openxmlformats.org/drawingml/2006/diagram" xmlns:o="urn:schemas-microsoft-com:office:office" xmlns:v="urn:schemas-microsoft-com:vml" xmlns:pvml="urn:schemas-microsoft-com:office:powerpoint" xmlns:com="http://schemas.openxmlformats.org/drawingml/2006/compatibility" xmlns:p14="http://schemas.microsoft.com/office/powerpoint/2010/main" xmlns:p15="http://schemas.microsoft.com/office/powerpoint/2012/main" xmlns:ahyp="http://schemas.microsoft.com/office/drawing/2018/hyperlinkcolor" matchingName="Two Content" type="twoObj">
   <p:cSld name="TWO_OBJECTS">
     <p:spTree>
       <p:nvGrpSpPr>
@@ -11851,7 +11851,7 @@
 </file>
 
 <file path=ppt/slideLayouts/slideLayout7.xml><?xml version="1.0" encoding="utf-8"?>
-<p:sldLayout xmlns:a="http://schemas.openxmlformats.org/drawingml/2006/main" xmlns:r="http://schemas.openxmlformats.org/officeDocument/2006/relationships" xmlns:mc="http://schemas.openxmlformats.org/markup-compatibility/2006" xmlns:mv="urn:schemas-microsoft-com:mac:vml" xmlns:p="http://schemas.openxmlformats.org/presentationml/2006/main" xmlns:c="http://schemas.openxmlformats.org/drawingml/2006/chart" xmlns:dgm="http://schemas.openxmlformats.org/drawingml/2006/diagram" xmlns:o="urn:schemas-microsoft-com:office:office" xmlns:v="urn:schemas-microsoft-com:vml" xmlns:pvml="urn:schemas-microsoft-com:office:powerpoint" xmlns:com="http://schemas.openxmlformats.org/drawingml/2006/compatibility" xmlns:p14="http://schemas.microsoft.com/office/powerpoint/2010/main" xmlns:p15="http://schemas.microsoft.com/office/powerpoint/2012/main" matchingName="Comparison" type="twoTxTwoObj">
+<p:sldLayout xmlns:a="http://schemas.openxmlformats.org/drawingml/2006/main" xmlns:r="http://schemas.openxmlformats.org/officeDocument/2006/relationships" xmlns:mc="http://schemas.openxmlformats.org/markup-compatibility/2006" xmlns:mv="urn:schemas-microsoft-com:mac:vml" xmlns:p="http://schemas.openxmlformats.org/presentationml/2006/main" xmlns:c="http://schemas.openxmlformats.org/drawingml/2006/chart" xmlns:dgm="http://schemas.openxmlformats.org/drawingml/2006/diagram" xmlns:o="urn:schemas-microsoft-com:office:office" xmlns:v="urn:schemas-microsoft-com:vml" xmlns:pvml="urn:schemas-microsoft-com:office:powerpoint" xmlns:com="http://schemas.openxmlformats.org/drawingml/2006/compatibility" xmlns:p14="http://schemas.microsoft.com/office/powerpoint/2010/main" xmlns:p15="http://schemas.microsoft.com/office/powerpoint/2012/main" xmlns:ahyp="http://schemas.microsoft.com/office/drawing/2018/hyperlinkcolor" matchingName="Comparison" type="twoTxTwoObj">
   <p:cSld name="TWO_OBJECTS_WITH_TEXT">
     <p:spTree>
       <p:nvGrpSpPr>
@@ -13215,7 +13215,7 @@
 </file>
 
 <file path=ppt/slideLayouts/slideLayout8.xml><?xml version="1.0" encoding="utf-8"?>
-<p:sldLayout xmlns:a="http://schemas.openxmlformats.org/drawingml/2006/main" xmlns:r="http://schemas.openxmlformats.org/officeDocument/2006/relationships" xmlns:mc="http://schemas.openxmlformats.org/markup-compatibility/2006" xmlns:mv="urn:schemas-microsoft-com:mac:vml" xmlns:p="http://schemas.openxmlformats.org/presentationml/2006/main" xmlns:c="http://schemas.openxmlformats.org/drawingml/2006/chart" xmlns:dgm="http://schemas.openxmlformats.org/drawingml/2006/diagram" xmlns:o="urn:schemas-microsoft-com:office:office" xmlns:v="urn:schemas-microsoft-com:vml" xmlns:pvml="urn:schemas-microsoft-com:office:powerpoint" xmlns:com="http://schemas.openxmlformats.org/drawingml/2006/compatibility" xmlns:p14="http://schemas.microsoft.com/office/powerpoint/2010/main" xmlns:p15="http://schemas.microsoft.com/office/powerpoint/2012/main" matchingName="Blank" type="blank">
+<p:sldLayout xmlns:a="http://schemas.openxmlformats.org/drawingml/2006/main" xmlns:r="http://schemas.openxmlformats.org/officeDocument/2006/relationships" xmlns:mc="http://schemas.openxmlformats.org/markup-compatibility/2006" xmlns:mv="urn:schemas-microsoft-com:mac:vml" xmlns:p="http://schemas.openxmlformats.org/presentationml/2006/main" xmlns:c="http://schemas.openxmlformats.org/drawingml/2006/chart" xmlns:dgm="http://schemas.openxmlformats.org/drawingml/2006/diagram" xmlns:o="urn:schemas-microsoft-com:office:office" xmlns:v="urn:schemas-microsoft-com:vml" xmlns:pvml="urn:schemas-microsoft-com:office:powerpoint" xmlns:com="http://schemas.openxmlformats.org/drawingml/2006/compatibility" xmlns:p14="http://schemas.microsoft.com/office/powerpoint/2010/main" xmlns:p15="http://schemas.microsoft.com/office/powerpoint/2012/main" xmlns:ahyp="http://schemas.microsoft.com/office/drawing/2018/hyperlinkcolor" matchingName="Blank" type="blank">
   <p:cSld name="BLANK">
     <p:spTree>
       <p:nvGrpSpPr>
@@ -13822,7 +13822,7 @@
 </file>
 
 <file path=ppt/slideLayouts/slideLayout9.xml><?xml version="1.0" encoding="utf-8"?>
-<p:sldLayout xmlns:a="http://schemas.openxmlformats.org/drawingml/2006/main" xmlns:r="http://schemas.openxmlformats.org/officeDocument/2006/relationships" xmlns:mc="http://schemas.openxmlformats.org/markup-compatibility/2006" xmlns:mv="urn:schemas-microsoft-com:mac:vml" xmlns:p="http://schemas.openxmlformats.org/presentationml/2006/main" xmlns:c="http://schemas.openxmlformats.org/drawingml/2006/chart" xmlns:dgm="http://schemas.openxmlformats.org/drawingml/2006/diagram" xmlns:o="urn:schemas-microsoft-com:office:office" xmlns:v="urn:schemas-microsoft-com:vml" xmlns:pvml="urn:schemas-microsoft-com:office:powerpoint" xmlns:com="http://schemas.openxmlformats.org/drawingml/2006/compatibility" xmlns:p14="http://schemas.microsoft.com/office/powerpoint/2010/main" xmlns:p15="http://schemas.microsoft.com/office/powerpoint/2012/main" matchingName="Content with Caption" type="objTx">
+<p:sldLayout xmlns:a="http://schemas.openxmlformats.org/drawingml/2006/main" xmlns:r="http://schemas.openxmlformats.org/officeDocument/2006/relationships" xmlns:mc="http://schemas.openxmlformats.org/markup-compatibility/2006" xmlns:mv="urn:schemas-microsoft-com:mac:vml" xmlns:p="http://schemas.openxmlformats.org/presentationml/2006/main" xmlns:c="http://schemas.openxmlformats.org/drawingml/2006/chart" xmlns:dgm="http://schemas.openxmlformats.org/drawingml/2006/diagram" xmlns:o="urn:schemas-microsoft-com:office:office" xmlns:v="urn:schemas-microsoft-com:vml" xmlns:pvml="urn:schemas-microsoft-com:office:powerpoint" xmlns:com="http://schemas.openxmlformats.org/drawingml/2006/compatibility" xmlns:p14="http://schemas.microsoft.com/office/powerpoint/2010/main" xmlns:p15="http://schemas.microsoft.com/office/powerpoint/2012/main" xmlns:ahyp="http://schemas.microsoft.com/office/drawing/2018/hyperlinkcolor" matchingName="Content with Caption" type="objTx">
   <p:cSld name="OBJECT_WITH_CAPTION_TEXT">
     <p:spTree>
       <p:nvGrpSpPr>
@@ -14874,7 +14874,7 @@
 </file>
 
 <file path=ppt/slideMasters/slideMaster1.xml><?xml version="1.0" encoding="utf-8"?>
-<p:sldMaster xmlns:a="http://schemas.openxmlformats.org/drawingml/2006/main" xmlns:r="http://schemas.openxmlformats.org/officeDocument/2006/relationships" xmlns:mc="http://schemas.openxmlformats.org/markup-compatibility/2006" xmlns:mv="urn:schemas-microsoft-com:mac:vml" xmlns:p="http://schemas.openxmlformats.org/presentationml/2006/main" xmlns:c="http://schemas.openxmlformats.org/drawingml/2006/chart" xmlns:dgm="http://schemas.openxmlformats.org/drawingml/2006/diagram" xmlns:o="urn:schemas-microsoft-com:office:office" xmlns:v="urn:schemas-microsoft-com:vml" xmlns:pvml="urn:schemas-microsoft-com:office:powerpoint" xmlns:com="http://schemas.openxmlformats.org/drawingml/2006/compatibility" xmlns:p14="http://schemas.microsoft.com/office/powerpoint/2010/main" xmlns:p15="http://schemas.microsoft.com/office/powerpoint/2012/main">
+<p:sldMaster xmlns:a="http://schemas.openxmlformats.org/drawingml/2006/main" xmlns:r="http://schemas.openxmlformats.org/officeDocument/2006/relationships" xmlns:mc="http://schemas.openxmlformats.org/markup-compatibility/2006" xmlns:mv="urn:schemas-microsoft-com:mac:vml" xmlns:p="http://schemas.openxmlformats.org/presentationml/2006/main" xmlns:c="http://schemas.openxmlformats.org/drawingml/2006/chart" xmlns:dgm="http://schemas.openxmlformats.org/drawingml/2006/diagram" xmlns:o="urn:schemas-microsoft-com:office:office" xmlns:v="urn:schemas-microsoft-com:vml" xmlns:pvml="urn:schemas-microsoft-com:office:powerpoint" xmlns:com="http://schemas.openxmlformats.org/drawingml/2006/compatibility" xmlns:p14="http://schemas.microsoft.com/office/powerpoint/2010/main" xmlns:p15="http://schemas.microsoft.com/office/powerpoint/2012/main" xmlns:ahyp="http://schemas.microsoft.com/office/drawing/2018/hyperlinkcolor">
   <p:cSld>
     <p:bg>
       <p:bgPr>
@@ -15377,7 +15377,13 @@
                 <a:ea typeface="Montserrat"/>
                 <a:cs typeface="Montserrat"/>
                 <a:sym typeface="Montserrat"/>
-                <a:hlinkClick r:id="rId1"/>
+                <a:hlinkClick r:id="rId1">
+                  <a:extLst>
+                    <a:ext uri="{A12FA001-AC4F-418D-AE19-62706E023703}">
+                      <ahyp:hlinkClr val="tx"/>
+                    </a:ext>
+                  </a:extLst>
+                </a:hlinkClick>
               </a:rPr>
               <a:t>http://creativecommons.org/licenses/by-nc-sa/4.0/</a:t>
             </a:r>
@@ -16135,7 +16141,7 @@
 </file>
 
 <file path=ppt/slides/slide1.xml><?xml version="1.0" encoding="utf-8"?>
-<p:sld xmlns:a="http://schemas.openxmlformats.org/drawingml/2006/main" xmlns:r="http://schemas.openxmlformats.org/officeDocument/2006/relationships" xmlns:mc="http://schemas.openxmlformats.org/markup-compatibility/2006" xmlns:mv="urn:schemas-microsoft-com:mac:vml" xmlns:p="http://schemas.openxmlformats.org/presentationml/2006/main" xmlns:c="http://schemas.openxmlformats.org/drawingml/2006/chart" xmlns:dgm="http://schemas.openxmlformats.org/drawingml/2006/diagram" xmlns:o="urn:schemas-microsoft-com:office:office" xmlns:v="urn:schemas-microsoft-com:vml" xmlns:pvml="urn:schemas-microsoft-com:office:powerpoint" xmlns:com="http://schemas.openxmlformats.org/drawingml/2006/compatibility" xmlns:p14="http://schemas.microsoft.com/office/powerpoint/2010/main" xmlns:p15="http://schemas.microsoft.com/office/powerpoint/2012/main">
+<p:sld xmlns:a="http://schemas.openxmlformats.org/drawingml/2006/main" xmlns:r="http://schemas.openxmlformats.org/officeDocument/2006/relationships" xmlns:mc="http://schemas.openxmlformats.org/markup-compatibility/2006" xmlns:mv="urn:schemas-microsoft-com:mac:vml" xmlns:p="http://schemas.openxmlformats.org/presentationml/2006/main" xmlns:c="http://schemas.openxmlformats.org/drawingml/2006/chart" xmlns:dgm="http://schemas.openxmlformats.org/drawingml/2006/diagram" xmlns:o="urn:schemas-microsoft-com:office:office" xmlns:v="urn:schemas-microsoft-com:vml" xmlns:pvml="urn:schemas-microsoft-com:office:powerpoint" xmlns:com="http://schemas.openxmlformats.org/drawingml/2006/compatibility" xmlns:p14="http://schemas.microsoft.com/office/powerpoint/2010/main" xmlns:p15="http://schemas.microsoft.com/office/powerpoint/2012/main" xmlns:ahyp="http://schemas.microsoft.com/office/drawing/2018/hyperlinkcolor">
   <p:cSld>
     <p:spTree>
       <p:nvGrpSpPr>
@@ -16319,7 +16325,7 @@
 </file>
 
 <file path=ppt/slides/slide10.xml><?xml version="1.0" encoding="utf-8"?>
-<p:sld xmlns:a="http://schemas.openxmlformats.org/drawingml/2006/main" xmlns:r="http://schemas.openxmlformats.org/officeDocument/2006/relationships" xmlns:mc="http://schemas.openxmlformats.org/markup-compatibility/2006" xmlns:mv="urn:schemas-microsoft-com:mac:vml" xmlns:p="http://schemas.openxmlformats.org/presentationml/2006/main" xmlns:c="http://schemas.openxmlformats.org/drawingml/2006/chart" xmlns:dgm="http://schemas.openxmlformats.org/drawingml/2006/diagram" xmlns:o="urn:schemas-microsoft-com:office:office" xmlns:v="urn:schemas-microsoft-com:vml" xmlns:pvml="urn:schemas-microsoft-com:office:powerpoint" xmlns:com="http://schemas.openxmlformats.org/drawingml/2006/compatibility" xmlns:p14="http://schemas.microsoft.com/office/powerpoint/2010/main" xmlns:p15="http://schemas.microsoft.com/office/powerpoint/2012/main">
+<p:sld xmlns:a="http://schemas.openxmlformats.org/drawingml/2006/main" xmlns:r="http://schemas.openxmlformats.org/officeDocument/2006/relationships" xmlns:mc="http://schemas.openxmlformats.org/markup-compatibility/2006" xmlns:mv="urn:schemas-microsoft-com:mac:vml" xmlns:p="http://schemas.openxmlformats.org/presentationml/2006/main" xmlns:c="http://schemas.openxmlformats.org/drawingml/2006/chart" xmlns:dgm="http://schemas.openxmlformats.org/drawingml/2006/diagram" xmlns:o="urn:schemas-microsoft-com:office:office" xmlns:v="urn:schemas-microsoft-com:vml" xmlns:pvml="urn:schemas-microsoft-com:office:powerpoint" xmlns:com="http://schemas.openxmlformats.org/drawingml/2006/compatibility" xmlns:p14="http://schemas.microsoft.com/office/powerpoint/2010/main" xmlns:p15="http://schemas.microsoft.com/office/powerpoint/2012/main" xmlns:ahyp="http://schemas.microsoft.com/office/drawing/2018/hyperlinkcolor">
   <p:cSld>
     <p:spTree>
       <p:nvGrpSpPr>
@@ -16419,7 +16425,7 @@
 </file>
 
 <file path=ppt/slides/slide11.xml><?xml version="1.0" encoding="utf-8"?>
-<p:sld xmlns:a="http://schemas.openxmlformats.org/drawingml/2006/main" xmlns:r="http://schemas.openxmlformats.org/officeDocument/2006/relationships" xmlns:mc="http://schemas.openxmlformats.org/markup-compatibility/2006" xmlns:mv="urn:schemas-microsoft-com:mac:vml" xmlns:p="http://schemas.openxmlformats.org/presentationml/2006/main" xmlns:c="http://schemas.openxmlformats.org/drawingml/2006/chart" xmlns:dgm="http://schemas.openxmlformats.org/drawingml/2006/diagram" xmlns:o="urn:schemas-microsoft-com:office:office" xmlns:v="urn:schemas-microsoft-com:vml" xmlns:pvml="urn:schemas-microsoft-com:office:powerpoint" xmlns:com="http://schemas.openxmlformats.org/drawingml/2006/compatibility" xmlns:p14="http://schemas.microsoft.com/office/powerpoint/2010/main" xmlns:p15="http://schemas.microsoft.com/office/powerpoint/2012/main">
+<p:sld xmlns:a="http://schemas.openxmlformats.org/drawingml/2006/main" xmlns:r="http://schemas.openxmlformats.org/officeDocument/2006/relationships" xmlns:mc="http://schemas.openxmlformats.org/markup-compatibility/2006" xmlns:mv="urn:schemas-microsoft-com:mac:vml" xmlns:p="http://schemas.openxmlformats.org/presentationml/2006/main" xmlns:c="http://schemas.openxmlformats.org/drawingml/2006/chart" xmlns:dgm="http://schemas.openxmlformats.org/drawingml/2006/diagram" xmlns:o="urn:schemas-microsoft-com:office:office" xmlns:v="urn:schemas-microsoft-com:vml" xmlns:pvml="urn:schemas-microsoft-com:office:powerpoint" xmlns:com="http://schemas.openxmlformats.org/drawingml/2006/compatibility" xmlns:p14="http://schemas.microsoft.com/office/powerpoint/2010/main" xmlns:p15="http://schemas.microsoft.com/office/powerpoint/2012/main" xmlns:ahyp="http://schemas.microsoft.com/office/drawing/2018/hyperlinkcolor">
   <p:cSld>
     <p:spTree>
       <p:nvGrpSpPr>
@@ -16963,7 +16969,7 @@
 </file>
 
 <file path=ppt/slides/slide12.xml><?xml version="1.0" encoding="utf-8"?>
-<p:sld xmlns:a="http://schemas.openxmlformats.org/drawingml/2006/main" xmlns:r="http://schemas.openxmlformats.org/officeDocument/2006/relationships" xmlns:mc="http://schemas.openxmlformats.org/markup-compatibility/2006" xmlns:mv="urn:schemas-microsoft-com:mac:vml" xmlns:p="http://schemas.openxmlformats.org/presentationml/2006/main" xmlns:c="http://schemas.openxmlformats.org/drawingml/2006/chart" xmlns:dgm="http://schemas.openxmlformats.org/drawingml/2006/diagram" xmlns:o="urn:schemas-microsoft-com:office:office" xmlns:v="urn:schemas-microsoft-com:vml" xmlns:pvml="urn:schemas-microsoft-com:office:powerpoint" xmlns:com="http://schemas.openxmlformats.org/drawingml/2006/compatibility" xmlns:p14="http://schemas.microsoft.com/office/powerpoint/2010/main" xmlns:p15="http://schemas.microsoft.com/office/powerpoint/2012/main">
+<p:sld xmlns:a="http://schemas.openxmlformats.org/drawingml/2006/main" xmlns:r="http://schemas.openxmlformats.org/officeDocument/2006/relationships" xmlns:mc="http://schemas.openxmlformats.org/markup-compatibility/2006" xmlns:mv="urn:schemas-microsoft-com:mac:vml" xmlns:p="http://schemas.openxmlformats.org/presentationml/2006/main" xmlns:c="http://schemas.openxmlformats.org/drawingml/2006/chart" xmlns:dgm="http://schemas.openxmlformats.org/drawingml/2006/diagram" xmlns:o="urn:schemas-microsoft-com:office:office" xmlns:v="urn:schemas-microsoft-com:vml" xmlns:pvml="urn:schemas-microsoft-com:office:powerpoint" xmlns:com="http://schemas.openxmlformats.org/drawingml/2006/compatibility" xmlns:p14="http://schemas.microsoft.com/office/powerpoint/2010/main" xmlns:p15="http://schemas.microsoft.com/office/powerpoint/2012/main" xmlns:ahyp="http://schemas.microsoft.com/office/drawing/2018/hyperlinkcolor">
   <p:cSld>
     <p:spTree>
       <p:nvGrpSpPr>
@@ -17885,7 +17891,7 @@
 </file>
 
 <file path=ppt/slides/slide13.xml><?xml version="1.0" encoding="utf-8"?>
-<p:sld xmlns:a="http://schemas.openxmlformats.org/drawingml/2006/main" xmlns:r="http://schemas.openxmlformats.org/officeDocument/2006/relationships" xmlns:mc="http://schemas.openxmlformats.org/markup-compatibility/2006" xmlns:mv="urn:schemas-microsoft-com:mac:vml" xmlns:p="http://schemas.openxmlformats.org/presentationml/2006/main" xmlns:c="http://schemas.openxmlformats.org/drawingml/2006/chart" xmlns:dgm="http://schemas.openxmlformats.org/drawingml/2006/diagram" xmlns:o="urn:schemas-microsoft-com:office:office" xmlns:v="urn:schemas-microsoft-com:vml" xmlns:pvml="urn:schemas-microsoft-com:office:powerpoint" xmlns:com="http://schemas.openxmlformats.org/drawingml/2006/compatibility" xmlns:p14="http://schemas.microsoft.com/office/powerpoint/2010/main" xmlns:p15="http://schemas.microsoft.com/office/powerpoint/2012/main">
+<p:sld xmlns:a="http://schemas.openxmlformats.org/drawingml/2006/main" xmlns:r="http://schemas.openxmlformats.org/officeDocument/2006/relationships" xmlns:mc="http://schemas.openxmlformats.org/markup-compatibility/2006" xmlns:mv="urn:schemas-microsoft-com:mac:vml" xmlns:p="http://schemas.openxmlformats.org/presentationml/2006/main" xmlns:c="http://schemas.openxmlformats.org/drawingml/2006/chart" xmlns:dgm="http://schemas.openxmlformats.org/drawingml/2006/diagram" xmlns:o="urn:schemas-microsoft-com:office:office" xmlns:v="urn:schemas-microsoft-com:vml" xmlns:pvml="urn:schemas-microsoft-com:office:powerpoint" xmlns:com="http://schemas.openxmlformats.org/drawingml/2006/compatibility" xmlns:p14="http://schemas.microsoft.com/office/powerpoint/2010/main" xmlns:p15="http://schemas.microsoft.com/office/powerpoint/2012/main" xmlns:ahyp="http://schemas.microsoft.com/office/drawing/2018/hyperlinkcolor">
   <p:cSld>
     <p:spTree>
       <p:nvGrpSpPr>
@@ -18006,7 +18012,7 @@
 </file>
 
 <file path=ppt/slides/slide14.xml><?xml version="1.0" encoding="utf-8"?>
-<p:sld xmlns:a="http://schemas.openxmlformats.org/drawingml/2006/main" xmlns:r="http://schemas.openxmlformats.org/officeDocument/2006/relationships" xmlns:mc="http://schemas.openxmlformats.org/markup-compatibility/2006" xmlns:mv="urn:schemas-microsoft-com:mac:vml" xmlns:p="http://schemas.openxmlformats.org/presentationml/2006/main" xmlns:c="http://schemas.openxmlformats.org/drawingml/2006/chart" xmlns:dgm="http://schemas.openxmlformats.org/drawingml/2006/diagram" xmlns:o="urn:schemas-microsoft-com:office:office" xmlns:v="urn:schemas-microsoft-com:vml" xmlns:pvml="urn:schemas-microsoft-com:office:powerpoint" xmlns:com="http://schemas.openxmlformats.org/drawingml/2006/compatibility" xmlns:p14="http://schemas.microsoft.com/office/powerpoint/2010/main" xmlns:p15="http://schemas.microsoft.com/office/powerpoint/2012/main">
+<p:sld xmlns:a="http://schemas.openxmlformats.org/drawingml/2006/main" xmlns:r="http://schemas.openxmlformats.org/officeDocument/2006/relationships" xmlns:mc="http://schemas.openxmlformats.org/markup-compatibility/2006" xmlns:mv="urn:schemas-microsoft-com:mac:vml" xmlns:p="http://schemas.openxmlformats.org/presentationml/2006/main" xmlns:c="http://schemas.openxmlformats.org/drawingml/2006/chart" xmlns:dgm="http://schemas.openxmlformats.org/drawingml/2006/diagram" xmlns:o="urn:schemas-microsoft-com:office:office" xmlns:v="urn:schemas-microsoft-com:vml" xmlns:pvml="urn:schemas-microsoft-com:office:powerpoint" xmlns:com="http://schemas.openxmlformats.org/drawingml/2006/compatibility" xmlns:p14="http://schemas.microsoft.com/office/powerpoint/2010/main" xmlns:p15="http://schemas.microsoft.com/office/powerpoint/2012/main" xmlns:ahyp="http://schemas.microsoft.com/office/drawing/2018/hyperlinkcolor">
   <p:cSld>
     <p:spTree>
       <p:nvGrpSpPr>
@@ -18058,7 +18064,7 @@
 </file>
 
 <file path=ppt/slides/slide15.xml><?xml version="1.0" encoding="utf-8"?>
-<p:sld xmlns:a="http://schemas.openxmlformats.org/drawingml/2006/main" xmlns:r="http://schemas.openxmlformats.org/officeDocument/2006/relationships" xmlns:mc="http://schemas.openxmlformats.org/markup-compatibility/2006" xmlns:mv="urn:schemas-microsoft-com:mac:vml" xmlns:p="http://schemas.openxmlformats.org/presentationml/2006/main" xmlns:c="http://schemas.openxmlformats.org/drawingml/2006/chart" xmlns:dgm="http://schemas.openxmlformats.org/drawingml/2006/diagram" xmlns:o="urn:schemas-microsoft-com:office:office" xmlns:v="urn:schemas-microsoft-com:vml" xmlns:pvml="urn:schemas-microsoft-com:office:powerpoint" xmlns:com="http://schemas.openxmlformats.org/drawingml/2006/compatibility" xmlns:p14="http://schemas.microsoft.com/office/powerpoint/2010/main" xmlns:p15="http://schemas.microsoft.com/office/powerpoint/2012/main">
+<p:sld xmlns:a="http://schemas.openxmlformats.org/drawingml/2006/main" xmlns:r="http://schemas.openxmlformats.org/officeDocument/2006/relationships" xmlns:mc="http://schemas.openxmlformats.org/markup-compatibility/2006" xmlns:mv="urn:schemas-microsoft-com:mac:vml" xmlns:p="http://schemas.openxmlformats.org/presentationml/2006/main" xmlns:c="http://schemas.openxmlformats.org/drawingml/2006/chart" xmlns:dgm="http://schemas.openxmlformats.org/drawingml/2006/diagram" xmlns:o="urn:schemas-microsoft-com:office:office" xmlns:v="urn:schemas-microsoft-com:vml" xmlns:pvml="urn:schemas-microsoft-com:office:powerpoint" xmlns:com="http://schemas.openxmlformats.org/drawingml/2006/compatibility" xmlns:p14="http://schemas.microsoft.com/office/powerpoint/2010/main" xmlns:p15="http://schemas.microsoft.com/office/powerpoint/2012/main" xmlns:ahyp="http://schemas.microsoft.com/office/drawing/2018/hyperlinkcolor">
   <p:cSld>
     <p:spTree>
       <p:nvGrpSpPr>
@@ -18288,7 +18294,7 @@
 </file>
 
 <file path=ppt/slides/slide16.xml><?xml version="1.0" encoding="utf-8"?>
-<p:sld xmlns:a="http://schemas.openxmlformats.org/drawingml/2006/main" xmlns:r="http://schemas.openxmlformats.org/officeDocument/2006/relationships" xmlns:mc="http://schemas.openxmlformats.org/markup-compatibility/2006" xmlns:mv="urn:schemas-microsoft-com:mac:vml" xmlns:p="http://schemas.openxmlformats.org/presentationml/2006/main" xmlns:c="http://schemas.openxmlformats.org/drawingml/2006/chart" xmlns:dgm="http://schemas.openxmlformats.org/drawingml/2006/diagram" xmlns:o="urn:schemas-microsoft-com:office:office" xmlns:v="urn:schemas-microsoft-com:vml" xmlns:pvml="urn:schemas-microsoft-com:office:powerpoint" xmlns:com="http://schemas.openxmlformats.org/drawingml/2006/compatibility" xmlns:p14="http://schemas.microsoft.com/office/powerpoint/2010/main" xmlns:p15="http://schemas.microsoft.com/office/powerpoint/2012/main">
+<p:sld xmlns:a="http://schemas.openxmlformats.org/drawingml/2006/main" xmlns:r="http://schemas.openxmlformats.org/officeDocument/2006/relationships" xmlns:mc="http://schemas.openxmlformats.org/markup-compatibility/2006" xmlns:mv="urn:schemas-microsoft-com:mac:vml" xmlns:p="http://schemas.openxmlformats.org/presentationml/2006/main" xmlns:c="http://schemas.openxmlformats.org/drawingml/2006/chart" xmlns:dgm="http://schemas.openxmlformats.org/drawingml/2006/diagram" xmlns:o="urn:schemas-microsoft-com:office:office" xmlns:v="urn:schemas-microsoft-com:vml" xmlns:pvml="urn:schemas-microsoft-com:office:powerpoint" xmlns:com="http://schemas.openxmlformats.org/drawingml/2006/compatibility" xmlns:p14="http://schemas.microsoft.com/office/powerpoint/2010/main" xmlns:p15="http://schemas.microsoft.com/office/powerpoint/2012/main" xmlns:ahyp="http://schemas.microsoft.com/office/drawing/2018/hyperlinkcolor">
   <p:cSld>
     <p:spTree>
       <p:nvGrpSpPr>
@@ -18391,7 +18397,7 @@
 </file>
 
 <file path=ppt/slides/slide17.xml><?xml version="1.0" encoding="utf-8"?>
-<p:sld xmlns:a="http://schemas.openxmlformats.org/drawingml/2006/main" xmlns:r="http://schemas.openxmlformats.org/officeDocument/2006/relationships" xmlns:mc="http://schemas.openxmlformats.org/markup-compatibility/2006" xmlns:mv="urn:schemas-microsoft-com:mac:vml" xmlns:p="http://schemas.openxmlformats.org/presentationml/2006/main" xmlns:c="http://schemas.openxmlformats.org/drawingml/2006/chart" xmlns:dgm="http://schemas.openxmlformats.org/drawingml/2006/diagram" xmlns:o="urn:schemas-microsoft-com:office:office" xmlns:v="urn:schemas-microsoft-com:vml" xmlns:pvml="urn:schemas-microsoft-com:office:powerpoint" xmlns:com="http://schemas.openxmlformats.org/drawingml/2006/compatibility" xmlns:p14="http://schemas.microsoft.com/office/powerpoint/2010/main" xmlns:p15="http://schemas.microsoft.com/office/powerpoint/2012/main">
+<p:sld xmlns:a="http://schemas.openxmlformats.org/drawingml/2006/main" xmlns:r="http://schemas.openxmlformats.org/officeDocument/2006/relationships" xmlns:mc="http://schemas.openxmlformats.org/markup-compatibility/2006" xmlns:mv="urn:schemas-microsoft-com:mac:vml" xmlns:p="http://schemas.openxmlformats.org/presentationml/2006/main" xmlns:c="http://schemas.openxmlformats.org/drawingml/2006/chart" xmlns:dgm="http://schemas.openxmlformats.org/drawingml/2006/diagram" xmlns:o="urn:schemas-microsoft-com:office:office" xmlns:v="urn:schemas-microsoft-com:vml" xmlns:pvml="urn:schemas-microsoft-com:office:powerpoint" xmlns:com="http://schemas.openxmlformats.org/drawingml/2006/compatibility" xmlns:p14="http://schemas.microsoft.com/office/powerpoint/2010/main" xmlns:p15="http://schemas.microsoft.com/office/powerpoint/2012/main" xmlns:ahyp="http://schemas.microsoft.com/office/drawing/2018/hyperlinkcolor">
   <p:cSld>
     <p:spTree>
       <p:nvGrpSpPr>
@@ -18552,7 +18558,7 @@
 </file>
 
 <file path=ppt/slides/slide18.xml><?xml version="1.0" encoding="utf-8"?>
-<p:sld xmlns:a="http://schemas.openxmlformats.org/drawingml/2006/main" xmlns:r="http://schemas.openxmlformats.org/officeDocument/2006/relationships" xmlns:mc="http://schemas.openxmlformats.org/markup-compatibility/2006" xmlns:mv="urn:schemas-microsoft-com:mac:vml" xmlns:p="http://schemas.openxmlformats.org/presentationml/2006/main" xmlns:c="http://schemas.openxmlformats.org/drawingml/2006/chart" xmlns:dgm="http://schemas.openxmlformats.org/drawingml/2006/diagram" xmlns:o="urn:schemas-microsoft-com:office:office" xmlns:v="urn:schemas-microsoft-com:vml" xmlns:pvml="urn:schemas-microsoft-com:office:powerpoint" xmlns:com="http://schemas.openxmlformats.org/drawingml/2006/compatibility" xmlns:p14="http://schemas.microsoft.com/office/powerpoint/2010/main" xmlns:p15="http://schemas.microsoft.com/office/powerpoint/2012/main">
+<p:sld xmlns:a="http://schemas.openxmlformats.org/drawingml/2006/main" xmlns:r="http://schemas.openxmlformats.org/officeDocument/2006/relationships" xmlns:mc="http://schemas.openxmlformats.org/markup-compatibility/2006" xmlns:mv="urn:schemas-microsoft-com:mac:vml" xmlns:p="http://schemas.openxmlformats.org/presentationml/2006/main" xmlns:c="http://schemas.openxmlformats.org/drawingml/2006/chart" xmlns:dgm="http://schemas.openxmlformats.org/drawingml/2006/diagram" xmlns:o="urn:schemas-microsoft-com:office:office" xmlns:v="urn:schemas-microsoft-com:vml" xmlns:pvml="urn:schemas-microsoft-com:office:powerpoint" xmlns:com="http://schemas.openxmlformats.org/drawingml/2006/compatibility" xmlns:p14="http://schemas.microsoft.com/office/powerpoint/2010/main" xmlns:p15="http://schemas.microsoft.com/office/powerpoint/2012/main" xmlns:ahyp="http://schemas.microsoft.com/office/drawing/2018/hyperlinkcolor">
   <p:cSld>
     <p:spTree>
       <p:nvGrpSpPr>
@@ -18685,7 +18691,7 @@
 </file>
 
 <file path=ppt/slides/slide19.xml><?xml version="1.0" encoding="utf-8"?>
-<p:sld xmlns:a="http://schemas.openxmlformats.org/drawingml/2006/main" xmlns:r="http://schemas.openxmlformats.org/officeDocument/2006/relationships" xmlns:mc="http://schemas.openxmlformats.org/markup-compatibility/2006" xmlns:mv="urn:schemas-microsoft-com:mac:vml" xmlns:p="http://schemas.openxmlformats.org/presentationml/2006/main" xmlns:c="http://schemas.openxmlformats.org/drawingml/2006/chart" xmlns:dgm="http://schemas.openxmlformats.org/drawingml/2006/diagram" xmlns:o="urn:schemas-microsoft-com:office:office" xmlns:v="urn:schemas-microsoft-com:vml" xmlns:pvml="urn:schemas-microsoft-com:office:powerpoint" xmlns:com="http://schemas.openxmlformats.org/drawingml/2006/compatibility" xmlns:p14="http://schemas.microsoft.com/office/powerpoint/2010/main" xmlns:p15="http://schemas.microsoft.com/office/powerpoint/2012/main">
+<p:sld xmlns:a="http://schemas.openxmlformats.org/drawingml/2006/main" xmlns:r="http://schemas.openxmlformats.org/officeDocument/2006/relationships" xmlns:mc="http://schemas.openxmlformats.org/markup-compatibility/2006" xmlns:mv="urn:schemas-microsoft-com:mac:vml" xmlns:p="http://schemas.openxmlformats.org/presentationml/2006/main" xmlns:c="http://schemas.openxmlformats.org/drawingml/2006/chart" xmlns:dgm="http://schemas.openxmlformats.org/drawingml/2006/diagram" xmlns:o="urn:schemas-microsoft-com:office:office" xmlns:v="urn:schemas-microsoft-com:vml" xmlns:pvml="urn:schemas-microsoft-com:office:powerpoint" xmlns:com="http://schemas.openxmlformats.org/drawingml/2006/compatibility" xmlns:p14="http://schemas.microsoft.com/office/powerpoint/2010/main" xmlns:p15="http://schemas.microsoft.com/office/powerpoint/2012/main" xmlns:ahyp="http://schemas.microsoft.com/office/drawing/2018/hyperlinkcolor">
   <p:cSld>
     <p:spTree>
       <p:nvGrpSpPr>
@@ -19352,7 +19358,7 @@
 </file>
 
 <file path=ppt/slides/slide2.xml><?xml version="1.0" encoding="utf-8"?>
-<p:sld xmlns:a="http://schemas.openxmlformats.org/drawingml/2006/main" xmlns:r="http://schemas.openxmlformats.org/officeDocument/2006/relationships" xmlns:mc="http://schemas.openxmlformats.org/markup-compatibility/2006" xmlns:mv="urn:schemas-microsoft-com:mac:vml" xmlns:p="http://schemas.openxmlformats.org/presentationml/2006/main" xmlns:c="http://schemas.openxmlformats.org/drawingml/2006/chart" xmlns:dgm="http://schemas.openxmlformats.org/drawingml/2006/diagram" xmlns:o="urn:schemas-microsoft-com:office:office" xmlns:v="urn:schemas-microsoft-com:vml" xmlns:pvml="urn:schemas-microsoft-com:office:powerpoint" xmlns:com="http://schemas.openxmlformats.org/drawingml/2006/compatibility" xmlns:p14="http://schemas.microsoft.com/office/powerpoint/2010/main" xmlns:p15="http://schemas.microsoft.com/office/powerpoint/2012/main">
+<p:sld xmlns:a="http://schemas.openxmlformats.org/drawingml/2006/main" xmlns:r="http://schemas.openxmlformats.org/officeDocument/2006/relationships" xmlns:mc="http://schemas.openxmlformats.org/markup-compatibility/2006" xmlns:mv="urn:schemas-microsoft-com:mac:vml" xmlns:p="http://schemas.openxmlformats.org/presentationml/2006/main" xmlns:c="http://schemas.openxmlformats.org/drawingml/2006/chart" xmlns:dgm="http://schemas.openxmlformats.org/drawingml/2006/diagram" xmlns:o="urn:schemas-microsoft-com:office:office" xmlns:v="urn:schemas-microsoft-com:vml" xmlns:pvml="urn:schemas-microsoft-com:office:powerpoint" xmlns:com="http://schemas.openxmlformats.org/drawingml/2006/compatibility" xmlns:p14="http://schemas.microsoft.com/office/powerpoint/2010/main" xmlns:p15="http://schemas.microsoft.com/office/powerpoint/2012/main" xmlns:ahyp="http://schemas.microsoft.com/office/drawing/2018/hyperlinkcolor">
   <p:cSld>
     <p:spTree>
       <p:nvGrpSpPr>
@@ -19533,7 +19539,7 @@
 </file>
 
 <file path=ppt/slides/slide20.xml><?xml version="1.0" encoding="utf-8"?>
-<p:sld xmlns:a="http://schemas.openxmlformats.org/drawingml/2006/main" xmlns:r="http://schemas.openxmlformats.org/officeDocument/2006/relationships" xmlns:mc="http://schemas.openxmlformats.org/markup-compatibility/2006" xmlns:mv="urn:schemas-microsoft-com:mac:vml" xmlns:p="http://schemas.openxmlformats.org/presentationml/2006/main" xmlns:c="http://schemas.openxmlformats.org/drawingml/2006/chart" xmlns:dgm="http://schemas.openxmlformats.org/drawingml/2006/diagram" xmlns:o="urn:schemas-microsoft-com:office:office" xmlns:v="urn:schemas-microsoft-com:vml" xmlns:pvml="urn:schemas-microsoft-com:office:powerpoint" xmlns:com="http://schemas.openxmlformats.org/drawingml/2006/compatibility" xmlns:p14="http://schemas.microsoft.com/office/powerpoint/2010/main" xmlns:p15="http://schemas.microsoft.com/office/powerpoint/2012/main">
+<p:sld xmlns:a="http://schemas.openxmlformats.org/drawingml/2006/main" xmlns:r="http://schemas.openxmlformats.org/officeDocument/2006/relationships" xmlns:mc="http://schemas.openxmlformats.org/markup-compatibility/2006" xmlns:mv="urn:schemas-microsoft-com:mac:vml" xmlns:p="http://schemas.openxmlformats.org/presentationml/2006/main" xmlns:c="http://schemas.openxmlformats.org/drawingml/2006/chart" xmlns:dgm="http://schemas.openxmlformats.org/drawingml/2006/diagram" xmlns:o="urn:schemas-microsoft-com:office:office" xmlns:v="urn:schemas-microsoft-com:vml" xmlns:pvml="urn:schemas-microsoft-com:office:powerpoint" xmlns:com="http://schemas.openxmlformats.org/drawingml/2006/compatibility" xmlns:p14="http://schemas.microsoft.com/office/powerpoint/2010/main" xmlns:p15="http://schemas.microsoft.com/office/powerpoint/2012/main" xmlns:ahyp="http://schemas.microsoft.com/office/drawing/2018/hyperlinkcolor">
   <p:cSld>
     <p:spTree>
       <p:nvGrpSpPr>
@@ -19642,7 +19648,7 @@
 </file>
 
 <file path=ppt/slides/slide21.xml><?xml version="1.0" encoding="utf-8"?>
-<p:sld xmlns:a="http://schemas.openxmlformats.org/drawingml/2006/main" xmlns:r="http://schemas.openxmlformats.org/officeDocument/2006/relationships" xmlns:mc="http://schemas.openxmlformats.org/markup-compatibility/2006" xmlns:mv="urn:schemas-microsoft-com:mac:vml" xmlns:p="http://schemas.openxmlformats.org/presentationml/2006/main" xmlns:c="http://schemas.openxmlformats.org/drawingml/2006/chart" xmlns:dgm="http://schemas.openxmlformats.org/drawingml/2006/diagram" xmlns:o="urn:schemas-microsoft-com:office:office" xmlns:v="urn:schemas-microsoft-com:vml" xmlns:pvml="urn:schemas-microsoft-com:office:powerpoint" xmlns:com="http://schemas.openxmlformats.org/drawingml/2006/compatibility" xmlns:p14="http://schemas.microsoft.com/office/powerpoint/2010/main" xmlns:p15="http://schemas.microsoft.com/office/powerpoint/2012/main">
+<p:sld xmlns:a="http://schemas.openxmlformats.org/drawingml/2006/main" xmlns:r="http://schemas.openxmlformats.org/officeDocument/2006/relationships" xmlns:mc="http://schemas.openxmlformats.org/markup-compatibility/2006" xmlns:mv="urn:schemas-microsoft-com:mac:vml" xmlns:p="http://schemas.openxmlformats.org/presentationml/2006/main" xmlns:c="http://schemas.openxmlformats.org/drawingml/2006/chart" xmlns:dgm="http://schemas.openxmlformats.org/drawingml/2006/diagram" xmlns:o="urn:schemas-microsoft-com:office:office" xmlns:v="urn:schemas-microsoft-com:vml" xmlns:pvml="urn:schemas-microsoft-com:office:powerpoint" xmlns:com="http://schemas.openxmlformats.org/drawingml/2006/compatibility" xmlns:p14="http://schemas.microsoft.com/office/powerpoint/2010/main" xmlns:p15="http://schemas.microsoft.com/office/powerpoint/2012/main" xmlns:ahyp="http://schemas.microsoft.com/office/drawing/2018/hyperlinkcolor">
   <p:cSld>
     <p:spTree>
       <p:nvGrpSpPr>
@@ -19804,7 +19810,7 @@
 </file>
 
 <file path=ppt/slides/slide22.xml><?xml version="1.0" encoding="utf-8"?>
-<p:sld xmlns:a="http://schemas.openxmlformats.org/drawingml/2006/main" xmlns:r="http://schemas.openxmlformats.org/officeDocument/2006/relationships" xmlns:mc="http://schemas.openxmlformats.org/markup-compatibility/2006" xmlns:mv="urn:schemas-microsoft-com:mac:vml" xmlns:p="http://schemas.openxmlformats.org/presentationml/2006/main" xmlns:c="http://schemas.openxmlformats.org/drawingml/2006/chart" xmlns:dgm="http://schemas.openxmlformats.org/drawingml/2006/diagram" xmlns:o="urn:schemas-microsoft-com:office:office" xmlns:v="urn:schemas-microsoft-com:vml" xmlns:pvml="urn:schemas-microsoft-com:office:powerpoint" xmlns:com="http://schemas.openxmlformats.org/drawingml/2006/compatibility" xmlns:p14="http://schemas.microsoft.com/office/powerpoint/2010/main" xmlns:p15="http://schemas.microsoft.com/office/powerpoint/2012/main">
+<p:sld xmlns:a="http://schemas.openxmlformats.org/drawingml/2006/main" xmlns:r="http://schemas.openxmlformats.org/officeDocument/2006/relationships" xmlns:mc="http://schemas.openxmlformats.org/markup-compatibility/2006" xmlns:mv="urn:schemas-microsoft-com:mac:vml" xmlns:p="http://schemas.openxmlformats.org/presentationml/2006/main" xmlns:c="http://schemas.openxmlformats.org/drawingml/2006/chart" xmlns:dgm="http://schemas.openxmlformats.org/drawingml/2006/diagram" xmlns:o="urn:schemas-microsoft-com:office:office" xmlns:v="urn:schemas-microsoft-com:vml" xmlns:pvml="urn:schemas-microsoft-com:office:powerpoint" xmlns:com="http://schemas.openxmlformats.org/drawingml/2006/compatibility" xmlns:p14="http://schemas.microsoft.com/office/powerpoint/2010/main" xmlns:p15="http://schemas.microsoft.com/office/powerpoint/2012/main" xmlns:ahyp="http://schemas.microsoft.com/office/drawing/2018/hyperlinkcolor">
   <p:cSld>
     <p:spTree>
       <p:nvGrpSpPr>
@@ -20937,7 +20943,7 @@
 </file>
 
 <file path=ppt/slides/slide23.xml><?xml version="1.0" encoding="utf-8"?>
-<p:sld xmlns:a="http://schemas.openxmlformats.org/drawingml/2006/main" xmlns:r="http://schemas.openxmlformats.org/officeDocument/2006/relationships" xmlns:mc="http://schemas.openxmlformats.org/markup-compatibility/2006" xmlns:mv="urn:schemas-microsoft-com:mac:vml" xmlns:p="http://schemas.openxmlformats.org/presentationml/2006/main" xmlns:c="http://schemas.openxmlformats.org/drawingml/2006/chart" xmlns:dgm="http://schemas.openxmlformats.org/drawingml/2006/diagram" xmlns:o="urn:schemas-microsoft-com:office:office" xmlns:v="urn:schemas-microsoft-com:vml" xmlns:pvml="urn:schemas-microsoft-com:office:powerpoint" xmlns:com="http://schemas.openxmlformats.org/drawingml/2006/compatibility" xmlns:p14="http://schemas.microsoft.com/office/powerpoint/2010/main" xmlns:p15="http://schemas.microsoft.com/office/powerpoint/2012/main">
+<p:sld xmlns:a="http://schemas.openxmlformats.org/drawingml/2006/main" xmlns:r="http://schemas.openxmlformats.org/officeDocument/2006/relationships" xmlns:mc="http://schemas.openxmlformats.org/markup-compatibility/2006" xmlns:mv="urn:schemas-microsoft-com:mac:vml" xmlns:p="http://schemas.openxmlformats.org/presentationml/2006/main" xmlns:c="http://schemas.openxmlformats.org/drawingml/2006/chart" xmlns:dgm="http://schemas.openxmlformats.org/drawingml/2006/diagram" xmlns:o="urn:schemas-microsoft-com:office:office" xmlns:v="urn:schemas-microsoft-com:vml" xmlns:pvml="urn:schemas-microsoft-com:office:powerpoint" xmlns:com="http://schemas.openxmlformats.org/drawingml/2006/compatibility" xmlns:p14="http://schemas.microsoft.com/office/powerpoint/2010/main" xmlns:p15="http://schemas.microsoft.com/office/powerpoint/2012/main" xmlns:ahyp="http://schemas.microsoft.com/office/drawing/2018/hyperlinkcolor">
   <p:cSld>
     <p:spTree>
       <p:nvGrpSpPr>
@@ -21109,7 +21115,7 @@
 </file>
 
 <file path=ppt/slides/slide24.xml><?xml version="1.0" encoding="utf-8"?>
-<p:sld xmlns:a="http://schemas.openxmlformats.org/drawingml/2006/main" xmlns:r="http://schemas.openxmlformats.org/officeDocument/2006/relationships" xmlns:mc="http://schemas.openxmlformats.org/markup-compatibility/2006" xmlns:mv="urn:schemas-microsoft-com:mac:vml" xmlns:p="http://schemas.openxmlformats.org/presentationml/2006/main" xmlns:c="http://schemas.openxmlformats.org/drawingml/2006/chart" xmlns:dgm="http://schemas.openxmlformats.org/drawingml/2006/diagram" xmlns:o="urn:schemas-microsoft-com:office:office" xmlns:v="urn:schemas-microsoft-com:vml" xmlns:pvml="urn:schemas-microsoft-com:office:powerpoint" xmlns:com="http://schemas.openxmlformats.org/drawingml/2006/compatibility" xmlns:p14="http://schemas.microsoft.com/office/powerpoint/2010/main" xmlns:p15="http://schemas.microsoft.com/office/powerpoint/2012/main">
+<p:sld xmlns:a="http://schemas.openxmlformats.org/drawingml/2006/main" xmlns:r="http://schemas.openxmlformats.org/officeDocument/2006/relationships" xmlns:mc="http://schemas.openxmlformats.org/markup-compatibility/2006" xmlns:mv="urn:schemas-microsoft-com:mac:vml" xmlns:p="http://schemas.openxmlformats.org/presentationml/2006/main" xmlns:c="http://schemas.openxmlformats.org/drawingml/2006/chart" xmlns:dgm="http://schemas.openxmlformats.org/drawingml/2006/diagram" xmlns:o="urn:schemas-microsoft-com:office:office" xmlns:v="urn:schemas-microsoft-com:vml" xmlns:pvml="urn:schemas-microsoft-com:office:powerpoint" xmlns:com="http://schemas.openxmlformats.org/drawingml/2006/compatibility" xmlns:p14="http://schemas.microsoft.com/office/powerpoint/2010/main" xmlns:p15="http://schemas.microsoft.com/office/powerpoint/2012/main" xmlns:ahyp="http://schemas.microsoft.com/office/drawing/2018/hyperlinkcolor">
   <p:cSld>
     <p:spTree>
       <p:nvGrpSpPr>
@@ -21183,7 +21189,7 @@
 </file>
 
 <file path=ppt/slides/slide3.xml><?xml version="1.0" encoding="utf-8"?>
-<p:sld xmlns:a="http://schemas.openxmlformats.org/drawingml/2006/main" xmlns:r="http://schemas.openxmlformats.org/officeDocument/2006/relationships" xmlns:mc="http://schemas.openxmlformats.org/markup-compatibility/2006" xmlns:mv="urn:schemas-microsoft-com:mac:vml" xmlns:p="http://schemas.openxmlformats.org/presentationml/2006/main" xmlns:c="http://schemas.openxmlformats.org/drawingml/2006/chart" xmlns:dgm="http://schemas.openxmlformats.org/drawingml/2006/diagram" xmlns:o="urn:schemas-microsoft-com:office:office" xmlns:v="urn:schemas-microsoft-com:vml" xmlns:pvml="urn:schemas-microsoft-com:office:powerpoint" xmlns:com="http://schemas.openxmlformats.org/drawingml/2006/compatibility" xmlns:p14="http://schemas.microsoft.com/office/powerpoint/2010/main" xmlns:p15="http://schemas.microsoft.com/office/powerpoint/2012/main">
+<p:sld xmlns:a="http://schemas.openxmlformats.org/drawingml/2006/main" xmlns:r="http://schemas.openxmlformats.org/officeDocument/2006/relationships" xmlns:mc="http://schemas.openxmlformats.org/markup-compatibility/2006" xmlns:mv="urn:schemas-microsoft-com:mac:vml" xmlns:p="http://schemas.openxmlformats.org/presentationml/2006/main" xmlns:c="http://schemas.openxmlformats.org/drawingml/2006/chart" xmlns:dgm="http://schemas.openxmlformats.org/drawingml/2006/diagram" xmlns:o="urn:schemas-microsoft-com:office:office" xmlns:v="urn:schemas-microsoft-com:vml" xmlns:pvml="urn:schemas-microsoft-com:office:powerpoint" xmlns:com="http://schemas.openxmlformats.org/drawingml/2006/compatibility" xmlns:p14="http://schemas.microsoft.com/office/powerpoint/2010/main" xmlns:p15="http://schemas.microsoft.com/office/powerpoint/2012/main" xmlns:ahyp="http://schemas.microsoft.com/office/drawing/2018/hyperlinkcolor">
   <p:cSld>
     <p:spTree>
       <p:nvGrpSpPr>
@@ -21284,7 +21290,7 @@
 </file>
 
 <file path=ppt/slides/slide4.xml><?xml version="1.0" encoding="utf-8"?>
-<p:sld xmlns:a="http://schemas.openxmlformats.org/drawingml/2006/main" xmlns:r="http://schemas.openxmlformats.org/officeDocument/2006/relationships" xmlns:mc="http://schemas.openxmlformats.org/markup-compatibility/2006" xmlns:mv="urn:schemas-microsoft-com:mac:vml" xmlns:p="http://schemas.openxmlformats.org/presentationml/2006/main" xmlns:c="http://schemas.openxmlformats.org/drawingml/2006/chart" xmlns:dgm="http://schemas.openxmlformats.org/drawingml/2006/diagram" xmlns:o="urn:schemas-microsoft-com:office:office" xmlns:v="urn:schemas-microsoft-com:vml" xmlns:pvml="urn:schemas-microsoft-com:office:powerpoint" xmlns:com="http://schemas.openxmlformats.org/drawingml/2006/compatibility" xmlns:p14="http://schemas.microsoft.com/office/powerpoint/2010/main" xmlns:p15="http://schemas.microsoft.com/office/powerpoint/2012/main">
+<p:sld xmlns:a="http://schemas.openxmlformats.org/drawingml/2006/main" xmlns:r="http://schemas.openxmlformats.org/officeDocument/2006/relationships" xmlns:mc="http://schemas.openxmlformats.org/markup-compatibility/2006" xmlns:mv="urn:schemas-microsoft-com:mac:vml" xmlns:p="http://schemas.openxmlformats.org/presentationml/2006/main" xmlns:c="http://schemas.openxmlformats.org/drawingml/2006/chart" xmlns:dgm="http://schemas.openxmlformats.org/drawingml/2006/diagram" xmlns:o="urn:schemas-microsoft-com:office:office" xmlns:v="urn:schemas-microsoft-com:vml" xmlns:pvml="urn:schemas-microsoft-com:office:powerpoint" xmlns:com="http://schemas.openxmlformats.org/drawingml/2006/compatibility" xmlns:p14="http://schemas.microsoft.com/office/powerpoint/2010/main" xmlns:p15="http://schemas.microsoft.com/office/powerpoint/2012/main" xmlns:ahyp="http://schemas.microsoft.com/office/drawing/2018/hyperlinkcolor">
   <p:cSld>
     <p:spTree>
       <p:nvGrpSpPr>
@@ -21467,7 +21473,7 @@
 </file>
 
 <file path=ppt/slides/slide5.xml><?xml version="1.0" encoding="utf-8"?>
-<p:sld xmlns:a="http://schemas.openxmlformats.org/drawingml/2006/main" xmlns:r="http://schemas.openxmlformats.org/officeDocument/2006/relationships" xmlns:mc="http://schemas.openxmlformats.org/markup-compatibility/2006" xmlns:mv="urn:schemas-microsoft-com:mac:vml" xmlns:p="http://schemas.openxmlformats.org/presentationml/2006/main" xmlns:c="http://schemas.openxmlformats.org/drawingml/2006/chart" xmlns:dgm="http://schemas.openxmlformats.org/drawingml/2006/diagram" xmlns:o="urn:schemas-microsoft-com:office:office" xmlns:v="urn:schemas-microsoft-com:vml" xmlns:pvml="urn:schemas-microsoft-com:office:powerpoint" xmlns:com="http://schemas.openxmlformats.org/drawingml/2006/compatibility" xmlns:p14="http://schemas.microsoft.com/office/powerpoint/2010/main" xmlns:p15="http://schemas.microsoft.com/office/powerpoint/2012/main">
+<p:sld xmlns:a="http://schemas.openxmlformats.org/drawingml/2006/main" xmlns:r="http://schemas.openxmlformats.org/officeDocument/2006/relationships" xmlns:mc="http://schemas.openxmlformats.org/markup-compatibility/2006" xmlns:mv="urn:schemas-microsoft-com:mac:vml" xmlns:p="http://schemas.openxmlformats.org/presentationml/2006/main" xmlns:c="http://schemas.openxmlformats.org/drawingml/2006/chart" xmlns:dgm="http://schemas.openxmlformats.org/drawingml/2006/diagram" xmlns:o="urn:schemas-microsoft-com:office:office" xmlns:v="urn:schemas-microsoft-com:vml" xmlns:pvml="urn:schemas-microsoft-com:office:powerpoint" xmlns:com="http://schemas.openxmlformats.org/drawingml/2006/compatibility" xmlns:p14="http://schemas.microsoft.com/office/powerpoint/2010/main" xmlns:p15="http://schemas.microsoft.com/office/powerpoint/2012/main" xmlns:ahyp="http://schemas.microsoft.com/office/drawing/2018/hyperlinkcolor">
   <p:cSld>
     <p:spTree>
       <p:nvGrpSpPr>
@@ -21803,7 +21809,7 @@
 </file>
 
 <file path=ppt/slides/slide6.xml><?xml version="1.0" encoding="utf-8"?>
-<p:sld xmlns:a="http://schemas.openxmlformats.org/drawingml/2006/main" xmlns:r="http://schemas.openxmlformats.org/officeDocument/2006/relationships" xmlns:mc="http://schemas.openxmlformats.org/markup-compatibility/2006" xmlns:mv="urn:schemas-microsoft-com:mac:vml" xmlns:p="http://schemas.openxmlformats.org/presentationml/2006/main" xmlns:c="http://schemas.openxmlformats.org/drawingml/2006/chart" xmlns:dgm="http://schemas.openxmlformats.org/drawingml/2006/diagram" xmlns:o="urn:schemas-microsoft-com:office:office" xmlns:v="urn:schemas-microsoft-com:vml" xmlns:pvml="urn:schemas-microsoft-com:office:powerpoint" xmlns:com="http://schemas.openxmlformats.org/drawingml/2006/compatibility" xmlns:p14="http://schemas.microsoft.com/office/powerpoint/2010/main" xmlns:p15="http://schemas.microsoft.com/office/powerpoint/2012/main">
+<p:sld xmlns:a="http://schemas.openxmlformats.org/drawingml/2006/main" xmlns:r="http://schemas.openxmlformats.org/officeDocument/2006/relationships" xmlns:mc="http://schemas.openxmlformats.org/markup-compatibility/2006" xmlns:mv="urn:schemas-microsoft-com:mac:vml" xmlns:p="http://schemas.openxmlformats.org/presentationml/2006/main" xmlns:c="http://schemas.openxmlformats.org/drawingml/2006/chart" xmlns:dgm="http://schemas.openxmlformats.org/drawingml/2006/diagram" xmlns:o="urn:schemas-microsoft-com:office:office" xmlns:v="urn:schemas-microsoft-com:vml" xmlns:pvml="urn:schemas-microsoft-com:office:powerpoint" xmlns:com="http://schemas.openxmlformats.org/drawingml/2006/compatibility" xmlns:p14="http://schemas.microsoft.com/office/powerpoint/2010/main" xmlns:p15="http://schemas.microsoft.com/office/powerpoint/2012/main" xmlns:ahyp="http://schemas.microsoft.com/office/drawing/2018/hyperlinkcolor">
   <p:cSld>
     <p:spTree>
       <p:nvGrpSpPr>
@@ -22186,7 +22192,7 @@
 </file>
 
 <file path=ppt/slides/slide7.xml><?xml version="1.0" encoding="utf-8"?>
-<p:sld xmlns:a="http://schemas.openxmlformats.org/drawingml/2006/main" xmlns:r="http://schemas.openxmlformats.org/officeDocument/2006/relationships" xmlns:mc="http://schemas.openxmlformats.org/markup-compatibility/2006" xmlns:mv="urn:schemas-microsoft-com:mac:vml" xmlns:p="http://schemas.openxmlformats.org/presentationml/2006/main" xmlns:c="http://schemas.openxmlformats.org/drawingml/2006/chart" xmlns:dgm="http://schemas.openxmlformats.org/drawingml/2006/diagram" xmlns:o="urn:schemas-microsoft-com:office:office" xmlns:v="urn:schemas-microsoft-com:vml" xmlns:pvml="urn:schemas-microsoft-com:office:powerpoint" xmlns:com="http://schemas.openxmlformats.org/drawingml/2006/compatibility" xmlns:p14="http://schemas.microsoft.com/office/powerpoint/2010/main" xmlns:p15="http://schemas.microsoft.com/office/powerpoint/2012/main">
+<p:sld xmlns:a="http://schemas.openxmlformats.org/drawingml/2006/main" xmlns:r="http://schemas.openxmlformats.org/officeDocument/2006/relationships" xmlns:mc="http://schemas.openxmlformats.org/markup-compatibility/2006" xmlns:mv="urn:schemas-microsoft-com:mac:vml" xmlns:p="http://schemas.openxmlformats.org/presentationml/2006/main" xmlns:c="http://schemas.openxmlformats.org/drawingml/2006/chart" xmlns:dgm="http://schemas.openxmlformats.org/drawingml/2006/diagram" xmlns:o="urn:schemas-microsoft-com:office:office" xmlns:v="urn:schemas-microsoft-com:vml" xmlns:pvml="urn:schemas-microsoft-com:office:powerpoint" xmlns:com="http://schemas.openxmlformats.org/drawingml/2006/compatibility" xmlns:p14="http://schemas.microsoft.com/office/powerpoint/2010/main" xmlns:p15="http://schemas.microsoft.com/office/powerpoint/2012/main" xmlns:ahyp="http://schemas.microsoft.com/office/drawing/2018/hyperlinkcolor">
   <p:cSld>
     <p:spTree>
       <p:nvGrpSpPr>
@@ -22696,7 +22702,7 @@
 </file>
 
 <file path=ppt/slides/slide8.xml><?xml version="1.0" encoding="utf-8"?>
-<p:sld xmlns:a="http://schemas.openxmlformats.org/drawingml/2006/main" xmlns:r="http://schemas.openxmlformats.org/officeDocument/2006/relationships" xmlns:mc="http://schemas.openxmlformats.org/markup-compatibility/2006" xmlns:mv="urn:schemas-microsoft-com:mac:vml" xmlns:p="http://schemas.openxmlformats.org/presentationml/2006/main" xmlns:c="http://schemas.openxmlformats.org/drawingml/2006/chart" xmlns:dgm="http://schemas.openxmlformats.org/drawingml/2006/diagram" xmlns:o="urn:schemas-microsoft-com:office:office" xmlns:v="urn:schemas-microsoft-com:vml" xmlns:pvml="urn:schemas-microsoft-com:office:powerpoint" xmlns:com="http://schemas.openxmlformats.org/drawingml/2006/compatibility" xmlns:p14="http://schemas.microsoft.com/office/powerpoint/2010/main" xmlns:p15="http://schemas.microsoft.com/office/powerpoint/2012/main">
+<p:sld xmlns:a="http://schemas.openxmlformats.org/drawingml/2006/main" xmlns:r="http://schemas.openxmlformats.org/officeDocument/2006/relationships" xmlns:mc="http://schemas.openxmlformats.org/markup-compatibility/2006" xmlns:mv="urn:schemas-microsoft-com:mac:vml" xmlns:p="http://schemas.openxmlformats.org/presentationml/2006/main" xmlns:c="http://schemas.openxmlformats.org/drawingml/2006/chart" xmlns:dgm="http://schemas.openxmlformats.org/drawingml/2006/diagram" xmlns:o="urn:schemas-microsoft-com:office:office" xmlns:v="urn:schemas-microsoft-com:vml" xmlns:pvml="urn:schemas-microsoft-com:office:powerpoint" xmlns:com="http://schemas.openxmlformats.org/drawingml/2006/compatibility" xmlns:p14="http://schemas.microsoft.com/office/powerpoint/2010/main" xmlns:p15="http://schemas.microsoft.com/office/powerpoint/2012/main" xmlns:ahyp="http://schemas.microsoft.com/office/drawing/2018/hyperlinkcolor">
   <p:cSld>
     <p:spTree>
       <p:nvGrpSpPr>
@@ -22878,7 +22884,7 @@
 </file>
 
 <file path=ppt/slides/slide9.xml><?xml version="1.0" encoding="utf-8"?>
-<p:sld xmlns:a="http://schemas.openxmlformats.org/drawingml/2006/main" xmlns:r="http://schemas.openxmlformats.org/officeDocument/2006/relationships" xmlns:mc="http://schemas.openxmlformats.org/markup-compatibility/2006" xmlns:mv="urn:schemas-microsoft-com:mac:vml" xmlns:p="http://schemas.openxmlformats.org/presentationml/2006/main" xmlns:c="http://schemas.openxmlformats.org/drawingml/2006/chart" xmlns:dgm="http://schemas.openxmlformats.org/drawingml/2006/diagram" xmlns:o="urn:schemas-microsoft-com:office:office" xmlns:v="urn:schemas-microsoft-com:vml" xmlns:pvml="urn:schemas-microsoft-com:office:powerpoint" xmlns:com="http://schemas.openxmlformats.org/drawingml/2006/compatibility" xmlns:p14="http://schemas.microsoft.com/office/powerpoint/2010/main" xmlns:p15="http://schemas.microsoft.com/office/powerpoint/2012/main">
+<p:sld xmlns:a="http://schemas.openxmlformats.org/drawingml/2006/main" xmlns:r="http://schemas.openxmlformats.org/officeDocument/2006/relationships" xmlns:mc="http://schemas.openxmlformats.org/markup-compatibility/2006" xmlns:mv="urn:schemas-microsoft-com:mac:vml" xmlns:p="http://schemas.openxmlformats.org/presentationml/2006/main" xmlns:c="http://schemas.openxmlformats.org/drawingml/2006/chart" xmlns:dgm="http://schemas.openxmlformats.org/drawingml/2006/diagram" xmlns:o="urn:schemas-microsoft-com:office:office" xmlns:v="urn:schemas-microsoft-com:vml" xmlns:pvml="urn:schemas-microsoft-com:office:powerpoint" xmlns:com="http://schemas.openxmlformats.org/drawingml/2006/compatibility" xmlns:p14="http://schemas.microsoft.com/office/powerpoint/2010/main" xmlns:p15="http://schemas.microsoft.com/office/powerpoint/2012/main" xmlns:ahyp="http://schemas.microsoft.com/office/drawing/2018/hyperlinkcolor">
   <p:cSld>
     <p:spTree>
       <p:nvGrpSpPr>

--- a/pres-source/01-cloud-overview.pptx
+++ b/pres-source/01-cloud-overview.pptx
@@ -1974,7 +1974,7 @@
   <p:cSld>
     <p:spTree>
       <p:nvGrpSpPr>
-        <p:cNvPr id="186" name="Shape 186"/>
+        <p:cNvPr id="185" name="Shape 185"/>
         <p:cNvGrpSpPr/>
         <p:nvPr/>
       </p:nvGrpSpPr>
@@ -1988,7 +1988,7 @@
       </p:grpSpPr>
       <p:sp>
         <p:nvSpPr>
-          <p:cNvPr id="187" name="Google Shape;187;p14:notes"/>
+          <p:cNvPr id="186" name="Google Shape;186;p14:notes"/>
           <p:cNvSpPr txBox="1"/>
           <p:nvPr>
             <p:ph idx="1" type="body"/>
@@ -2027,7 +2027,7 @@
       </p:sp>
       <p:sp>
         <p:nvSpPr>
-          <p:cNvPr id="188" name="Google Shape;188;p14:notes"/>
+          <p:cNvPr id="187" name="Google Shape;187;p14:notes"/>
           <p:cNvSpPr/>
           <p:nvPr>
             <p:ph idx="2" type="sldImg"/>
@@ -2073,7 +2073,7 @@
   <p:cSld>
     <p:spTree>
       <p:nvGrpSpPr>
-        <p:cNvPr id="191" name="Shape 191"/>
+        <p:cNvPr id="190" name="Shape 190"/>
         <p:cNvGrpSpPr/>
         <p:nvPr/>
       </p:nvGrpSpPr>
@@ -2087,7 +2087,7 @@
       </p:grpSpPr>
       <p:sp>
         <p:nvSpPr>
-          <p:cNvPr id="192" name="Google Shape;192;p15:notes"/>
+          <p:cNvPr id="191" name="Google Shape;191;p15:notes"/>
           <p:cNvSpPr txBox="1"/>
           <p:nvPr>
             <p:ph idx="1" type="body"/>
@@ -2126,7 +2126,7 @@
       </p:sp>
       <p:sp>
         <p:nvSpPr>
-          <p:cNvPr id="193" name="Google Shape;193;p15:notes"/>
+          <p:cNvPr id="192" name="Google Shape;192;p15:notes"/>
           <p:cNvSpPr/>
           <p:nvPr>
             <p:ph idx="2" type="sldImg"/>
@@ -2172,7 +2172,7 @@
   <p:cSld>
     <p:spTree>
       <p:nvGrpSpPr>
-        <p:cNvPr id="197" name="Shape 197"/>
+        <p:cNvPr id="196" name="Shape 196"/>
         <p:cNvGrpSpPr/>
         <p:nvPr/>
       </p:nvGrpSpPr>
@@ -2186,7 +2186,7 @@
       </p:grpSpPr>
       <p:sp>
         <p:nvSpPr>
-          <p:cNvPr id="198" name="Google Shape;198;p16:notes"/>
+          <p:cNvPr id="197" name="Google Shape;197;p16:notes"/>
           <p:cNvSpPr txBox="1"/>
           <p:nvPr>
             <p:ph idx="1" type="body"/>
@@ -2225,7 +2225,7 @@
       </p:sp>
       <p:sp>
         <p:nvSpPr>
-          <p:cNvPr id="199" name="Google Shape;199;p16:notes"/>
+          <p:cNvPr id="198" name="Google Shape;198;p16:notes"/>
           <p:cNvSpPr/>
           <p:nvPr>
             <p:ph idx="2" type="sldImg"/>
@@ -2271,7 +2271,7 @@
   <p:cSld>
     <p:spTree>
       <p:nvGrpSpPr>
-        <p:cNvPr id="203" name="Shape 203"/>
+        <p:cNvPr id="202" name="Shape 202"/>
         <p:cNvGrpSpPr/>
         <p:nvPr/>
       </p:nvGrpSpPr>
@@ -2285,7 +2285,7 @@
       </p:grpSpPr>
       <p:sp>
         <p:nvSpPr>
-          <p:cNvPr id="204" name="Google Shape;204;p17:notes"/>
+          <p:cNvPr id="203" name="Google Shape;203;p17:notes"/>
           <p:cNvSpPr txBox="1"/>
           <p:nvPr>
             <p:ph idx="1" type="body"/>
@@ -2324,7 +2324,7 @@
       </p:sp>
       <p:sp>
         <p:nvSpPr>
-          <p:cNvPr id="205" name="Google Shape;205;p17:notes"/>
+          <p:cNvPr id="204" name="Google Shape;204;p17:notes"/>
           <p:cNvSpPr/>
           <p:nvPr>
             <p:ph idx="2" type="sldImg"/>
@@ -2370,7 +2370,7 @@
   <p:cSld>
     <p:spTree>
       <p:nvGrpSpPr>
-        <p:cNvPr id="210" name="Shape 210"/>
+        <p:cNvPr id="209" name="Shape 209"/>
         <p:cNvGrpSpPr/>
         <p:nvPr/>
       </p:nvGrpSpPr>
@@ -2384,7 +2384,7 @@
       </p:grpSpPr>
       <p:sp>
         <p:nvSpPr>
-          <p:cNvPr id="211" name="Google Shape;211;p18:notes"/>
+          <p:cNvPr id="210" name="Google Shape;210;p18:notes"/>
           <p:cNvSpPr/>
           <p:nvPr>
             <p:ph idx="2" type="sldImg"/>
@@ -2429,7 +2429,7 @@
       </p:sp>
       <p:sp>
         <p:nvSpPr>
-          <p:cNvPr id="212" name="Google Shape;212;p18:notes"/>
+          <p:cNvPr id="211" name="Google Shape;211;p18:notes"/>
           <p:cNvSpPr txBox="1"/>
           <p:nvPr>
             <p:ph idx="1" type="body"/>
@@ -2726,7 +2726,7 @@
   <p:cSld>
     <p:spTree>
       <p:nvGrpSpPr>
-        <p:cNvPr id="216" name="Shape 216"/>
+        <p:cNvPr id="215" name="Shape 215"/>
         <p:cNvGrpSpPr/>
         <p:nvPr/>
       </p:nvGrpSpPr>
@@ -2740,7 +2740,7 @@
       </p:grpSpPr>
       <p:sp>
         <p:nvSpPr>
-          <p:cNvPr id="217" name="Google Shape;217;p19:notes"/>
+          <p:cNvPr id="216" name="Google Shape;216;p19:notes"/>
           <p:cNvSpPr/>
           <p:nvPr>
             <p:ph idx="2" type="sldImg"/>
@@ -2785,7 +2785,7 @@
       </p:sp>
       <p:sp>
         <p:nvSpPr>
-          <p:cNvPr id="218" name="Google Shape;218;p19:notes"/>
+          <p:cNvPr id="217" name="Google Shape;217;p19:notes"/>
           <p:cNvSpPr txBox="1"/>
           <p:nvPr>
             <p:ph idx="1" type="body"/>
@@ -3195,7 +3195,7 @@
   <p:cSld>
     <p:spTree>
       <p:nvGrpSpPr>
-        <p:cNvPr id="225" name="Shape 225"/>
+        <p:cNvPr id="224" name="Shape 224"/>
         <p:cNvGrpSpPr/>
         <p:nvPr/>
       </p:nvGrpSpPr>
@@ -3209,7 +3209,7 @@
       </p:grpSpPr>
       <p:sp>
         <p:nvSpPr>
-          <p:cNvPr id="226" name="Google Shape;226;p20:notes"/>
+          <p:cNvPr id="225" name="Google Shape;225;p20:notes"/>
           <p:cNvSpPr/>
           <p:nvPr>
             <p:ph idx="2" type="sldImg"/>
@@ -3254,7 +3254,7 @@
       </p:sp>
       <p:sp>
         <p:nvSpPr>
-          <p:cNvPr id="227" name="Google Shape;227;p20:notes"/>
+          <p:cNvPr id="226" name="Google Shape;226;p20:notes"/>
           <p:cNvSpPr txBox="1"/>
           <p:nvPr>
             <p:ph idx="1" type="body"/>
@@ -3519,7 +3519,7 @@
   <p:cSld>
     <p:spTree>
       <p:nvGrpSpPr>
-        <p:cNvPr id="231" name="Shape 231"/>
+        <p:cNvPr id="230" name="Shape 230"/>
         <p:cNvGrpSpPr/>
         <p:nvPr/>
       </p:nvGrpSpPr>
@@ -3533,7 +3533,7 @@
       </p:grpSpPr>
       <p:sp>
         <p:nvSpPr>
-          <p:cNvPr id="232" name="Google Shape;232;p21:notes"/>
+          <p:cNvPr id="231" name="Google Shape;231;p21:notes"/>
           <p:cNvSpPr txBox="1"/>
           <p:nvPr>
             <p:ph idx="1" type="body"/>
@@ -3572,7 +3572,7 @@
       </p:sp>
       <p:sp>
         <p:nvSpPr>
-          <p:cNvPr id="233" name="Google Shape;233;p21:notes"/>
+          <p:cNvPr id="232" name="Google Shape;232;p21:notes"/>
           <p:cNvSpPr/>
           <p:nvPr>
             <p:ph idx="2" type="sldImg"/>
@@ -3618,7 +3618,7 @@
   <p:cSld>
     <p:spTree>
       <p:nvGrpSpPr>
-        <p:cNvPr id="237" name="Shape 237"/>
+        <p:cNvPr id="236" name="Shape 236"/>
         <p:cNvGrpSpPr/>
         <p:nvPr/>
       </p:nvGrpSpPr>
@@ -3632,7 +3632,7 @@
       </p:grpSpPr>
       <p:sp>
         <p:nvSpPr>
-          <p:cNvPr id="238" name="Google Shape;238;p22:notes"/>
+          <p:cNvPr id="237" name="Google Shape;237;p22:notes"/>
           <p:cNvSpPr txBox="1"/>
           <p:nvPr>
             <p:ph idx="1" type="body"/>
@@ -3671,7 +3671,7 @@
       </p:sp>
       <p:sp>
         <p:nvSpPr>
-          <p:cNvPr id="239" name="Google Shape;239;p22:notes"/>
+          <p:cNvPr id="238" name="Google Shape;238;p22:notes"/>
           <p:cNvSpPr/>
           <p:nvPr>
             <p:ph idx="2" type="sldImg"/>
@@ -3717,7 +3717,7 @@
   <p:cSld>
     <p:spTree>
       <p:nvGrpSpPr>
-        <p:cNvPr id="255" name="Shape 255"/>
+        <p:cNvPr id="254" name="Shape 254"/>
         <p:cNvGrpSpPr/>
         <p:nvPr/>
       </p:nvGrpSpPr>
@@ -3731,7 +3731,7 @@
       </p:grpSpPr>
       <p:sp>
         <p:nvSpPr>
-          <p:cNvPr id="256" name="Google Shape;256;g8b61d48a69_0_0:notes"/>
+          <p:cNvPr id="255" name="Google Shape;255;g8b61d48a69_0_0:notes"/>
           <p:cNvSpPr/>
           <p:nvPr>
             <p:ph idx="2" type="sldImg"/>
@@ -3766,7 +3766,7 @@
       </p:sp>
       <p:sp>
         <p:nvSpPr>
-          <p:cNvPr id="257" name="Google Shape;257;g8b61d48a69_0_0:notes"/>
+          <p:cNvPr id="256" name="Google Shape;256;g8b61d48a69_0_0:notes"/>
           <p:cNvSpPr txBox="1"/>
           <p:nvPr>
             <p:ph idx="1" type="body"/>
@@ -3805,7 +3805,7 @@
       </p:sp>
       <p:sp>
         <p:nvSpPr>
-          <p:cNvPr id="258" name="Google Shape;258;g8b61d48a69_0_0:notes"/>
+          <p:cNvPr id="257" name="Google Shape;257;g8b61d48a69_0_0:notes"/>
           <p:cNvSpPr txBox="1"/>
           <p:nvPr>
             <p:ph idx="12" type="sldNum"/>
@@ -3860,7 +3860,7 @@
   <p:cSld>
     <p:spTree>
       <p:nvGrpSpPr>
-        <p:cNvPr id="262" name="Shape 262"/>
+        <p:cNvPr id="261" name="Shape 261"/>
         <p:cNvGrpSpPr/>
         <p:nvPr/>
       </p:nvGrpSpPr>
@@ -3874,7 +3874,7 @@
       </p:grpSpPr>
       <p:sp>
         <p:nvSpPr>
-          <p:cNvPr id="263" name="Google Shape;263;p24:notes"/>
+          <p:cNvPr id="262" name="Google Shape;262;p24:notes"/>
           <p:cNvSpPr txBox="1"/>
           <p:nvPr>
             <p:ph idx="1" type="body"/>
@@ -3913,7 +3913,7 @@
       </p:sp>
       <p:sp>
         <p:nvSpPr>
-          <p:cNvPr id="264" name="Google Shape;264;p24:notes"/>
+          <p:cNvPr id="263" name="Google Shape;263;p24:notes"/>
           <p:cNvSpPr/>
           <p:nvPr>
             <p:ph idx="2" type="sldImg"/>
@@ -16310,7 +16310,7 @@
             </a:pPr>
             <a:r>
               <a:rPr lang="en-US" sz="2960"/>
-              <a:t>July 2020</a:t>
+              <a:t>July 2021</a:t>
             </a:r>
             <a:endParaRPr sz="2960"/>
           </a:p>
@@ -17956,53 +17956,6 @@
           </a:p>
         </p:txBody>
       </p:sp>
-      <p:sp>
-        <p:nvSpPr>
-          <p:cNvPr id="185" name="Google Shape;185;p26"/>
-          <p:cNvSpPr txBox="1"/>
-          <p:nvPr>
-            <p:ph idx="1" type="body"/>
-          </p:nvPr>
-        </p:nvSpPr>
-        <p:spPr>
-          <a:xfrm>
-            <a:off x="722313" y="2906713"/>
-            <a:ext cx="7772400" cy="1500187"/>
-          </a:xfrm>
-          <a:prstGeom prst="rect">
-            <a:avLst/>
-          </a:prstGeom>
-          <a:noFill/>
-          <a:ln>
-            <a:noFill/>
-          </a:ln>
-        </p:spPr>
-        <p:txBody>
-          <a:bodyPr anchorCtr="0" anchor="b" bIns="45700" lIns="91425" spcFirstLastPara="1" rIns="91425" wrap="square" tIns="45700">
-            <a:noAutofit/>
-          </a:bodyPr>
-          <a:lstStyle/>
-          <a:p>
-            <a:pPr indent="0" lvl="0" marL="0" rtl="0" algn="l">
-              <a:spcBef>
-                <a:spcPts val="0"/>
-              </a:spcBef>
-              <a:spcAft>
-                <a:spcPts val="0"/>
-              </a:spcAft>
-              <a:buClr>
-                <a:srgbClr val="888888"/>
-              </a:buClr>
-              <a:buSzPts val="2000"/>
-              <a:buNone/>
-            </a:pPr>
-            <a:r>
-              <a:t/>
-            </a:r>
-            <a:endParaRPr/>
-          </a:p>
-        </p:txBody>
-      </p:sp>
     </p:spTree>
   </p:cSld>
   <p:clrMapOvr>
@@ -18016,7 +17969,7 @@
   <p:cSld>
     <p:spTree>
       <p:nvGrpSpPr>
-        <p:cNvPr id="189" name="Shape 189"/>
+        <p:cNvPr id="188" name="Shape 188"/>
         <p:cNvGrpSpPr/>
         <p:nvPr/>
       </p:nvGrpSpPr>
@@ -18030,7 +17983,7 @@
       </p:grpSpPr>
       <p:pic>
         <p:nvPicPr>
-          <p:cNvPr id="190" name="Google Shape;190;p27"/>
+          <p:cNvPr id="189" name="Google Shape;189;p27"/>
           <p:cNvPicPr preferRelativeResize="0"/>
           <p:nvPr/>
         </p:nvPicPr>
@@ -18068,7 +18021,7 @@
   <p:cSld>
     <p:spTree>
       <p:nvGrpSpPr>
-        <p:cNvPr id="194" name="Shape 194"/>
+        <p:cNvPr id="193" name="Shape 193"/>
         <p:cNvGrpSpPr/>
         <p:nvPr/>
       </p:nvGrpSpPr>
@@ -18082,7 +18035,7 @@
       </p:grpSpPr>
       <p:sp>
         <p:nvSpPr>
-          <p:cNvPr id="195" name="Google Shape;195;p28"/>
+          <p:cNvPr id="194" name="Google Shape;194;p28"/>
           <p:cNvSpPr txBox="1"/>
           <p:nvPr>
             <p:ph type="title"/>
@@ -18131,7 +18084,7 @@
       </p:sp>
       <p:sp>
         <p:nvSpPr>
-          <p:cNvPr id="196" name="Google Shape;196;p28"/>
+          <p:cNvPr id="195" name="Google Shape;195;p28"/>
           <p:cNvSpPr txBox="1"/>
           <p:nvPr>
             <p:ph idx="1" type="body"/>
@@ -18298,7 +18251,7 @@
   <p:cSld>
     <p:spTree>
       <p:nvGrpSpPr>
-        <p:cNvPr id="200" name="Shape 200"/>
+        <p:cNvPr id="199" name="Shape 199"/>
         <p:cNvGrpSpPr/>
         <p:nvPr/>
       </p:nvGrpSpPr>
@@ -18312,7 +18265,7 @@
       </p:grpSpPr>
       <p:sp>
         <p:nvSpPr>
-          <p:cNvPr id="201" name="Google Shape;201;p29"/>
+          <p:cNvPr id="200" name="Google Shape;200;p29"/>
           <p:cNvSpPr txBox="1"/>
           <p:nvPr>
             <p:ph type="title"/>
@@ -18361,7 +18314,7 @@
       </p:sp>
       <p:pic>
         <p:nvPicPr>
-          <p:cNvPr id="202" name="Google Shape;202;p29"/>
+          <p:cNvPr id="201" name="Google Shape;201;p29"/>
           <p:cNvPicPr preferRelativeResize="0"/>
           <p:nvPr>
             <p:ph idx="4294967295" type="body"/>
@@ -18401,7 +18354,7 @@
   <p:cSld>
     <p:spTree>
       <p:nvGrpSpPr>
-        <p:cNvPr id="206" name="Shape 206"/>
+        <p:cNvPr id="205" name="Shape 205"/>
         <p:cNvGrpSpPr/>
         <p:nvPr/>
       </p:nvGrpSpPr>
@@ -18415,7 +18368,7 @@
       </p:grpSpPr>
       <p:sp>
         <p:nvSpPr>
-          <p:cNvPr id="207" name="Google Shape;207;p30"/>
+          <p:cNvPr id="206" name="Google Shape;206;p30"/>
           <p:cNvSpPr txBox="1"/>
           <p:nvPr>
             <p:ph type="title"/>
@@ -18464,7 +18417,7 @@
       </p:sp>
       <p:sp>
         <p:nvSpPr>
-          <p:cNvPr id="208" name="Google Shape;208;p30"/>
+          <p:cNvPr id="207" name="Google Shape;207;p30"/>
           <p:cNvSpPr txBox="1"/>
           <p:nvPr>
             <p:ph idx="12" type="sldNum"/>
@@ -18524,7 +18477,7 @@
       </p:sp>
       <p:pic>
         <p:nvPicPr>
-          <p:cNvPr id="209" name="Google Shape;209;p30"/>
+          <p:cNvPr id="208" name="Google Shape;208;p30"/>
           <p:cNvPicPr preferRelativeResize="0"/>
           <p:nvPr/>
         </p:nvPicPr>
@@ -18562,7 +18515,7 @@
   <p:cSld>
     <p:spTree>
       <p:nvGrpSpPr>
-        <p:cNvPr id="213" name="Shape 213"/>
+        <p:cNvPr id="212" name="Shape 212"/>
         <p:cNvGrpSpPr/>
         <p:nvPr/>
       </p:nvGrpSpPr>
@@ -18576,7 +18529,7 @@
       </p:grpSpPr>
       <p:pic>
         <p:nvPicPr>
-          <p:cNvPr id="214" name="Google Shape;214;p31"/>
+          <p:cNvPr id="213" name="Google Shape;213;p31"/>
           <p:cNvPicPr preferRelativeResize="0"/>
           <p:nvPr/>
         </p:nvPicPr>
@@ -18603,7 +18556,7 @@
       </p:pic>
       <p:sp>
         <p:nvSpPr>
-          <p:cNvPr id="215" name="Google Shape;215;p31"/>
+          <p:cNvPr id="214" name="Google Shape;214;p31"/>
           <p:cNvSpPr txBox="1"/>
           <p:nvPr>
             <p:ph type="title"/>
@@ -18695,7 +18648,7 @@
   <p:cSld>
     <p:spTree>
       <p:nvGrpSpPr>
-        <p:cNvPr id="219" name="Shape 219"/>
+        <p:cNvPr id="218" name="Shape 218"/>
         <p:cNvGrpSpPr/>
         <p:nvPr/>
       </p:nvGrpSpPr>
@@ -18709,7 +18662,7 @@
       </p:grpSpPr>
       <p:sp>
         <p:nvSpPr>
-          <p:cNvPr id="220" name="Google Shape;220;p32"/>
+          <p:cNvPr id="219" name="Google Shape;219;p32"/>
           <p:cNvSpPr txBox="1"/>
           <p:nvPr>
             <p:ph type="title"/>
@@ -18762,7 +18715,7 @@
       </p:sp>
       <p:sp>
         <p:nvSpPr>
-          <p:cNvPr id="221" name="Google Shape;221;p32"/>
+          <p:cNvPr id="220" name="Google Shape;220;p32"/>
           <p:cNvSpPr txBox="1"/>
           <p:nvPr>
             <p:ph idx="1" type="body"/>
@@ -18844,7 +18797,7 @@
       </p:sp>
       <p:sp>
         <p:nvSpPr>
-          <p:cNvPr id="222" name="Google Shape;222;p32"/>
+          <p:cNvPr id="221" name="Google Shape;221;p32"/>
           <p:cNvSpPr txBox="1"/>
           <p:nvPr>
             <p:ph idx="4294967295" type="body"/>
@@ -19069,7 +19022,7 @@
       </p:sp>
       <p:pic>
         <p:nvPicPr>
-          <p:cNvPr id="223" name="Google Shape;223;p32"/>
+          <p:cNvPr id="222" name="Google Shape;222;p32"/>
           <p:cNvPicPr preferRelativeResize="0"/>
           <p:nvPr/>
         </p:nvPicPr>
@@ -19096,7 +19049,7 @@
       </p:pic>
       <p:sp>
         <p:nvSpPr>
-          <p:cNvPr id="224" name="Google Shape;224;p32"/>
+          <p:cNvPr id="223" name="Google Shape;223;p32"/>
           <p:cNvSpPr txBox="1"/>
           <p:nvPr>
             <p:ph idx="4294967295" type="body"/>
@@ -19543,7 +19496,7 @@
   <p:cSld>
     <p:spTree>
       <p:nvGrpSpPr>
-        <p:cNvPr id="228" name="Shape 228"/>
+        <p:cNvPr id="227" name="Shape 227"/>
         <p:cNvGrpSpPr/>
         <p:nvPr/>
       </p:nvGrpSpPr>
@@ -19557,7 +19510,7 @@
       </p:grpSpPr>
       <p:pic>
         <p:nvPicPr>
-          <p:cNvPr id="229" name="Google Shape;229;p33"/>
+          <p:cNvPr id="228" name="Google Shape;228;p33"/>
           <p:cNvPicPr preferRelativeResize="0"/>
           <p:nvPr/>
         </p:nvPicPr>
@@ -19584,7 +19537,7 @@
       </p:pic>
       <p:sp>
         <p:nvSpPr>
-          <p:cNvPr id="230" name="Google Shape;230;p33"/>
+          <p:cNvPr id="229" name="Google Shape;229;p33"/>
           <p:cNvSpPr txBox="1"/>
           <p:nvPr>
             <p:ph type="title"/>
@@ -19652,7 +19605,7 @@
   <p:cSld>
     <p:spTree>
       <p:nvGrpSpPr>
-        <p:cNvPr id="234" name="Shape 234"/>
+        <p:cNvPr id="233" name="Shape 233"/>
         <p:cNvGrpSpPr/>
         <p:nvPr/>
       </p:nvGrpSpPr>
@@ -19666,7 +19619,7 @@
       </p:grpSpPr>
       <p:sp>
         <p:nvSpPr>
-          <p:cNvPr id="235" name="Google Shape;235;p34"/>
+          <p:cNvPr id="234" name="Google Shape;234;p34"/>
           <p:cNvSpPr txBox="1"/>
           <p:nvPr>
             <p:ph type="title"/>
@@ -19715,7 +19668,7 @@
       </p:sp>
       <p:sp>
         <p:nvSpPr>
-          <p:cNvPr id="236" name="Google Shape;236;p34"/>
+          <p:cNvPr id="235" name="Google Shape;235;p34"/>
           <p:cNvSpPr txBox="1"/>
           <p:nvPr>
             <p:ph idx="1" type="body"/>
@@ -19814,7 +19767,7 @@
   <p:cSld>
     <p:spTree>
       <p:nvGrpSpPr>
-        <p:cNvPr id="240" name="Shape 240"/>
+        <p:cNvPr id="239" name="Shape 239"/>
         <p:cNvGrpSpPr/>
         <p:nvPr/>
       </p:nvGrpSpPr>
@@ -19828,7 +19781,7 @@
       </p:grpSpPr>
       <p:sp>
         <p:nvSpPr>
-          <p:cNvPr id="241" name="Google Shape;241;p35"/>
+          <p:cNvPr id="240" name="Google Shape;240;p35"/>
           <p:cNvSpPr txBox="1"/>
           <p:nvPr>
             <p:ph type="title"/>
@@ -19877,7 +19830,7 @@
       </p:sp>
       <p:sp>
         <p:nvSpPr>
-          <p:cNvPr id="242" name="Google Shape;242;p35"/>
+          <p:cNvPr id="241" name="Google Shape;241;p35"/>
           <p:cNvSpPr/>
           <p:nvPr/>
         </p:nvSpPr>
@@ -20143,7 +20096,7 @@
       </p:sp>
       <p:sp>
         <p:nvSpPr>
-          <p:cNvPr id="243" name="Google Shape;243;p35"/>
+          <p:cNvPr id="242" name="Google Shape;242;p35"/>
           <p:cNvSpPr/>
           <p:nvPr/>
         </p:nvSpPr>
@@ -20218,7 +20171,7 @@
       </p:sp>
       <p:sp>
         <p:nvSpPr>
-          <p:cNvPr id="244" name="Google Shape;244;p35"/>
+          <p:cNvPr id="243" name="Google Shape;243;p35"/>
           <p:cNvSpPr/>
           <p:nvPr/>
         </p:nvSpPr>
@@ -20293,7 +20246,7 @@
       </p:sp>
       <p:sp>
         <p:nvSpPr>
-          <p:cNvPr id="245" name="Google Shape;245;p35"/>
+          <p:cNvPr id="244" name="Google Shape;244;p35"/>
           <p:cNvSpPr/>
           <p:nvPr/>
         </p:nvSpPr>
@@ -20383,7 +20336,7 @@
       </p:sp>
       <p:sp>
         <p:nvSpPr>
-          <p:cNvPr id="246" name="Google Shape;246;p35"/>
+          <p:cNvPr id="245" name="Google Shape;245;p35"/>
           <p:cNvSpPr txBox="1"/>
           <p:nvPr/>
         </p:nvSpPr>
@@ -20433,7 +20386,7 @@
       </p:sp>
       <p:sp>
         <p:nvSpPr>
-          <p:cNvPr id="247" name="Google Shape;247;p35"/>
+          <p:cNvPr id="246" name="Google Shape;246;p35"/>
           <p:cNvSpPr/>
           <p:nvPr/>
         </p:nvSpPr>
@@ -20488,9 +20441,9 @@
       </p:sp>
       <p:cxnSp>
         <p:nvCxnSpPr>
-          <p:cNvPr id="248" name="Google Shape;248;p35"/>
+          <p:cNvPr id="247" name="Google Shape;247;p35"/>
           <p:cNvCxnSpPr>
-            <a:endCxn id="244" idx="1"/>
+            <a:endCxn id="243" idx="1"/>
           </p:cNvCxnSpPr>
           <p:nvPr/>
         </p:nvCxnSpPr>
@@ -20516,10 +20469,10 @@
       </p:cxnSp>
       <p:cxnSp>
         <p:nvCxnSpPr>
-          <p:cNvPr id="249" name="Google Shape;249;p35"/>
+          <p:cNvPr id="248" name="Google Shape;248;p35"/>
           <p:cNvCxnSpPr>
-            <a:stCxn id="243" idx="1"/>
-            <a:endCxn id="242" idx="3"/>
+            <a:stCxn id="242" idx="1"/>
+            <a:endCxn id="241" idx="3"/>
           </p:cNvCxnSpPr>
           <p:nvPr/>
         </p:nvCxnSpPr>
@@ -20545,7 +20498,7 @@
       </p:cxnSp>
       <p:sp>
         <p:nvSpPr>
-          <p:cNvPr id="250" name="Google Shape;250;p35"/>
+          <p:cNvPr id="249" name="Google Shape;249;p35"/>
           <p:cNvSpPr txBox="1"/>
           <p:nvPr/>
         </p:nvSpPr>
@@ -20595,7 +20548,7 @@
       </p:sp>
       <p:sp>
         <p:nvSpPr>
-          <p:cNvPr id="251" name="Google Shape;251;p35"/>
+          <p:cNvPr id="250" name="Google Shape;250;p35"/>
           <p:cNvSpPr txBox="1"/>
           <p:nvPr/>
         </p:nvSpPr>
@@ -20669,7 +20622,7 @@
       </p:sp>
       <p:sp>
         <p:nvSpPr>
-          <p:cNvPr id="252" name="Google Shape;252;p35"/>
+          <p:cNvPr id="251" name="Google Shape;251;p35"/>
           <p:cNvSpPr/>
           <p:nvPr/>
         </p:nvSpPr>
@@ -20758,7 +20711,7 @@
       </p:sp>
       <p:sp>
         <p:nvSpPr>
-          <p:cNvPr id="253" name="Google Shape;253;p35"/>
+          <p:cNvPr id="252" name="Google Shape;252;p35"/>
           <p:cNvSpPr/>
           <p:nvPr/>
         </p:nvSpPr>
@@ -20847,7 +20800,7 @@
       </p:sp>
       <p:sp>
         <p:nvSpPr>
-          <p:cNvPr id="254" name="Google Shape;254;p35"/>
+          <p:cNvPr id="253" name="Google Shape;253;p35"/>
           <p:cNvSpPr/>
           <p:nvPr/>
         </p:nvSpPr>
@@ -20947,7 +20900,7 @@
   <p:cSld>
     <p:spTree>
       <p:nvGrpSpPr>
-        <p:cNvPr id="259" name="Shape 259"/>
+        <p:cNvPr id="258" name="Shape 258"/>
         <p:cNvGrpSpPr/>
         <p:nvPr/>
       </p:nvGrpSpPr>
@@ -20961,7 +20914,7 @@
       </p:grpSpPr>
       <p:sp>
         <p:nvSpPr>
-          <p:cNvPr id="260" name="Google Shape;260;p36"/>
+          <p:cNvPr id="259" name="Google Shape;259;p36"/>
           <p:cNvSpPr txBox="1"/>
           <p:nvPr>
             <p:ph type="title"/>
@@ -21001,7 +20954,7 @@
       </p:sp>
       <p:sp>
         <p:nvSpPr>
-          <p:cNvPr id="261" name="Google Shape;261;p36"/>
+          <p:cNvPr id="260" name="Google Shape;260;p36"/>
           <p:cNvSpPr txBox="1"/>
           <p:nvPr>
             <p:ph idx="1" type="body"/>
@@ -21119,7 +21072,7 @@
   <p:cSld>
     <p:spTree>
       <p:nvGrpSpPr>
-        <p:cNvPr id="265" name="Shape 265"/>
+        <p:cNvPr id="264" name="Shape 264"/>
         <p:cNvGrpSpPr/>
         <p:nvPr/>
       </p:nvGrpSpPr>
@@ -21133,7 +21086,7 @@
       </p:grpSpPr>
       <p:sp>
         <p:nvSpPr>
-          <p:cNvPr id="266" name="Google Shape;266;p37"/>
+          <p:cNvPr id="265" name="Google Shape;265;p37"/>
           <p:cNvSpPr txBox="1"/>
           <p:nvPr>
             <p:ph type="title"/>
@@ -22689,7 +22642,36 @@
               <a:rPr lang="en-US" sz="1400"/>
               <a:t>Supports continuous update, side-by-side operation, in-place testing and incremental production</a:t>
             </a:r>
-            <a:endParaRPr/>
+            <a:endParaRPr sz="1400"/>
+          </a:p>
+          <a:p>
+            <a:pPr indent="0" lvl="0" marL="0" rtl="0" algn="l">
+              <a:spcBef>
+                <a:spcPts val="280"/>
+              </a:spcBef>
+              <a:spcAft>
+                <a:spcPts val="0"/>
+              </a:spcAft>
+              <a:buNone/>
+            </a:pPr>
+            <a:r>
+              <a:rPr lang="en-US" sz="1400"/>
+              <a:t>Update: </a:t>
+            </a:r>
+            <a:r>
+              <a:rPr lang="en-US" sz="1400" u="sng">
+                <a:solidFill>
+                  <a:schemeClr val="hlink"/>
+                </a:solidFill>
+                <a:hlinkClick r:id="rId4"/>
+              </a:rPr>
+              <a:t>https://thenewstack.io/cloud-native-seven-years/</a:t>
+            </a:r>
+            <a:r>
+              <a:rPr lang="en-US" sz="1400"/>
+              <a:t> </a:t>
+            </a:r>
+            <a:endParaRPr sz="1400"/>
           </a:p>
         </p:txBody>
       </p:sp>

--- a/pres-source/01-cloud-overview.pptx
+++ b/pres-source/01-cloud-overview.pptx
@@ -1,6 +1,6 @@
 
 <file path=ppt/presentation.xml><?xml version="1.0" encoding="utf-8"?>
-<p:presentation xmlns:a="http://schemas.openxmlformats.org/drawingml/2006/main" xmlns:r="http://schemas.openxmlformats.org/officeDocument/2006/relationships" xmlns:mc="http://schemas.openxmlformats.org/markup-compatibility/2006" xmlns:mv="urn:schemas-microsoft-com:mac:vml" xmlns:p="http://schemas.openxmlformats.org/presentationml/2006/main" xmlns:c="http://schemas.openxmlformats.org/drawingml/2006/chart" xmlns:dgm="http://schemas.openxmlformats.org/drawingml/2006/diagram" xmlns:o="urn:schemas-microsoft-com:office:office" xmlns:v="urn:schemas-microsoft-com:vml" xmlns:pvml="urn:schemas-microsoft-com:office:powerpoint" xmlns:com="http://schemas.openxmlformats.org/drawingml/2006/compatibility" xmlns:p14="http://schemas.microsoft.com/office/powerpoint/2010/main" xmlns:p15="http://schemas.microsoft.com/office/powerpoint/2012/main" xmlns:ahyp="http://schemas.microsoft.com/office/drawing/2018/hyperlinkcolor" autoCompressPictures="0" embedTrueTypeFonts="1" strictFirstAndLastChars="0" saveSubsetFonts="1">
+<p:presentation xmlns:a="http://schemas.openxmlformats.org/drawingml/2006/main" xmlns:r="http://schemas.openxmlformats.org/officeDocument/2006/relationships" xmlns:mc="http://schemas.openxmlformats.org/markup-compatibility/2006" xmlns:mv="urn:schemas-microsoft-com:mac:vml" xmlns:p="http://schemas.openxmlformats.org/presentationml/2006/main" xmlns:c="http://schemas.openxmlformats.org/drawingml/2006/chart" xmlns:dgm="http://schemas.openxmlformats.org/drawingml/2006/diagram" xmlns:o="urn:schemas-microsoft-com:office:office" xmlns:v="urn:schemas-microsoft-com:vml" xmlns:pvml="urn:schemas-microsoft-com:office:powerpoint" xmlns:com="http://schemas.openxmlformats.org/drawingml/2006/compatibility" xmlns:p14="http://schemas.microsoft.com/office/powerpoint/2010/main" xmlns:p15="http://schemas.microsoft.com/office/powerpoint/2012/main" xmlns:ahyp="http://schemas.microsoft.com/office/drawing/2018/hyperlinkcolor" autoCompressPictures="0" strictFirstAndLastChars="0" saveSubsetFonts="1">
   <p:sldMasterIdLst>
     <p:sldMasterId id="2147483660" r:id="rId4"/>
   </p:sldMasterIdLst>
@@ -35,29 +35,6 @@
   </p:sldIdLst>
   <p:sldSz cy="6858000" cx="9144000"/>
   <p:notesSz cx="6858000" cy="9144000"/>
-  <p:embeddedFontLst>
-    <p:embeddedFont>
-      <p:font typeface="Montserrat"/>
-      <p:regular r:id="rId30"/>
-      <p:bold r:id="rId31"/>
-      <p:italic r:id="rId32"/>
-      <p:boldItalic r:id="rId33"/>
-    </p:embeddedFont>
-    <p:embeddedFont>
-      <p:font typeface="Quicksand"/>
-      <p:regular r:id="rId34"/>
-      <p:bold r:id="rId35"/>
-    </p:embeddedFont>
-    <p:embeddedFont>
-      <p:font typeface="Lustria"/>
-      <p:regular r:id="rId36"/>
-    </p:embeddedFont>
-    <p:embeddedFont>
-      <p:font typeface="Quicksand Light"/>
-      <p:regular r:id="rId37"/>
-      <p:bold r:id="rId38"/>
-    </p:embeddedFont>
-  </p:embeddedFontLst>
   <p:defaultTextStyle>
     <a:defPPr lvl="0" marR="0" rtl="0" algn="l">
       <a:lnSpc>
@@ -17199,7 +17176,7 @@
                 <a:schemeClr val="dk1"/>
               </a:buClr>
               <a:buSzPts val="800"/>
-              <a:buFont typeface="Quicksand Light"/>
+              <a:buFont typeface="Quicksand"/>
               <a:buNone/>
             </a:pPr>
             <a:r>
@@ -17207,10 +17184,10 @@
                 <a:solidFill>
                   <a:schemeClr val="dk1"/>
                 </a:solidFill>
-                <a:latin typeface="Quicksand Light"/>
-                <a:ea typeface="Quicksand Light"/>
-                <a:cs typeface="Quicksand Light"/>
-                <a:sym typeface="Quicksand Light"/>
+                <a:latin typeface="Quicksand"/>
+                <a:ea typeface="Quicksand"/>
+                <a:cs typeface="Quicksand"/>
+                <a:sym typeface="Quicksand"/>
               </a:rPr>
               <a:t>Linux/OS</a:t>
             </a:r>
@@ -17218,10 +17195,10 @@
               <a:solidFill>
                 <a:schemeClr val="dk1"/>
               </a:solidFill>
-              <a:latin typeface="Quicksand Light"/>
-              <a:ea typeface="Quicksand Light"/>
-              <a:cs typeface="Quicksand Light"/>
-              <a:sym typeface="Quicksand Light"/>
+              <a:latin typeface="Quicksand"/>
+              <a:ea typeface="Quicksand"/>
+              <a:cs typeface="Quicksand"/>
+              <a:sym typeface="Quicksand"/>
             </a:endParaRPr>
           </a:p>
         </p:txBody>
@@ -17262,7 +17239,7 @@
                 <a:schemeClr val="dk1"/>
               </a:buClr>
               <a:buSzPts val="800"/>
-              <a:buFont typeface="Quicksand Light"/>
+              <a:buFont typeface="Quicksand"/>
               <a:buNone/>
             </a:pPr>
             <a:r>
@@ -17270,10 +17247,10 @@
                 <a:solidFill>
                   <a:schemeClr val="dk1"/>
                 </a:solidFill>
-                <a:latin typeface="Quicksand Light"/>
-                <a:ea typeface="Quicksand Light"/>
-                <a:cs typeface="Quicksand Light"/>
-                <a:sym typeface="Quicksand Light"/>
+                <a:latin typeface="Quicksand"/>
+                <a:ea typeface="Quicksand"/>
+                <a:cs typeface="Quicksand"/>
+                <a:sym typeface="Quicksand"/>
               </a:rPr>
               <a:t>Virtualization</a:t>
             </a:r>
@@ -17281,10 +17258,10 @@
               <a:solidFill>
                 <a:schemeClr val="dk1"/>
               </a:solidFill>
-              <a:latin typeface="Quicksand Light"/>
-              <a:ea typeface="Quicksand Light"/>
-              <a:cs typeface="Quicksand Light"/>
-              <a:sym typeface="Quicksand Light"/>
+              <a:latin typeface="Quicksand"/>
+              <a:ea typeface="Quicksand"/>
+              <a:cs typeface="Quicksand"/>
+              <a:sym typeface="Quicksand"/>
             </a:endParaRPr>
           </a:p>
         </p:txBody>
@@ -17325,7 +17302,7 @@
                 <a:schemeClr val="dk1"/>
               </a:buClr>
               <a:buSzPts val="800"/>
-              <a:buFont typeface="Quicksand Light"/>
+              <a:buFont typeface="Quicksand"/>
               <a:buNone/>
             </a:pPr>
             <a:r>
@@ -17333,10 +17310,10 @@
                 <a:solidFill>
                   <a:schemeClr val="dk1"/>
                 </a:solidFill>
-                <a:latin typeface="Quicksand Light"/>
-                <a:ea typeface="Quicksand Light"/>
-                <a:cs typeface="Quicksand Light"/>
-                <a:sym typeface="Quicksand Light"/>
+                <a:latin typeface="Quicksand"/>
+                <a:ea typeface="Quicksand"/>
+                <a:cs typeface="Quicksand"/>
+                <a:sym typeface="Quicksand"/>
               </a:rPr>
               <a:t>Cloud</a:t>
             </a:r>
@@ -17344,10 +17321,10 @@
               <a:solidFill>
                 <a:schemeClr val="dk1"/>
               </a:solidFill>
-              <a:latin typeface="Quicksand Light"/>
-              <a:ea typeface="Quicksand Light"/>
-              <a:cs typeface="Quicksand Light"/>
-              <a:sym typeface="Quicksand Light"/>
+              <a:latin typeface="Quicksand"/>
+              <a:ea typeface="Quicksand"/>
+              <a:cs typeface="Quicksand"/>
+              <a:sym typeface="Quicksand"/>
             </a:endParaRPr>
           </a:p>
         </p:txBody>
@@ -17388,7 +17365,7 @@
                 <a:schemeClr val="dk1"/>
               </a:buClr>
               <a:buSzPts val="800"/>
-              <a:buFont typeface="Quicksand Light"/>
+              <a:buFont typeface="Quicksand"/>
               <a:buNone/>
             </a:pPr>
             <a:r>
@@ -17396,10 +17373,10 @@
                 <a:solidFill>
                   <a:schemeClr val="dk1"/>
                 </a:solidFill>
-                <a:latin typeface="Quicksand Light"/>
-                <a:ea typeface="Quicksand Light"/>
-                <a:cs typeface="Quicksand Light"/>
-                <a:sym typeface="Quicksand Light"/>
+                <a:latin typeface="Quicksand"/>
+                <a:ea typeface="Quicksand"/>
+                <a:cs typeface="Quicksand"/>
+                <a:sym typeface="Quicksand"/>
               </a:rPr>
               <a:t>Containers</a:t>
             </a:r>
@@ -17407,10 +17384,10 @@
               <a:solidFill>
                 <a:schemeClr val="dk1"/>
               </a:solidFill>
-              <a:latin typeface="Quicksand Light"/>
-              <a:ea typeface="Quicksand Light"/>
-              <a:cs typeface="Quicksand Light"/>
-              <a:sym typeface="Quicksand Light"/>
+              <a:latin typeface="Quicksand"/>
+              <a:ea typeface="Quicksand"/>
+              <a:cs typeface="Quicksand"/>
+              <a:sym typeface="Quicksand"/>
             </a:endParaRPr>
           </a:p>
         </p:txBody>
@@ -17451,7 +17428,7 @@
                 <a:schemeClr val="dk1"/>
               </a:buClr>
               <a:buSzPts val="800"/>
-              <a:buFont typeface="Quicksand Light"/>
+              <a:buFont typeface="Quicksand"/>
               <a:buNone/>
             </a:pPr>
             <a:r>
@@ -17459,10 +17436,10 @@
                 <a:solidFill>
                   <a:schemeClr val="dk1"/>
                 </a:solidFill>
-                <a:latin typeface="Quicksand Light"/>
-                <a:ea typeface="Quicksand Light"/>
-                <a:cs typeface="Quicksand Light"/>
-                <a:sym typeface="Quicksand Light"/>
+                <a:latin typeface="Quicksand"/>
+                <a:ea typeface="Quicksand"/>
+                <a:cs typeface="Quicksand"/>
+                <a:sym typeface="Quicksand"/>
               </a:rPr>
               <a:t>K8s, Cloud Orchestration</a:t>
             </a:r>
@@ -17470,10 +17447,10 @@
               <a:solidFill>
                 <a:schemeClr val="dk1"/>
               </a:solidFill>
-              <a:latin typeface="Quicksand Light"/>
-              <a:ea typeface="Quicksand Light"/>
-              <a:cs typeface="Quicksand Light"/>
-              <a:sym typeface="Quicksand Light"/>
+              <a:latin typeface="Quicksand"/>
+              <a:ea typeface="Quicksand"/>
+              <a:cs typeface="Quicksand"/>
+              <a:sym typeface="Quicksand"/>
             </a:endParaRPr>
           </a:p>
         </p:txBody>
@@ -17514,7 +17491,7 @@
                 <a:schemeClr val="dk1"/>
               </a:buClr>
               <a:buSzPts val="800"/>
-              <a:buFont typeface="Quicksand Light"/>
+              <a:buFont typeface="Quicksand"/>
               <a:buNone/>
             </a:pPr>
             <a:r>
@@ -17522,10 +17499,10 @@
                 <a:solidFill>
                   <a:schemeClr val="dk1"/>
                 </a:solidFill>
-                <a:latin typeface="Quicksand Light"/>
-                <a:ea typeface="Quicksand Light"/>
-                <a:cs typeface="Quicksand Light"/>
-                <a:sym typeface="Quicksand Light"/>
+                <a:latin typeface="Quicksand"/>
+                <a:ea typeface="Quicksand"/>
+                <a:cs typeface="Quicksand"/>
+                <a:sym typeface="Quicksand"/>
               </a:rPr>
               <a:t>ABIs</a:t>
             </a:r>
@@ -17533,10 +17510,10 @@
               <a:solidFill>
                 <a:schemeClr val="dk1"/>
               </a:solidFill>
-              <a:latin typeface="Quicksand Light"/>
-              <a:ea typeface="Quicksand Light"/>
-              <a:cs typeface="Quicksand Light"/>
-              <a:sym typeface="Quicksand Light"/>
+              <a:latin typeface="Quicksand"/>
+              <a:ea typeface="Quicksand"/>
+              <a:cs typeface="Quicksand"/>
+              <a:sym typeface="Quicksand"/>
             </a:endParaRPr>
           </a:p>
         </p:txBody>
@@ -17577,7 +17554,7 @@
                 <a:schemeClr val="dk1"/>
               </a:buClr>
               <a:buSzPts val="800"/>
-              <a:buFont typeface="Quicksand Light"/>
+              <a:buFont typeface="Quicksand"/>
               <a:buNone/>
             </a:pPr>
             <a:r>
@@ -17585,10 +17562,10 @@
                 <a:solidFill>
                   <a:schemeClr val="dk1"/>
                 </a:solidFill>
-                <a:latin typeface="Quicksand Light"/>
-                <a:ea typeface="Quicksand Light"/>
-                <a:cs typeface="Quicksand Light"/>
-                <a:sym typeface="Quicksand Light"/>
+                <a:latin typeface="Quicksand"/>
+                <a:ea typeface="Quicksand"/>
+                <a:cs typeface="Quicksand"/>
+                <a:sym typeface="Quicksand"/>
               </a:rPr>
               <a:t>Web Services</a:t>
             </a:r>
@@ -17596,10 +17573,10 @@
               <a:solidFill>
                 <a:schemeClr val="dk1"/>
               </a:solidFill>
-              <a:latin typeface="Quicksand Light"/>
-              <a:ea typeface="Quicksand Light"/>
-              <a:cs typeface="Quicksand Light"/>
-              <a:sym typeface="Quicksand Light"/>
+              <a:latin typeface="Quicksand"/>
+              <a:ea typeface="Quicksand"/>
+              <a:cs typeface="Quicksand"/>
+              <a:sym typeface="Quicksand"/>
             </a:endParaRPr>
           </a:p>
         </p:txBody>
@@ -17640,7 +17617,7 @@
                 <a:schemeClr val="dk1"/>
               </a:buClr>
               <a:buSzPts val="800"/>
-              <a:buFont typeface="Quicksand Light"/>
+              <a:buFont typeface="Quicksand"/>
               <a:buNone/>
             </a:pPr>
             <a:r>
@@ -17648,10 +17625,10 @@
                 <a:solidFill>
                   <a:schemeClr val="dk1"/>
                 </a:solidFill>
-                <a:latin typeface="Quicksand Light"/>
-                <a:ea typeface="Quicksand Light"/>
-                <a:cs typeface="Quicksand Light"/>
-                <a:sym typeface="Quicksand Light"/>
+                <a:latin typeface="Quicksand"/>
+                <a:ea typeface="Quicksand"/>
+                <a:cs typeface="Quicksand"/>
+                <a:sym typeface="Quicksand"/>
               </a:rPr>
               <a:t>SOA</a:t>
             </a:r>
@@ -17659,10 +17636,10 @@
               <a:solidFill>
                 <a:schemeClr val="dk1"/>
               </a:solidFill>
-              <a:latin typeface="Quicksand Light"/>
-              <a:ea typeface="Quicksand Light"/>
-              <a:cs typeface="Quicksand Light"/>
-              <a:sym typeface="Quicksand Light"/>
+              <a:latin typeface="Quicksand"/>
+              <a:ea typeface="Quicksand"/>
+              <a:cs typeface="Quicksand"/>
+              <a:sym typeface="Quicksand"/>
             </a:endParaRPr>
           </a:p>
         </p:txBody>
@@ -17703,7 +17680,7 @@
                 <a:schemeClr val="dk1"/>
               </a:buClr>
               <a:buSzPts val="800"/>
-              <a:buFont typeface="Quicksand Light"/>
+              <a:buFont typeface="Quicksand"/>
               <a:buNone/>
             </a:pPr>
             <a:r>
@@ -17711,10 +17688,10 @@
                 <a:solidFill>
                   <a:schemeClr val="dk1"/>
                 </a:solidFill>
-                <a:latin typeface="Quicksand Light"/>
-                <a:ea typeface="Quicksand Light"/>
-                <a:cs typeface="Quicksand Light"/>
-                <a:sym typeface="Quicksand Light"/>
+                <a:latin typeface="Quicksand"/>
+                <a:ea typeface="Quicksand"/>
+                <a:cs typeface="Quicksand"/>
+                <a:sym typeface="Quicksand"/>
               </a:rPr>
               <a:t>APIs</a:t>
             </a:r>
@@ -17722,10 +17699,10 @@
               <a:solidFill>
                 <a:schemeClr val="dk1"/>
               </a:solidFill>
-              <a:latin typeface="Quicksand Light"/>
-              <a:ea typeface="Quicksand Light"/>
-              <a:cs typeface="Quicksand Light"/>
-              <a:sym typeface="Quicksand Light"/>
+              <a:latin typeface="Quicksand"/>
+              <a:ea typeface="Quicksand"/>
+              <a:cs typeface="Quicksand"/>
+              <a:sym typeface="Quicksand"/>
             </a:endParaRPr>
           </a:p>
         </p:txBody>
@@ -17766,7 +17743,7 @@
                 <a:schemeClr val="dk1"/>
               </a:buClr>
               <a:buSzPts val="800"/>
-              <a:buFont typeface="Quicksand Light"/>
+              <a:buFont typeface="Quicksand"/>
               <a:buNone/>
             </a:pPr>
             <a:r>
@@ -17774,10 +17751,10 @@
                 <a:solidFill>
                   <a:schemeClr val="dk1"/>
                 </a:solidFill>
-                <a:latin typeface="Quicksand Light"/>
-                <a:ea typeface="Quicksand Light"/>
-                <a:cs typeface="Quicksand Light"/>
-                <a:sym typeface="Quicksand Light"/>
+                <a:latin typeface="Quicksand"/>
+                <a:ea typeface="Quicksand"/>
+                <a:cs typeface="Quicksand"/>
+                <a:sym typeface="Quicksand"/>
               </a:rPr>
               <a:t>Endpoints</a:t>
             </a:r>
@@ -17785,10 +17762,10 @@
               <a:solidFill>
                 <a:schemeClr val="dk1"/>
               </a:solidFill>
-              <a:latin typeface="Quicksand Light"/>
-              <a:ea typeface="Quicksand Light"/>
-              <a:cs typeface="Quicksand Light"/>
-              <a:sym typeface="Quicksand Light"/>
+              <a:latin typeface="Quicksand"/>
+              <a:ea typeface="Quicksand"/>
+              <a:cs typeface="Quicksand"/>
+              <a:sym typeface="Quicksand"/>
             </a:endParaRPr>
           </a:p>
         </p:txBody>

--- a/pres-source/01-cloud-overview.pptx
+++ b/pres-source/01-cloud-overview.pptx
@@ -1,6 +1,6 @@
 
 <file path=ppt/presentation.xml><?xml version="1.0" encoding="utf-8"?>
-<p:presentation xmlns:a="http://schemas.openxmlformats.org/drawingml/2006/main" xmlns:r="http://schemas.openxmlformats.org/officeDocument/2006/relationships" xmlns:mc="http://schemas.openxmlformats.org/markup-compatibility/2006" xmlns:mv="urn:schemas-microsoft-com:mac:vml" xmlns:p="http://schemas.openxmlformats.org/presentationml/2006/main" xmlns:c="http://schemas.openxmlformats.org/drawingml/2006/chart" xmlns:dgm="http://schemas.openxmlformats.org/drawingml/2006/diagram" xmlns:o="urn:schemas-microsoft-com:office:office" xmlns:v="urn:schemas-microsoft-com:vml" xmlns:pvml="urn:schemas-microsoft-com:office:powerpoint" xmlns:com="http://schemas.openxmlformats.org/drawingml/2006/compatibility" xmlns:p14="http://schemas.microsoft.com/office/powerpoint/2010/main" xmlns:p15="http://schemas.microsoft.com/office/powerpoint/2012/main" xmlns:ahyp="http://schemas.microsoft.com/office/drawing/2018/hyperlinkcolor" autoCompressPictures="0" strictFirstAndLastChars="0" saveSubsetFonts="1">
+<p:presentation xmlns:a="http://schemas.openxmlformats.org/drawingml/2006/main" xmlns:r="http://schemas.openxmlformats.org/officeDocument/2006/relationships" xmlns:mc="http://schemas.openxmlformats.org/markup-compatibility/2006" xmlns:mv="urn:schemas-microsoft-com:mac:vml" xmlns:p="http://schemas.openxmlformats.org/presentationml/2006/main" xmlns:c="http://schemas.openxmlformats.org/drawingml/2006/chart" xmlns:dgm="http://schemas.openxmlformats.org/drawingml/2006/diagram" xmlns:o="urn:schemas-microsoft-com:office:office" xmlns:v="urn:schemas-microsoft-com:vml" xmlns:pvml="urn:schemas-microsoft-com:office:powerpoint" xmlns:com="http://schemas.openxmlformats.org/drawingml/2006/compatibility" xmlns:p14="http://schemas.microsoft.com/office/powerpoint/2010/main" xmlns:p15="http://schemas.microsoft.com/office/powerpoint/2012/main" xmlns:ahyp="http://schemas.microsoft.com/office/drawing/2018/hyperlinkcolor" autoCompressPictures="0" embedTrueTypeFonts="1" strictFirstAndLastChars="0" saveSubsetFonts="1">
   <p:sldMasterIdLst>
     <p:sldMasterId id="2147483660" r:id="rId4"/>
   </p:sldMasterIdLst>
@@ -35,6 +35,24 @@
   </p:sldIdLst>
   <p:sldSz cy="6858000" cx="9144000"/>
   <p:notesSz cx="6858000" cy="9144000"/>
+  <p:embeddedFontLst>
+    <p:embeddedFont>
+      <p:font typeface="Montserrat"/>
+      <p:regular r:id="rId30"/>
+      <p:bold r:id="rId31"/>
+      <p:italic r:id="rId32"/>
+      <p:boldItalic r:id="rId33"/>
+    </p:embeddedFont>
+    <p:embeddedFont>
+      <p:font typeface="Quicksand"/>
+      <p:regular r:id="rId34"/>
+      <p:bold r:id="rId35"/>
+    </p:embeddedFont>
+    <p:embeddedFont>
+      <p:font typeface="Lustria"/>
+      <p:regular r:id="rId36"/>
+    </p:embeddedFont>
+  </p:embeddedFontLst>
   <p:defaultTextStyle>
     <a:defPPr lvl="0" marR="0" rtl="0" algn="l">
       <a:lnSpc>

--- a/pres-source/01-cloud-overview.pptx
+++ b/pres-source/01-cloud-overview.pptx
@@ -1,6 +1,6 @@
 
 <file path=ppt/presentation.xml><?xml version="1.0" encoding="utf-8"?>
-<p:presentation xmlns:a="http://schemas.openxmlformats.org/drawingml/2006/main" xmlns:r="http://schemas.openxmlformats.org/officeDocument/2006/relationships" xmlns:mc="http://schemas.openxmlformats.org/markup-compatibility/2006" xmlns:mv="urn:schemas-microsoft-com:mac:vml" xmlns:p="http://schemas.openxmlformats.org/presentationml/2006/main" xmlns:c="http://schemas.openxmlformats.org/drawingml/2006/chart" xmlns:dgm="http://schemas.openxmlformats.org/drawingml/2006/diagram" xmlns:o="urn:schemas-microsoft-com:office:office" xmlns:v="urn:schemas-microsoft-com:vml" xmlns:pvml="urn:schemas-microsoft-com:office:powerpoint" xmlns:com="http://schemas.openxmlformats.org/drawingml/2006/compatibility" xmlns:p14="http://schemas.microsoft.com/office/powerpoint/2010/main" xmlns:p15="http://schemas.microsoft.com/office/powerpoint/2012/main" xmlns:ahyp="http://schemas.microsoft.com/office/drawing/2018/hyperlinkcolor" autoCompressPictures="0" embedTrueTypeFonts="1" strictFirstAndLastChars="0" saveSubsetFonts="1">
+<p:presentation xmlns:a="http://schemas.openxmlformats.org/drawingml/2006/main" xmlns:r="http://schemas.openxmlformats.org/officeDocument/2006/relationships" xmlns:mc="http://schemas.openxmlformats.org/markup-compatibility/2006" xmlns:mv="urn:schemas-microsoft-com:mac:vml" xmlns:p="http://schemas.openxmlformats.org/presentationml/2006/main" xmlns:c="http://schemas.openxmlformats.org/drawingml/2006/chart" xmlns:dgm="http://schemas.openxmlformats.org/drawingml/2006/diagram" xmlns:o="urn:schemas-microsoft-com:office:office" xmlns:v="urn:schemas-microsoft-com:vml" xmlns:pvml="urn:schemas-microsoft-com:office:powerpoint" xmlns:com="http://schemas.openxmlformats.org/drawingml/2006/compatibility" xmlns:p14="http://schemas.microsoft.com/office/powerpoint/2010/main" xmlns:p15="http://schemas.microsoft.com/office/powerpoint/2012/main" xmlns:ahyp="http://schemas.microsoft.com/office/drawing/2018/hyperlinkcolor" autoCompressPictures="0" strictFirstAndLastChars="0" saveSubsetFonts="1">
   <p:sldMasterIdLst>
     <p:sldMasterId id="2147483660" r:id="rId4"/>
   </p:sldMasterIdLst>
@@ -35,24 +35,6 @@
   </p:sldIdLst>
   <p:sldSz cy="6858000" cx="9144000"/>
   <p:notesSz cx="6858000" cy="9144000"/>
-  <p:embeddedFontLst>
-    <p:embeddedFont>
-      <p:font typeface="Montserrat"/>
-      <p:regular r:id="rId30"/>
-      <p:bold r:id="rId31"/>
-      <p:italic r:id="rId32"/>
-      <p:boldItalic r:id="rId33"/>
-    </p:embeddedFont>
-    <p:embeddedFont>
-      <p:font typeface="Quicksand"/>
-      <p:regular r:id="rId34"/>
-      <p:bold r:id="rId35"/>
-    </p:embeddedFont>
-    <p:embeddedFont>
-      <p:font typeface="Lustria"/>
-      <p:regular r:id="rId36"/>
-    </p:embeddedFont>
-  </p:embeddedFontLst>
   <p:defaultTextStyle>
     <a:defPPr lvl="0" marR="0" rtl="0" algn="l">
       <a:lnSpc>
